--- a/slides.pptx
+++ b/slides.pptx
@@ -5,10 +5,10 @@
     <p:sldMasterId id="2147483672" r:id="rId1"/>
   </p:sldMasterIdLst>
   <p:notesMasterIdLst>
-    <p:notesMasterId r:id="rId46"/>
+    <p:notesMasterId r:id="rId45"/>
   </p:notesMasterIdLst>
   <p:handoutMasterIdLst>
-    <p:handoutMasterId r:id="rId47"/>
+    <p:handoutMasterId r:id="rId46"/>
   </p:handoutMasterIdLst>
   <p:sldIdLst>
     <p:sldId id="256" r:id="rId2"/>
@@ -29,32 +29,31 @@
     <p:sldId id="357" r:id="rId17"/>
     <p:sldId id="358" r:id="rId18"/>
     <p:sldId id="356" r:id="rId19"/>
-    <p:sldId id="342" r:id="rId20"/>
-    <p:sldId id="362" r:id="rId21"/>
-    <p:sldId id="327" r:id="rId22"/>
-    <p:sldId id="339" r:id="rId23"/>
-    <p:sldId id="338" r:id="rId24"/>
-    <p:sldId id="359" r:id="rId25"/>
-    <p:sldId id="360" r:id="rId26"/>
-    <p:sldId id="337" r:id="rId27"/>
-    <p:sldId id="343" r:id="rId28"/>
-    <p:sldId id="361" r:id="rId29"/>
-    <p:sldId id="340" r:id="rId30"/>
-    <p:sldId id="341" r:id="rId31"/>
-    <p:sldId id="344" r:id="rId32"/>
-    <p:sldId id="363" r:id="rId33"/>
-    <p:sldId id="334" r:id="rId34"/>
-    <p:sldId id="335" r:id="rId35"/>
-    <p:sldId id="336" r:id="rId36"/>
-    <p:sldId id="348" r:id="rId37"/>
-    <p:sldId id="347" r:id="rId38"/>
-    <p:sldId id="352" r:id="rId39"/>
-    <p:sldId id="364" r:id="rId40"/>
-    <p:sldId id="349" r:id="rId41"/>
-    <p:sldId id="351" r:id="rId42"/>
-    <p:sldId id="284" r:id="rId43"/>
-    <p:sldId id="289" r:id="rId44"/>
-    <p:sldId id="320" r:id="rId45"/>
+    <p:sldId id="362" r:id="rId20"/>
+    <p:sldId id="327" r:id="rId21"/>
+    <p:sldId id="339" r:id="rId22"/>
+    <p:sldId id="338" r:id="rId23"/>
+    <p:sldId id="359" r:id="rId24"/>
+    <p:sldId id="360" r:id="rId25"/>
+    <p:sldId id="337" r:id="rId26"/>
+    <p:sldId id="343" r:id="rId27"/>
+    <p:sldId id="361" r:id="rId28"/>
+    <p:sldId id="340" r:id="rId29"/>
+    <p:sldId id="341" r:id="rId30"/>
+    <p:sldId id="344" r:id="rId31"/>
+    <p:sldId id="363" r:id="rId32"/>
+    <p:sldId id="334" r:id="rId33"/>
+    <p:sldId id="335" r:id="rId34"/>
+    <p:sldId id="336" r:id="rId35"/>
+    <p:sldId id="348" r:id="rId36"/>
+    <p:sldId id="347" r:id="rId37"/>
+    <p:sldId id="352" r:id="rId38"/>
+    <p:sldId id="364" r:id="rId39"/>
+    <p:sldId id="349" r:id="rId40"/>
+    <p:sldId id="351" r:id="rId41"/>
+    <p:sldId id="284" r:id="rId42"/>
+    <p:sldId id="289" r:id="rId43"/>
+    <p:sldId id="320" r:id="rId44"/>
   </p:sldIdLst>
   <p:sldSz cx="12192000" cy="6858000"/>
   <p:notesSz cx="6858000" cy="9144000"/>
@@ -192,7 +191,6 @@
         </p14:section>
         <p14:section name="PCLs vs Standard" id="{70CAAC77-70CC-4670-9E3C-57B903F015B9}">
           <p14:sldIdLst>
-            <p14:sldId id="342"/>
             <p14:sldId id="362"/>
             <p14:sldId id="327"/>
             <p14:sldId id="339"/>
@@ -10034,7 +10032,7 @@
           <a:p>
             <a:fld id="{36562140-B735-4C60-B3C5-92EB3D8B05CE}" type="datetimeFigureOut">
               <a:rPr lang="en-US" smtClean="0"/>
-              <a:t>5/29/2017</a:t>
+              <a:t>6/7/2017</a:t>
             </a:fld>
             <a:endParaRPr lang="en-US"/>
           </a:p>
@@ -10199,7 +10197,7 @@
           <a:p>
             <a:fld id="{E818593E-236C-4E05-BB72-B29AB3CB2993}" type="datetimeFigureOut">
               <a:rPr lang="en-US" smtClean="0"/>
-              <a:t>5/29/2017</a:t>
+              <a:t>6/7/2017</a:t>
             </a:fld>
             <a:endParaRPr lang="en-US"/>
           </a:p>
@@ -10862,7 +10860,7 @@
           <a:p>
             <a:fld id="{E6D4E6FE-E9CE-402C-9CA5-D636DAC5C9B5}" type="slidenum">
               <a:rPr lang="en-US" smtClean="0"/>
-              <a:t>23</a:t>
+              <a:t>22</a:t>
             </a:fld>
             <a:endParaRPr lang="en-US"/>
           </a:p>
@@ -10946,7 +10944,7 @@
           <a:p>
             <a:fld id="{E6D4E6FE-E9CE-402C-9CA5-D636DAC5C9B5}" type="slidenum">
               <a:rPr lang="en-US" smtClean="0"/>
-              <a:t>25</a:t>
+              <a:t>24</a:t>
             </a:fld>
             <a:endParaRPr lang="en-US"/>
           </a:p>
@@ -11030,7 +11028,7 @@
           <a:p>
             <a:fld id="{E6D4E6FE-E9CE-402C-9CA5-D636DAC5C9B5}" type="slidenum">
               <a:rPr lang="en-US" smtClean="0"/>
-              <a:t>31</a:t>
+              <a:t>30</a:t>
             </a:fld>
             <a:endParaRPr lang="en-US"/>
           </a:p>
@@ -11151,7 +11149,7 @@
           <a:p>
             <a:fld id="{E6D4E6FE-E9CE-402C-9CA5-D636DAC5C9B5}" type="slidenum">
               <a:rPr lang="en-US" smtClean="0"/>
-              <a:t>33</a:t>
+              <a:t>32</a:t>
             </a:fld>
             <a:endParaRPr lang="en-US"/>
           </a:p>
@@ -11235,7 +11233,7 @@
           <a:p>
             <a:fld id="{E6D4E6FE-E9CE-402C-9CA5-D636DAC5C9B5}" type="slidenum">
               <a:rPr lang="en-US" smtClean="0"/>
-              <a:t>34</a:t>
+              <a:t>33</a:t>
             </a:fld>
             <a:endParaRPr lang="en-US"/>
           </a:p>
@@ -11343,7 +11341,7 @@
           <a:p>
             <a:fld id="{E6D4E6FE-E9CE-402C-9CA5-D636DAC5C9B5}" type="slidenum">
               <a:rPr lang="en-US" smtClean="0"/>
-              <a:t>35</a:t>
+              <a:t>34</a:t>
             </a:fld>
             <a:endParaRPr lang="en-US"/>
           </a:p>
@@ -11489,7 +11487,7 @@
           <a:p>
             <a:fld id="{FDB08721-E45B-4A66-93A6-531BE00DB2CF}" type="datetimeFigureOut">
               <a:rPr lang="en-US" smtClean="0"/>
-              <a:t>5/29/2017</a:t>
+              <a:t>6/7/2017</a:t>
             </a:fld>
             <a:endParaRPr lang="en-US"/>
           </a:p>
@@ -11793,7 +11791,7 @@
           <a:p>
             <a:fld id="{FDB08721-E45B-4A66-93A6-531BE00DB2CF}" type="datetimeFigureOut">
               <a:rPr lang="en-US" smtClean="0"/>
-              <a:t>5/29/2017</a:t>
+              <a:t>6/7/2017</a:t>
             </a:fld>
             <a:endParaRPr lang="en-US"/>
           </a:p>
@@ -11973,7 +11971,7 @@
           <a:p>
             <a:fld id="{FDB08721-E45B-4A66-93A6-531BE00DB2CF}" type="datetimeFigureOut">
               <a:rPr lang="en-US" smtClean="0"/>
-              <a:t>5/29/2017</a:t>
+              <a:t>6/7/2017</a:t>
             </a:fld>
             <a:endParaRPr lang="en-US"/>
           </a:p>
@@ -12143,7 +12141,7 @@
           <a:p>
             <a:fld id="{FDB08721-E45B-4A66-93A6-531BE00DB2CF}" type="datetimeFigureOut">
               <a:rPr lang="en-US" smtClean="0"/>
-              <a:t>5/29/2017</a:t>
+              <a:t>6/7/2017</a:t>
             </a:fld>
             <a:endParaRPr lang="en-US"/>
           </a:p>
@@ -12399,7 +12397,7 @@
           <a:p>
             <a:fld id="{FDB08721-E45B-4A66-93A6-531BE00DB2CF}" type="datetimeFigureOut">
               <a:rPr lang="en-US" smtClean="0"/>
-              <a:t>5/29/2017</a:t>
+              <a:t>6/7/2017</a:t>
             </a:fld>
             <a:endParaRPr lang="en-US"/>
           </a:p>
@@ -12687,7 +12685,7 @@
           <a:p>
             <a:fld id="{FDB08721-E45B-4A66-93A6-531BE00DB2CF}" type="datetimeFigureOut">
               <a:rPr lang="en-US" smtClean="0"/>
-              <a:t>5/29/2017</a:t>
+              <a:t>6/7/2017</a:t>
             </a:fld>
             <a:endParaRPr lang="en-US"/>
           </a:p>
@@ -13125,7 +13123,7 @@
           <a:p>
             <a:fld id="{FDB08721-E45B-4A66-93A6-531BE00DB2CF}" type="datetimeFigureOut">
               <a:rPr lang="en-US" smtClean="0"/>
-              <a:t>5/29/2017</a:t>
+              <a:t>6/7/2017</a:t>
             </a:fld>
             <a:endParaRPr lang="en-US"/>
           </a:p>
@@ -13243,7 +13241,7 @@
           <a:p>
             <a:fld id="{FDB08721-E45B-4A66-93A6-531BE00DB2CF}" type="datetimeFigureOut">
               <a:rPr lang="en-US" smtClean="0"/>
-              <a:t>5/29/2017</a:t>
+              <a:t>6/7/2017</a:t>
             </a:fld>
             <a:endParaRPr lang="en-US"/>
           </a:p>
@@ -13338,7 +13336,7 @@
           <a:p>
             <a:fld id="{FDB08721-E45B-4A66-93A6-531BE00DB2CF}" type="datetimeFigureOut">
               <a:rPr lang="en-US" smtClean="0"/>
-              <a:t>5/29/2017</a:t>
+              <a:t>6/7/2017</a:t>
             </a:fld>
             <a:endParaRPr lang="en-US"/>
           </a:p>
@@ -13694,7 +13692,7 @@
           <a:p>
             <a:fld id="{FDB08721-E45B-4A66-93A6-531BE00DB2CF}" type="datetimeFigureOut">
               <a:rPr lang="en-US" smtClean="0"/>
-              <a:t>5/29/2017</a:t>
+              <a:t>6/7/2017</a:t>
             </a:fld>
             <a:endParaRPr lang="en-US"/>
           </a:p>
@@ -14010,7 +14008,7 @@
           <a:p>
             <a:fld id="{FDB08721-E45B-4A66-93A6-531BE00DB2CF}" type="datetimeFigureOut">
               <a:rPr lang="en-US" smtClean="0"/>
-              <a:t>5/29/2017</a:t>
+              <a:t>6/7/2017</a:t>
             </a:fld>
             <a:endParaRPr lang="en-US"/>
           </a:p>
@@ -14246,7 +14244,7 @@
             <a:fld id="{FDB08721-E45B-4A66-93A6-531BE00DB2CF}" type="datetimeFigureOut">
               <a:rPr lang="en-US" smtClean="0"/>
               <a:pPr/>
-              <a:t>5/29/2017</a:t>
+              <a:t>6/7/2017</a:t>
             </a:fld>
             <a:endParaRPr lang="en-US"/>
           </a:p>
@@ -17827,7 +17825,7 @@
       </p:grpSpPr>
       <p:sp>
         <p:nvSpPr>
-          <p:cNvPr id="4" name="Title 3"/>
+          <p:cNvPr id="2" name="Title 1"/>
           <p:cNvSpPr>
             <a:spLocks noGrp="1"/>
           </p:cNvSpPr>
@@ -17842,14 +17840,14 @@
           <a:p>
             <a:r>
               <a:rPr lang="en-US" dirty="0"/>
-              <a:t>.NET Standard vs Other Ways to Share</a:t>
+              <a:t>Portable Class Libraries (PCLs)</a:t>
             </a:r>
           </a:p>
         </p:txBody>
       </p:sp>
       <p:sp>
         <p:nvSpPr>
-          <p:cNvPr id="5" name="Text Placeholder 4"/>
+          <p:cNvPr id="4" name="Text Placeholder 3"/>
           <p:cNvSpPr>
             <a:spLocks noGrp="1"/>
           </p:cNvSpPr>
@@ -17869,7 +17867,7 @@
     </p:spTree>
     <p:extLst>
       <p:ext uri="{BB962C8B-B14F-4D97-AF65-F5344CB8AC3E}">
-        <p14:creationId xmlns:p14="http://schemas.microsoft.com/office/powerpoint/2010/main" val="4024364652"/>
+        <p14:creationId xmlns:p14="http://schemas.microsoft.com/office/powerpoint/2010/main" val="3580136405"/>
       </p:ext>
     </p:extLst>
   </p:cSld>
@@ -18707,77 +18705,6 @@
 </file>
 
 <file path=ppt/slides/slide20.xml><?xml version="1.0" encoding="utf-8"?>
-<p:sld xmlns:a="http://schemas.openxmlformats.org/drawingml/2006/main" xmlns:r="http://schemas.openxmlformats.org/officeDocument/2006/relationships" xmlns:p="http://schemas.openxmlformats.org/presentationml/2006/main">
-  <p:cSld>
-    <p:spTree>
-      <p:nvGrpSpPr>
-        <p:cNvPr id="1" name=""/>
-        <p:cNvGrpSpPr/>
-        <p:nvPr/>
-      </p:nvGrpSpPr>
-      <p:grpSpPr>
-        <a:xfrm>
-          <a:off x="0" y="0"/>
-          <a:ext cx="0" cy="0"/>
-          <a:chOff x="0" y="0"/>
-          <a:chExt cx="0" cy="0"/>
-        </a:xfrm>
-      </p:grpSpPr>
-      <p:sp>
-        <p:nvSpPr>
-          <p:cNvPr id="2" name="Title 1"/>
-          <p:cNvSpPr>
-            <a:spLocks noGrp="1"/>
-          </p:cNvSpPr>
-          <p:nvPr>
-            <p:ph type="title"/>
-          </p:nvPr>
-        </p:nvSpPr>
-        <p:spPr/>
-        <p:txBody>
-          <a:bodyPr/>
-          <a:lstStyle/>
-          <a:p>
-            <a:r>
-              <a:rPr lang="en-US" dirty="0"/>
-              <a:t>Portable Class Libraries (PCLs)</a:t>
-            </a:r>
-          </a:p>
-        </p:txBody>
-      </p:sp>
-      <p:sp>
-        <p:nvSpPr>
-          <p:cNvPr id="4" name="Text Placeholder 3"/>
-          <p:cNvSpPr>
-            <a:spLocks noGrp="1"/>
-          </p:cNvSpPr>
-          <p:nvPr>
-            <p:ph type="body" idx="1"/>
-          </p:nvPr>
-        </p:nvSpPr>
-        <p:spPr/>
-        <p:txBody>
-          <a:bodyPr/>
-          <a:lstStyle/>
-          <a:p>
-            <a:endParaRPr lang="en-US"/>
-          </a:p>
-        </p:txBody>
-      </p:sp>
-    </p:spTree>
-    <p:extLst>
-      <p:ext uri="{BB962C8B-B14F-4D97-AF65-F5344CB8AC3E}">
-        <p14:creationId xmlns:p14="http://schemas.microsoft.com/office/powerpoint/2010/main" val="3580136405"/>
-      </p:ext>
-    </p:extLst>
-  </p:cSld>
-  <p:clrMapOvr>
-    <a:masterClrMapping/>
-  </p:clrMapOvr>
-</p:sld>
-</file>
-
-<file path=ppt/slides/slide21.xml><?xml version="1.0" encoding="utf-8"?>
 <p:sld xmlns:a="http://schemas.openxmlformats.org/drawingml/2006/main" xmlns:r="http://schemas.openxmlformats.org/officeDocument/2006/relationships" xmlns:p="http://schemas.openxmlformats.org/presentationml/2006/main">
   <p:cSld>
     <p:spTree>
@@ -23362,7 +23289,7 @@
 </p:sld>
 </file>
 
-<file path=ppt/slides/slide22.xml><?xml version="1.0" encoding="utf-8"?>
+<file path=ppt/slides/slide21.xml><?xml version="1.0" encoding="utf-8"?>
 <p:sld xmlns:a="http://schemas.openxmlformats.org/drawingml/2006/main" xmlns:r="http://schemas.openxmlformats.org/officeDocument/2006/relationships" xmlns:p="http://schemas.openxmlformats.org/presentationml/2006/main">
   <p:cSld>
     <p:spTree>
@@ -27520,7 +27447,7 @@
 </p:sld>
 </file>
 
-<file path=ppt/slides/slide23.xml><?xml version="1.0" encoding="utf-8"?>
+<file path=ppt/slides/slide22.xml><?xml version="1.0" encoding="utf-8"?>
 <p:sld xmlns:a="http://schemas.openxmlformats.org/drawingml/2006/main" xmlns:r="http://schemas.openxmlformats.org/officeDocument/2006/relationships" xmlns:p="http://schemas.openxmlformats.org/presentationml/2006/main">
   <p:cSld>
     <p:spTree>
@@ -27641,7 +27568,7 @@
 </p:sld>
 </file>
 
-<file path=ppt/slides/slide24.xml><?xml version="1.0" encoding="utf-8"?>
+<file path=ppt/slides/slide23.xml><?xml version="1.0" encoding="utf-8"?>
 <p:sld xmlns:a="http://schemas.openxmlformats.org/drawingml/2006/main" xmlns:r="http://schemas.openxmlformats.org/officeDocument/2006/relationships" xmlns:p="http://schemas.openxmlformats.org/presentationml/2006/main">
   <p:cSld>
     <p:spTree>
@@ -27717,7 +27644,7 @@
 </p:sld>
 </file>
 
-<file path=ppt/slides/slide25.xml><?xml version="1.0" encoding="utf-8"?>
+<file path=ppt/slides/slide24.xml><?xml version="1.0" encoding="utf-8"?>
 <p:sld xmlns:a="http://schemas.openxmlformats.org/drawingml/2006/main" xmlns:r="http://schemas.openxmlformats.org/officeDocument/2006/relationships" xmlns:p="http://schemas.openxmlformats.org/presentationml/2006/main">
   <p:cSld>
     <p:spTree>
@@ -27903,7 +27830,7 @@
 </p:sld>
 </file>
 
-<file path=ppt/slides/slide26.xml><?xml version="1.0" encoding="utf-8"?>
+<file path=ppt/slides/slide25.xml><?xml version="1.0" encoding="utf-8"?>
 <p:sld xmlns:a="http://schemas.openxmlformats.org/drawingml/2006/main" xmlns:r="http://schemas.openxmlformats.org/officeDocument/2006/relationships" xmlns:p="http://schemas.openxmlformats.org/presentationml/2006/main">
   <p:cSld>
     <p:spTree>
@@ -27996,7 +27923,7 @@
 </p:sld>
 </file>
 
-<file path=ppt/slides/slide27.xml><?xml version="1.0" encoding="utf-8"?>
+<file path=ppt/slides/slide26.xml><?xml version="1.0" encoding="utf-8"?>
 <p:sld xmlns:a="http://schemas.openxmlformats.org/drawingml/2006/main" xmlns:r="http://schemas.openxmlformats.org/officeDocument/2006/relationships" xmlns:p="http://schemas.openxmlformats.org/presentationml/2006/main">
   <p:cSld>
     <p:spTree>
@@ -28067,7 +27994,7 @@
 </p:sld>
 </file>
 
-<file path=ppt/slides/slide28.xml><?xml version="1.0" encoding="utf-8"?>
+<file path=ppt/slides/slide27.xml><?xml version="1.0" encoding="utf-8"?>
 <p:sld xmlns:a="http://schemas.openxmlformats.org/drawingml/2006/main" xmlns:r="http://schemas.openxmlformats.org/officeDocument/2006/relationships" xmlns:p="http://schemas.openxmlformats.org/presentationml/2006/main">
   <p:cSld>
     <p:spTree>
@@ -28144,7 +28071,7 @@
 </p:sld>
 </file>
 
-<file path=ppt/slides/slide29.xml><?xml version="1.0" encoding="utf-8"?>
+<file path=ppt/slides/slide28.xml><?xml version="1.0" encoding="utf-8"?>
 <p:sld xmlns:a="http://schemas.openxmlformats.org/drawingml/2006/main" xmlns:r="http://schemas.openxmlformats.org/officeDocument/2006/relationships" xmlns:p="http://schemas.openxmlformats.org/presentationml/2006/main">
   <p:cSld>
     <p:spTree>
@@ -31751,404 +31678,7 @@
 </p:sld>
 </file>
 
-<file path=ppt/slides/slide3.xml><?xml version="1.0" encoding="utf-8"?>
-<p:sld xmlns:a="http://schemas.openxmlformats.org/drawingml/2006/main" xmlns:r="http://schemas.openxmlformats.org/officeDocument/2006/relationships" xmlns:p="http://schemas.openxmlformats.org/presentationml/2006/main">
-  <p:cSld>
-    <p:spTree>
-      <p:nvGrpSpPr>
-        <p:cNvPr id="1" name=""/>
-        <p:cNvGrpSpPr/>
-        <p:nvPr/>
-      </p:nvGrpSpPr>
-      <p:grpSpPr>
-        <a:xfrm>
-          <a:off x="0" y="0"/>
-          <a:ext cx="0" cy="0"/>
-          <a:chOff x="0" y="0"/>
-          <a:chExt cx="0" cy="0"/>
-        </a:xfrm>
-      </p:grpSpPr>
-      <p:pic>
-        <p:nvPicPr>
-          <p:cNvPr id="4" name="Picture 2" descr="http://www.runintoart.com/charitywater.jpg"/>
-          <p:cNvPicPr>
-            <a:picLocks noChangeAspect="1" noChangeArrowheads="1"/>
-          </p:cNvPicPr>
-          <p:nvPr/>
-        </p:nvPicPr>
-        <p:blipFill>
-          <a:blip r:embed="rId2">
-            <a:extLst>
-              <a:ext uri="{28A0092B-C50C-407E-A947-70E740481C1C}">
-                <a14:useLocalDpi xmlns:a14="http://schemas.microsoft.com/office/drawing/2010/main" val="0"/>
-              </a:ext>
-            </a:extLst>
-          </a:blip>
-          <a:srcRect/>
-          <a:stretch>
-            <a:fillRect/>
-          </a:stretch>
-        </p:blipFill>
-        <p:spPr bwMode="auto">
-          <a:xfrm>
-            <a:off x="-1" y="0"/>
-            <a:ext cx="12192000" cy="8124826"/>
-          </a:xfrm>
-          <a:prstGeom prst="rect">
-            <a:avLst/>
-          </a:prstGeom>
-          <a:noFill/>
-          <a:extLst>
-            <a:ext uri="{909E8E84-426E-40DD-AFC4-6F175D3DCCD1}">
-              <a14:hiddenFill xmlns:a14="http://schemas.microsoft.com/office/drawing/2010/main">
-                <a:solidFill>
-                  <a:srgbClr val="FFFFFF"/>
-                </a:solidFill>
-              </a14:hiddenFill>
-            </a:ext>
-          </a:extLst>
-        </p:spPr>
-      </p:pic>
-      <p:sp>
-        <p:nvSpPr>
-          <p:cNvPr id="5" name="Title 1"/>
-          <p:cNvSpPr>
-            <a:spLocks noGrp="1"/>
-          </p:cNvSpPr>
-          <p:nvPr>
-            <p:ph type="title"/>
-          </p:nvPr>
-        </p:nvSpPr>
-        <p:spPr>
-          <a:xfrm>
-            <a:off x="838200" y="96178"/>
-            <a:ext cx="10515600" cy="1325563"/>
-          </a:xfrm>
-        </p:spPr>
-        <p:txBody>
-          <a:bodyPr>
-            <a:normAutofit/>
-          </a:bodyPr>
-          <a:lstStyle/>
-          <a:p>
-            <a:pPr algn="ctr"/>
-            <a:r>
-              <a:rPr lang="en-US" dirty="0">
-                <a:solidFill>
-                  <a:schemeClr val="bg1"/>
-                </a:solidFill>
-              </a:rPr>
-              <a:t>If You Give $50, So Will I!</a:t>
-            </a:r>
-            <a:endParaRPr lang="en-US" sz="3600" i="1" dirty="0">
-              <a:solidFill>
-                <a:schemeClr val="bg1"/>
-              </a:solidFill>
-            </a:endParaRPr>
-          </a:p>
-        </p:txBody>
-      </p:sp>
-      <p:sp>
-        <p:nvSpPr>
-          <p:cNvPr id="6" name="Content Placeholder 2"/>
-          <p:cNvSpPr>
-            <a:spLocks noGrp="1"/>
-          </p:cNvSpPr>
-          <p:nvPr>
-            <p:ph idx="1"/>
-          </p:nvPr>
-        </p:nvSpPr>
-        <p:spPr>
-          <a:xfrm>
-            <a:off x="838200" y="1359366"/>
-            <a:ext cx="10515600" cy="4900718"/>
-          </a:xfrm>
-        </p:spPr>
-        <p:txBody>
-          <a:bodyPr>
-            <a:normAutofit/>
-          </a:bodyPr>
-          <a:lstStyle/>
-          <a:p>
-            <a:pPr marL="0" indent="0" algn="ctr">
-              <a:buNone/>
-            </a:pPr>
-            <a:br>
-              <a:rPr lang="en-US" sz="2000" b="1" dirty="0">
-                <a:solidFill>
-                  <a:schemeClr val="bg1"/>
-                </a:solidFill>
-                <a:effectLst>
-                  <a:outerShdw blurRad="50800" dist="38100" dir="2700000" algn="tl" rotWithShape="0">
-                    <a:prstClr val="black">
-                      <a:alpha val="40000"/>
-                    </a:prstClr>
-                  </a:outerShdw>
-                </a:effectLst>
-              </a:rPr>
-            </a:br>
-            <a:r>
-              <a:rPr lang="en-US" sz="4800" b="1" dirty="0">
-                <a:solidFill>
-                  <a:schemeClr val="bg1"/>
-                </a:solidFill>
-                <a:effectLst>
-                  <a:outerShdw blurRad="50800" dist="38100" dir="8100000" algn="tr" rotWithShape="0">
-                    <a:prstClr val="black">
-                      <a:alpha val="40000"/>
-                    </a:prstClr>
-                  </a:outerShdw>
-                </a:effectLst>
-              </a:rPr>
-              <a:t>bit.ly/</a:t>
-            </a:r>
-            <a:r>
-              <a:rPr lang="en-US" sz="4800" b="1" dirty="0" err="1">
-                <a:solidFill>
-                  <a:schemeClr val="bg1"/>
-                </a:solidFill>
-                <a:effectLst>
-                  <a:outerShdw blurRad="50800" dist="38100" dir="8100000" algn="tr" rotWithShape="0">
-                    <a:prstClr val="black">
-                      <a:alpha val="40000"/>
-                    </a:prstClr>
-                  </a:outerShdw>
-                </a:effectLst>
-              </a:rPr>
-              <a:t>dns</a:t>
-            </a:r>
-            <a:r>
-              <a:rPr lang="en-US" sz="4800" b="1" dirty="0">
-                <a:solidFill>
-                  <a:schemeClr val="bg1"/>
-                </a:solidFill>
-                <a:effectLst>
-                  <a:outerShdw blurRad="50800" dist="38100" dir="8100000" algn="tr" rotWithShape="0">
-                    <a:prstClr val="black">
-                      <a:alpha val="40000"/>
-                    </a:prstClr>
-                  </a:outerShdw>
-                </a:effectLst>
-              </a:rPr>
-              <a:t>-water</a:t>
-            </a:r>
-            <a:endParaRPr lang="en-US" sz="4400" b="1" dirty="0">
-              <a:solidFill>
-                <a:schemeClr val="bg1"/>
-              </a:solidFill>
-              <a:effectLst>
-                <a:outerShdw blurRad="50800" dist="38100" dir="8100000" algn="tr" rotWithShape="0">
-                  <a:prstClr val="black">
-                    <a:alpha val="40000"/>
-                  </a:prstClr>
-                </a:outerShdw>
-              </a:effectLst>
-            </a:endParaRPr>
-          </a:p>
-          <a:p>
-            <a:pPr marL="0" indent="0" algn="just">
-              <a:buNone/>
-            </a:pPr>
-            <a:endParaRPr lang="en-US" sz="2400" i="1" dirty="0">
-              <a:solidFill>
-                <a:schemeClr val="bg1"/>
-              </a:solidFill>
-            </a:endParaRPr>
-          </a:p>
-          <a:p>
-            <a:pPr marL="0" indent="0" algn="just">
-              <a:buNone/>
-            </a:pPr>
-            <a:r>
-              <a:rPr lang="en-US" i="1" dirty="0">
-                <a:solidFill>
-                  <a:schemeClr val="bg1"/>
-                </a:solidFill>
-              </a:rPr>
-              <a:t>“</a:t>
-            </a:r>
-            <a:r>
-              <a:rPr lang="en-US" i="1" dirty="0" err="1">
-                <a:solidFill>
-                  <a:schemeClr val="bg1"/>
-                </a:solidFill>
-              </a:rPr>
-              <a:t>charity:water</a:t>
-            </a:r>
-            <a:r>
-              <a:rPr lang="en-US" i="1" dirty="0">
-                <a:solidFill>
-                  <a:schemeClr val="bg1"/>
-                </a:solidFill>
-              </a:rPr>
-              <a:t> is a non-profit organization that provides clean and safe drinking water to people in developing nations. The organization was founded in 2006 and has helped fund 22,936 projects in 24 countries, benefiting over 4.6 million people.” </a:t>
-            </a:r>
-            <a:r>
-              <a:rPr lang="en-US" sz="2400" dirty="0">
-                <a:solidFill>
-                  <a:schemeClr val="bg1"/>
-                </a:solidFill>
-              </a:rPr>
-              <a:t>- Wikipedia</a:t>
-            </a:r>
-          </a:p>
-          <a:p>
-            <a:pPr marL="0" indent="0" algn="just">
-              <a:buNone/>
-            </a:pPr>
-            <a:endParaRPr lang="en-US" sz="2400" dirty="0">
-              <a:solidFill>
-                <a:schemeClr val="bg1"/>
-              </a:solidFill>
-            </a:endParaRPr>
-          </a:p>
-          <a:p>
-            <a:pPr marL="0" indent="0">
-              <a:buNone/>
-            </a:pPr>
-            <a:r>
-              <a:rPr lang="en-US" sz="2400" i="1" dirty="0">
-                <a:solidFill>
-                  <a:schemeClr val="bg1"/>
-                </a:solidFill>
-              </a:rPr>
-              <a:t>“4/4 Stars” </a:t>
-            </a:r>
-            <a:br>
-              <a:rPr lang="en-US" sz="2400" i="1" dirty="0">
-                <a:solidFill>
-                  <a:schemeClr val="bg1"/>
-                </a:solidFill>
-              </a:rPr>
-            </a:br>
-            <a:r>
-              <a:rPr lang="en-US" sz="2400" i="1" dirty="0">
-                <a:solidFill>
-                  <a:schemeClr val="bg1"/>
-                </a:solidFill>
-              </a:rPr>
-              <a:t>- CharityNavigator.org</a:t>
-            </a:r>
-          </a:p>
-          <a:p>
-            <a:pPr marL="0" indent="0" algn="just">
-              <a:buNone/>
-            </a:pPr>
-            <a:endParaRPr lang="en-US" i="1" dirty="0">
-              <a:solidFill>
-                <a:schemeClr val="bg1"/>
-              </a:solidFill>
-            </a:endParaRPr>
-          </a:p>
-        </p:txBody>
-      </p:sp>
-      <p:sp>
-        <p:nvSpPr>
-          <p:cNvPr id="7" name="Rectangle 6"/>
-          <p:cNvSpPr/>
-          <p:nvPr/>
-        </p:nvSpPr>
-        <p:spPr>
-          <a:xfrm>
-            <a:off x="-1" y="6201415"/>
-            <a:ext cx="12192001" cy="792154"/>
-          </a:xfrm>
-          <a:prstGeom prst="rect">
-            <a:avLst/>
-          </a:prstGeom>
-          <a:solidFill>
-            <a:srgbClr val="BFBFBF">
-              <a:alpha val="50196"/>
-            </a:srgbClr>
-          </a:solidFill>
-          <a:ln>
-            <a:noFill/>
-          </a:ln>
-        </p:spPr>
-        <p:style>
-          <a:lnRef idx="2">
-            <a:schemeClr val="accent1">
-              <a:shade val="50000"/>
-            </a:schemeClr>
-          </a:lnRef>
-          <a:fillRef idx="1">
-            <a:schemeClr val="accent1"/>
-          </a:fillRef>
-          <a:effectRef idx="0">
-            <a:schemeClr val="accent1"/>
-          </a:effectRef>
-          <a:fontRef idx="minor">
-            <a:schemeClr val="lt1"/>
-          </a:fontRef>
-        </p:style>
-        <p:txBody>
-          <a:bodyPr rtlCol="0" anchor="ctr"/>
-          <a:lstStyle/>
-          <a:p>
-            <a:pPr algn="ctr"/>
-            <a:endParaRPr lang="en-US">
-              <a:solidFill>
-                <a:schemeClr val="bg1"/>
-              </a:solidFill>
-            </a:endParaRPr>
-          </a:p>
-        </p:txBody>
-      </p:sp>
-      <p:pic>
-        <p:nvPicPr>
-          <p:cNvPr id="8" name="Picture 8" descr="http://fortitudefoundation.org/wp-content/uploads/2014/06/charity_water.png"/>
-          <p:cNvPicPr>
-            <a:picLocks noChangeAspect="1" noChangeArrowheads="1"/>
-          </p:cNvPicPr>
-          <p:nvPr/>
-        </p:nvPicPr>
-        <p:blipFill>
-          <a:blip r:embed="rId3" cstate="print">
-            <a:extLst>
-              <a:ext uri="{28A0092B-C50C-407E-A947-70E740481C1C}">
-                <a14:useLocalDpi xmlns:a14="http://schemas.microsoft.com/office/drawing/2010/main" val="0"/>
-              </a:ext>
-            </a:extLst>
-          </a:blip>
-          <a:srcRect/>
-          <a:stretch>
-            <a:fillRect/>
-          </a:stretch>
-        </p:blipFill>
-        <p:spPr bwMode="auto">
-          <a:xfrm>
-            <a:off x="6429466" y="6310239"/>
-            <a:ext cx="4924334" cy="574506"/>
-          </a:xfrm>
-          <a:prstGeom prst="rect">
-            <a:avLst/>
-          </a:prstGeom>
-          <a:noFill/>
-          <a:extLst>
-            <a:ext uri="{909E8E84-426E-40DD-AFC4-6F175D3DCCD1}">
-              <a14:hiddenFill xmlns:a14="http://schemas.microsoft.com/office/drawing/2010/main">
-                <a:solidFill>
-                  <a:srgbClr val="FFFFFF"/>
-                </a:solidFill>
-              </a14:hiddenFill>
-            </a:ext>
-          </a:extLst>
-        </p:spPr>
-      </p:pic>
-    </p:spTree>
-    <p:extLst>
-      <p:ext uri="{BB962C8B-B14F-4D97-AF65-F5344CB8AC3E}">
-        <p14:creationId xmlns:p14="http://schemas.microsoft.com/office/powerpoint/2010/main" val="3613704512"/>
-      </p:ext>
-    </p:extLst>
-  </p:cSld>
-  <p:clrMapOvr>
-    <a:masterClrMapping/>
-  </p:clrMapOvr>
-</p:sld>
-</file>
-
-<file path=ppt/slides/slide30.xml><?xml version="1.0" encoding="utf-8"?>
+<file path=ppt/slides/slide29.xml><?xml version="1.0" encoding="utf-8"?>
 <p:sld xmlns:a="http://schemas.openxmlformats.org/drawingml/2006/main" xmlns:r="http://schemas.openxmlformats.org/officeDocument/2006/relationships" xmlns:p="http://schemas.openxmlformats.org/presentationml/2006/main">
   <p:cSld>
     <p:spTree>
@@ -35767,7 +35297,404 @@
 </p:sld>
 </file>
 
-<file path=ppt/slides/slide31.xml><?xml version="1.0" encoding="utf-8"?>
+<file path=ppt/slides/slide3.xml><?xml version="1.0" encoding="utf-8"?>
+<p:sld xmlns:a="http://schemas.openxmlformats.org/drawingml/2006/main" xmlns:r="http://schemas.openxmlformats.org/officeDocument/2006/relationships" xmlns:p="http://schemas.openxmlformats.org/presentationml/2006/main">
+  <p:cSld>
+    <p:spTree>
+      <p:nvGrpSpPr>
+        <p:cNvPr id="1" name=""/>
+        <p:cNvGrpSpPr/>
+        <p:nvPr/>
+      </p:nvGrpSpPr>
+      <p:grpSpPr>
+        <a:xfrm>
+          <a:off x="0" y="0"/>
+          <a:ext cx="0" cy="0"/>
+          <a:chOff x="0" y="0"/>
+          <a:chExt cx="0" cy="0"/>
+        </a:xfrm>
+      </p:grpSpPr>
+      <p:pic>
+        <p:nvPicPr>
+          <p:cNvPr id="4" name="Picture 2" descr="http://www.runintoart.com/charitywater.jpg"/>
+          <p:cNvPicPr>
+            <a:picLocks noChangeAspect="1" noChangeArrowheads="1"/>
+          </p:cNvPicPr>
+          <p:nvPr/>
+        </p:nvPicPr>
+        <p:blipFill>
+          <a:blip r:embed="rId2">
+            <a:extLst>
+              <a:ext uri="{28A0092B-C50C-407E-A947-70E740481C1C}">
+                <a14:useLocalDpi xmlns:a14="http://schemas.microsoft.com/office/drawing/2010/main" val="0"/>
+              </a:ext>
+            </a:extLst>
+          </a:blip>
+          <a:srcRect/>
+          <a:stretch>
+            <a:fillRect/>
+          </a:stretch>
+        </p:blipFill>
+        <p:spPr bwMode="auto">
+          <a:xfrm>
+            <a:off x="-1" y="0"/>
+            <a:ext cx="12192000" cy="8124826"/>
+          </a:xfrm>
+          <a:prstGeom prst="rect">
+            <a:avLst/>
+          </a:prstGeom>
+          <a:noFill/>
+          <a:extLst>
+            <a:ext uri="{909E8E84-426E-40DD-AFC4-6F175D3DCCD1}">
+              <a14:hiddenFill xmlns:a14="http://schemas.microsoft.com/office/drawing/2010/main">
+                <a:solidFill>
+                  <a:srgbClr val="FFFFFF"/>
+                </a:solidFill>
+              </a14:hiddenFill>
+            </a:ext>
+          </a:extLst>
+        </p:spPr>
+      </p:pic>
+      <p:sp>
+        <p:nvSpPr>
+          <p:cNvPr id="5" name="Title 1"/>
+          <p:cNvSpPr>
+            <a:spLocks noGrp="1"/>
+          </p:cNvSpPr>
+          <p:nvPr>
+            <p:ph type="title"/>
+          </p:nvPr>
+        </p:nvSpPr>
+        <p:spPr>
+          <a:xfrm>
+            <a:off x="838200" y="96178"/>
+            <a:ext cx="10515600" cy="1325563"/>
+          </a:xfrm>
+        </p:spPr>
+        <p:txBody>
+          <a:bodyPr>
+            <a:normAutofit/>
+          </a:bodyPr>
+          <a:lstStyle/>
+          <a:p>
+            <a:pPr algn="ctr"/>
+            <a:r>
+              <a:rPr lang="en-US" dirty="0">
+                <a:solidFill>
+                  <a:schemeClr val="bg1"/>
+                </a:solidFill>
+              </a:rPr>
+              <a:t>If You Give $50, So Will I!</a:t>
+            </a:r>
+            <a:endParaRPr lang="en-US" sz="3600" i="1" dirty="0">
+              <a:solidFill>
+                <a:schemeClr val="bg1"/>
+              </a:solidFill>
+            </a:endParaRPr>
+          </a:p>
+        </p:txBody>
+      </p:sp>
+      <p:sp>
+        <p:nvSpPr>
+          <p:cNvPr id="6" name="Content Placeholder 2"/>
+          <p:cNvSpPr>
+            <a:spLocks noGrp="1"/>
+          </p:cNvSpPr>
+          <p:nvPr>
+            <p:ph idx="1"/>
+          </p:nvPr>
+        </p:nvSpPr>
+        <p:spPr>
+          <a:xfrm>
+            <a:off x="838200" y="1359366"/>
+            <a:ext cx="10515600" cy="4900718"/>
+          </a:xfrm>
+        </p:spPr>
+        <p:txBody>
+          <a:bodyPr>
+            <a:normAutofit/>
+          </a:bodyPr>
+          <a:lstStyle/>
+          <a:p>
+            <a:pPr marL="0" indent="0" algn="ctr">
+              <a:buNone/>
+            </a:pPr>
+            <a:br>
+              <a:rPr lang="en-US" sz="2000" b="1" dirty="0">
+                <a:solidFill>
+                  <a:schemeClr val="bg1"/>
+                </a:solidFill>
+                <a:effectLst>
+                  <a:outerShdw blurRad="50800" dist="38100" dir="2700000" algn="tl" rotWithShape="0">
+                    <a:prstClr val="black">
+                      <a:alpha val="40000"/>
+                    </a:prstClr>
+                  </a:outerShdw>
+                </a:effectLst>
+              </a:rPr>
+            </a:br>
+            <a:r>
+              <a:rPr lang="en-US" sz="4800" b="1" dirty="0">
+                <a:solidFill>
+                  <a:schemeClr val="bg1"/>
+                </a:solidFill>
+                <a:effectLst>
+                  <a:outerShdw blurRad="50800" dist="38100" dir="8100000" algn="tr" rotWithShape="0">
+                    <a:prstClr val="black">
+                      <a:alpha val="40000"/>
+                    </a:prstClr>
+                  </a:outerShdw>
+                </a:effectLst>
+              </a:rPr>
+              <a:t>bit.ly/</a:t>
+            </a:r>
+            <a:r>
+              <a:rPr lang="en-US" sz="4800" b="1" dirty="0" err="1">
+                <a:solidFill>
+                  <a:schemeClr val="bg1"/>
+                </a:solidFill>
+                <a:effectLst>
+                  <a:outerShdw blurRad="50800" dist="38100" dir="8100000" algn="tr" rotWithShape="0">
+                    <a:prstClr val="black">
+                      <a:alpha val="40000"/>
+                    </a:prstClr>
+                  </a:outerShdw>
+                </a:effectLst>
+              </a:rPr>
+              <a:t>dns</a:t>
+            </a:r>
+            <a:r>
+              <a:rPr lang="en-US" sz="4800" b="1" dirty="0">
+                <a:solidFill>
+                  <a:schemeClr val="bg1"/>
+                </a:solidFill>
+                <a:effectLst>
+                  <a:outerShdw blurRad="50800" dist="38100" dir="8100000" algn="tr" rotWithShape="0">
+                    <a:prstClr val="black">
+                      <a:alpha val="40000"/>
+                    </a:prstClr>
+                  </a:outerShdw>
+                </a:effectLst>
+              </a:rPr>
+              <a:t>-water</a:t>
+            </a:r>
+            <a:endParaRPr lang="en-US" sz="4400" b="1" dirty="0">
+              <a:solidFill>
+                <a:schemeClr val="bg1"/>
+              </a:solidFill>
+              <a:effectLst>
+                <a:outerShdw blurRad="50800" dist="38100" dir="8100000" algn="tr" rotWithShape="0">
+                  <a:prstClr val="black">
+                    <a:alpha val="40000"/>
+                  </a:prstClr>
+                </a:outerShdw>
+              </a:effectLst>
+            </a:endParaRPr>
+          </a:p>
+          <a:p>
+            <a:pPr marL="0" indent="0" algn="just">
+              <a:buNone/>
+            </a:pPr>
+            <a:endParaRPr lang="en-US" sz="2400" i="1" dirty="0">
+              <a:solidFill>
+                <a:schemeClr val="bg1"/>
+              </a:solidFill>
+            </a:endParaRPr>
+          </a:p>
+          <a:p>
+            <a:pPr marL="0" indent="0" algn="just">
+              <a:buNone/>
+            </a:pPr>
+            <a:r>
+              <a:rPr lang="en-US" i="1" dirty="0">
+                <a:solidFill>
+                  <a:schemeClr val="bg1"/>
+                </a:solidFill>
+              </a:rPr>
+              <a:t>“</a:t>
+            </a:r>
+            <a:r>
+              <a:rPr lang="en-US" i="1" dirty="0" err="1">
+                <a:solidFill>
+                  <a:schemeClr val="bg1"/>
+                </a:solidFill>
+              </a:rPr>
+              <a:t>charity:water</a:t>
+            </a:r>
+            <a:r>
+              <a:rPr lang="en-US" i="1" dirty="0">
+                <a:solidFill>
+                  <a:schemeClr val="bg1"/>
+                </a:solidFill>
+              </a:rPr>
+              <a:t> is a non-profit organization that provides clean and safe drinking water to people in developing nations. The organization was founded in 2006 and has helped fund 22,936 projects in 24 countries, benefiting over 4.6 million people.” </a:t>
+            </a:r>
+            <a:r>
+              <a:rPr lang="en-US" sz="2400" dirty="0">
+                <a:solidFill>
+                  <a:schemeClr val="bg1"/>
+                </a:solidFill>
+              </a:rPr>
+              <a:t>- Wikipedia</a:t>
+            </a:r>
+          </a:p>
+          <a:p>
+            <a:pPr marL="0" indent="0" algn="just">
+              <a:buNone/>
+            </a:pPr>
+            <a:endParaRPr lang="en-US" sz="2400" dirty="0">
+              <a:solidFill>
+                <a:schemeClr val="bg1"/>
+              </a:solidFill>
+            </a:endParaRPr>
+          </a:p>
+          <a:p>
+            <a:pPr marL="0" indent="0">
+              <a:buNone/>
+            </a:pPr>
+            <a:r>
+              <a:rPr lang="en-US" sz="2400" i="1" dirty="0">
+                <a:solidFill>
+                  <a:schemeClr val="bg1"/>
+                </a:solidFill>
+              </a:rPr>
+              <a:t>“4/4 Stars” </a:t>
+            </a:r>
+            <a:br>
+              <a:rPr lang="en-US" sz="2400" i="1" dirty="0">
+                <a:solidFill>
+                  <a:schemeClr val="bg1"/>
+                </a:solidFill>
+              </a:rPr>
+            </a:br>
+            <a:r>
+              <a:rPr lang="en-US" sz="2400" i="1" dirty="0">
+                <a:solidFill>
+                  <a:schemeClr val="bg1"/>
+                </a:solidFill>
+              </a:rPr>
+              <a:t>- CharityNavigator.org</a:t>
+            </a:r>
+          </a:p>
+          <a:p>
+            <a:pPr marL="0" indent="0" algn="just">
+              <a:buNone/>
+            </a:pPr>
+            <a:endParaRPr lang="en-US" i="1" dirty="0">
+              <a:solidFill>
+                <a:schemeClr val="bg1"/>
+              </a:solidFill>
+            </a:endParaRPr>
+          </a:p>
+        </p:txBody>
+      </p:sp>
+      <p:sp>
+        <p:nvSpPr>
+          <p:cNvPr id="7" name="Rectangle 6"/>
+          <p:cNvSpPr/>
+          <p:nvPr/>
+        </p:nvSpPr>
+        <p:spPr>
+          <a:xfrm>
+            <a:off x="-1" y="6201415"/>
+            <a:ext cx="12192001" cy="792154"/>
+          </a:xfrm>
+          <a:prstGeom prst="rect">
+            <a:avLst/>
+          </a:prstGeom>
+          <a:solidFill>
+            <a:srgbClr val="BFBFBF">
+              <a:alpha val="50196"/>
+            </a:srgbClr>
+          </a:solidFill>
+          <a:ln>
+            <a:noFill/>
+          </a:ln>
+        </p:spPr>
+        <p:style>
+          <a:lnRef idx="2">
+            <a:schemeClr val="accent1">
+              <a:shade val="50000"/>
+            </a:schemeClr>
+          </a:lnRef>
+          <a:fillRef idx="1">
+            <a:schemeClr val="accent1"/>
+          </a:fillRef>
+          <a:effectRef idx="0">
+            <a:schemeClr val="accent1"/>
+          </a:effectRef>
+          <a:fontRef idx="minor">
+            <a:schemeClr val="lt1"/>
+          </a:fontRef>
+        </p:style>
+        <p:txBody>
+          <a:bodyPr rtlCol="0" anchor="ctr"/>
+          <a:lstStyle/>
+          <a:p>
+            <a:pPr algn="ctr"/>
+            <a:endParaRPr lang="en-US">
+              <a:solidFill>
+                <a:schemeClr val="bg1"/>
+              </a:solidFill>
+            </a:endParaRPr>
+          </a:p>
+        </p:txBody>
+      </p:sp>
+      <p:pic>
+        <p:nvPicPr>
+          <p:cNvPr id="8" name="Picture 8" descr="http://fortitudefoundation.org/wp-content/uploads/2014/06/charity_water.png"/>
+          <p:cNvPicPr>
+            <a:picLocks noChangeAspect="1" noChangeArrowheads="1"/>
+          </p:cNvPicPr>
+          <p:nvPr/>
+        </p:nvPicPr>
+        <p:blipFill>
+          <a:blip r:embed="rId3" cstate="print">
+            <a:extLst>
+              <a:ext uri="{28A0092B-C50C-407E-A947-70E740481C1C}">
+                <a14:useLocalDpi xmlns:a14="http://schemas.microsoft.com/office/drawing/2010/main" val="0"/>
+              </a:ext>
+            </a:extLst>
+          </a:blip>
+          <a:srcRect/>
+          <a:stretch>
+            <a:fillRect/>
+          </a:stretch>
+        </p:blipFill>
+        <p:spPr bwMode="auto">
+          <a:xfrm>
+            <a:off x="6429466" y="6310239"/>
+            <a:ext cx="4924334" cy="574506"/>
+          </a:xfrm>
+          <a:prstGeom prst="rect">
+            <a:avLst/>
+          </a:prstGeom>
+          <a:noFill/>
+          <a:extLst>
+            <a:ext uri="{909E8E84-426E-40DD-AFC4-6F175D3DCCD1}">
+              <a14:hiddenFill xmlns:a14="http://schemas.microsoft.com/office/drawing/2010/main">
+                <a:solidFill>
+                  <a:srgbClr val="FFFFFF"/>
+                </a:solidFill>
+              </a14:hiddenFill>
+            </a:ext>
+          </a:extLst>
+        </p:spPr>
+      </p:pic>
+    </p:spTree>
+    <p:extLst>
+      <p:ext uri="{BB962C8B-B14F-4D97-AF65-F5344CB8AC3E}">
+        <p14:creationId xmlns:p14="http://schemas.microsoft.com/office/powerpoint/2010/main" val="3613704512"/>
+      </p:ext>
+    </p:extLst>
+  </p:cSld>
+  <p:clrMapOvr>
+    <a:masterClrMapping/>
+  </p:clrMapOvr>
+</p:sld>
+</file>
+
+<file path=ppt/slides/slide30.xml><?xml version="1.0" encoding="utf-8"?>
 <p:sld xmlns:a="http://schemas.openxmlformats.org/drawingml/2006/main" xmlns:r="http://schemas.openxmlformats.org/officeDocument/2006/relationships" xmlns:p="http://schemas.openxmlformats.org/presentationml/2006/main">
   <p:cSld>
     <p:spTree>
@@ -36714,7 +36641,7 @@
 </p:sld>
 </file>
 
-<file path=ppt/slides/slide32.xml><?xml version="1.0" encoding="utf-8"?>
+<file path=ppt/slides/slide31.xml><?xml version="1.0" encoding="utf-8"?>
 <p:sld xmlns:a="http://schemas.openxmlformats.org/drawingml/2006/main" xmlns:r="http://schemas.openxmlformats.org/officeDocument/2006/relationships" xmlns:p="http://schemas.openxmlformats.org/presentationml/2006/main">
   <p:cSld>
     <p:spTree>
@@ -36776,6 +36703,98 @@
     <p:extLst>
       <p:ext uri="{BB962C8B-B14F-4D97-AF65-F5344CB8AC3E}">
         <p14:creationId xmlns:p14="http://schemas.microsoft.com/office/powerpoint/2010/main" val="960795197"/>
+      </p:ext>
+    </p:extLst>
+  </p:cSld>
+  <p:clrMapOvr>
+    <a:masterClrMapping/>
+  </p:clrMapOvr>
+</p:sld>
+</file>
+
+<file path=ppt/slides/slide32.xml><?xml version="1.0" encoding="utf-8"?>
+<p:sld xmlns:a="http://schemas.openxmlformats.org/drawingml/2006/main" xmlns:r="http://schemas.openxmlformats.org/officeDocument/2006/relationships" xmlns:p="http://schemas.openxmlformats.org/presentationml/2006/main">
+  <p:cSld>
+    <p:spTree>
+      <p:nvGrpSpPr>
+        <p:cNvPr id="1" name=""/>
+        <p:cNvGrpSpPr/>
+        <p:nvPr/>
+      </p:nvGrpSpPr>
+      <p:grpSpPr>
+        <a:xfrm>
+          <a:off x="0" y="0"/>
+          <a:ext cx="0" cy="0"/>
+          <a:chOff x="0" y="0"/>
+          <a:chExt cx="0" cy="0"/>
+        </a:xfrm>
+      </p:grpSpPr>
+      <p:sp>
+        <p:nvSpPr>
+          <p:cNvPr id="2" name="Title 1"/>
+          <p:cNvSpPr>
+            <a:spLocks noGrp="1"/>
+          </p:cNvSpPr>
+          <p:nvPr>
+            <p:ph type="title"/>
+          </p:nvPr>
+        </p:nvSpPr>
+        <p:spPr/>
+        <p:txBody>
+          <a:bodyPr>
+            <a:normAutofit/>
+          </a:bodyPr>
+          <a:lstStyle/>
+          <a:p>
+            <a:r>
+              <a:rPr lang="en-US" dirty="0"/>
+              <a:t>Comparison to </a:t>
+            </a:r>
+            <a:br>
+              <a:rPr lang="en-US" dirty="0"/>
+            </a:br>
+            <a:r>
+              <a:rPr lang="en-US" dirty="0"/>
+              <a:t>Portable Class Libraries</a:t>
+            </a:r>
+          </a:p>
+        </p:txBody>
+      </p:sp>
+      <p:sp>
+        <p:nvSpPr>
+          <p:cNvPr id="3" name="Content Placeholder 2"/>
+          <p:cNvSpPr>
+            <a:spLocks noGrp="1"/>
+          </p:cNvSpPr>
+          <p:nvPr>
+            <p:ph idx="1"/>
+          </p:nvPr>
+        </p:nvSpPr>
+        <p:spPr/>
+        <p:txBody>
+          <a:bodyPr/>
+          <a:lstStyle/>
+          <a:p>
+            <a:endParaRPr lang="en-US" dirty="0"/>
+          </a:p>
+          <a:p>
+            <a:r>
+              <a:rPr lang="en-US" dirty="0"/>
+              <a:t>.NET Standard: sort of the next generation of PCLs</a:t>
+            </a:r>
+          </a:p>
+          <a:p>
+            <a:r>
+              <a:rPr lang="en-US" dirty="0"/>
+              <a:t>“Standard-based PCL” vs “profile-based PCL”</a:t>
+            </a:r>
+          </a:p>
+        </p:txBody>
+      </p:sp>
+    </p:spTree>
+    <p:extLst>
+      <p:ext uri="{BB962C8B-B14F-4D97-AF65-F5344CB8AC3E}">
+        <p14:creationId xmlns:p14="http://schemas.microsoft.com/office/powerpoint/2010/main" val="1137113027"/>
       </p:ext>
     </p:extLst>
   </p:cSld>
@@ -36821,7 +36840,7 @@
           <a:p>
             <a:r>
               <a:rPr lang="en-US" dirty="0"/>
-              <a:t>Comparison to </a:t>
+              <a:t>Similarities to</a:t>
             </a:r>
             <a:br>
               <a:rPr lang="en-US" dirty="0"/>
@@ -36848,98 +36867,6 @@
           <a:bodyPr/>
           <a:lstStyle/>
           <a:p>
-            <a:endParaRPr lang="en-US" dirty="0"/>
-          </a:p>
-          <a:p>
-            <a:r>
-              <a:rPr lang="en-US" dirty="0"/>
-              <a:t>.NET Standard: sort of the next generation of PCLs</a:t>
-            </a:r>
-          </a:p>
-          <a:p>
-            <a:r>
-              <a:rPr lang="en-US" dirty="0"/>
-              <a:t>“Standard-based PCL” vs “profile-based PCL”</a:t>
-            </a:r>
-          </a:p>
-        </p:txBody>
-      </p:sp>
-    </p:spTree>
-    <p:extLst>
-      <p:ext uri="{BB962C8B-B14F-4D97-AF65-F5344CB8AC3E}">
-        <p14:creationId xmlns:p14="http://schemas.microsoft.com/office/powerpoint/2010/main" val="1137113027"/>
-      </p:ext>
-    </p:extLst>
-  </p:cSld>
-  <p:clrMapOvr>
-    <a:masterClrMapping/>
-  </p:clrMapOvr>
-</p:sld>
-</file>
-
-<file path=ppt/slides/slide34.xml><?xml version="1.0" encoding="utf-8"?>
-<p:sld xmlns:a="http://schemas.openxmlformats.org/drawingml/2006/main" xmlns:r="http://schemas.openxmlformats.org/officeDocument/2006/relationships" xmlns:p="http://schemas.openxmlformats.org/presentationml/2006/main">
-  <p:cSld>
-    <p:spTree>
-      <p:nvGrpSpPr>
-        <p:cNvPr id="1" name=""/>
-        <p:cNvGrpSpPr/>
-        <p:nvPr/>
-      </p:nvGrpSpPr>
-      <p:grpSpPr>
-        <a:xfrm>
-          <a:off x="0" y="0"/>
-          <a:ext cx="0" cy="0"/>
-          <a:chOff x="0" y="0"/>
-          <a:chExt cx="0" cy="0"/>
-        </a:xfrm>
-      </p:grpSpPr>
-      <p:sp>
-        <p:nvSpPr>
-          <p:cNvPr id="2" name="Title 1"/>
-          <p:cNvSpPr>
-            <a:spLocks noGrp="1"/>
-          </p:cNvSpPr>
-          <p:nvPr>
-            <p:ph type="title"/>
-          </p:nvPr>
-        </p:nvSpPr>
-        <p:spPr/>
-        <p:txBody>
-          <a:bodyPr>
-            <a:normAutofit/>
-          </a:bodyPr>
-          <a:lstStyle/>
-          <a:p>
-            <a:r>
-              <a:rPr lang="en-US" dirty="0"/>
-              <a:t>Similarities to</a:t>
-            </a:r>
-            <a:br>
-              <a:rPr lang="en-US" dirty="0"/>
-            </a:br>
-            <a:r>
-              <a:rPr lang="en-US" dirty="0"/>
-              <a:t>Portable Class Libraries</a:t>
-            </a:r>
-          </a:p>
-        </p:txBody>
-      </p:sp>
-      <p:sp>
-        <p:nvSpPr>
-          <p:cNvPr id="3" name="Content Placeholder 2"/>
-          <p:cNvSpPr>
-            <a:spLocks noGrp="1"/>
-          </p:cNvSpPr>
-          <p:nvPr>
-            <p:ph idx="1"/>
-          </p:nvPr>
-        </p:nvSpPr>
-        <p:spPr/>
-        <p:txBody>
-          <a:bodyPr/>
-          <a:lstStyle/>
-          <a:p>
             <a:br>
               <a:rPr lang="en-US" dirty="0"/>
             </a:br>
@@ -36966,7 +36893,7 @@
 </p:sld>
 </file>
 
-<file path=ppt/slides/slide35.xml><?xml version="1.0" encoding="utf-8"?>
+<file path=ppt/slides/slide34.xml><?xml version="1.0" encoding="utf-8"?>
 <p:sld xmlns:a="http://schemas.openxmlformats.org/drawingml/2006/main" xmlns:r="http://schemas.openxmlformats.org/officeDocument/2006/relationships" xmlns:p="http://schemas.openxmlformats.org/presentationml/2006/main">
   <p:cSld>
     <p:spTree>
@@ -37241,7 +37168,7 @@
 </p:sld>
 </file>
 
-<file path=ppt/slides/slide36.xml><?xml version="1.0" encoding="utf-8"?>
+<file path=ppt/slides/slide35.xml><?xml version="1.0" encoding="utf-8"?>
 <p:sld xmlns:a="http://schemas.openxmlformats.org/drawingml/2006/main" xmlns:r="http://schemas.openxmlformats.org/officeDocument/2006/relationships" xmlns:p="http://schemas.openxmlformats.org/presentationml/2006/main">
   <p:cSld>
     <p:spTree>
@@ -37297,6 +37224,89 @@
 </p:sld>
 </file>
 
+<file path=ppt/slides/slide36.xml><?xml version="1.0" encoding="utf-8"?>
+<p:sld xmlns:a="http://schemas.openxmlformats.org/drawingml/2006/main" xmlns:r="http://schemas.openxmlformats.org/officeDocument/2006/relationships" xmlns:p="http://schemas.openxmlformats.org/presentationml/2006/main">
+  <p:cSld>
+    <p:spTree>
+      <p:nvGrpSpPr>
+        <p:cNvPr id="1" name=""/>
+        <p:cNvGrpSpPr/>
+        <p:nvPr/>
+      </p:nvGrpSpPr>
+      <p:grpSpPr>
+        <a:xfrm>
+          <a:off x="0" y="0"/>
+          <a:ext cx="0" cy="0"/>
+          <a:chOff x="0" y="0"/>
+          <a:chExt cx="0" cy="0"/>
+        </a:xfrm>
+      </p:grpSpPr>
+      <p:sp>
+        <p:nvSpPr>
+          <p:cNvPr id="2" name="Title 1"/>
+          <p:cNvSpPr>
+            <a:spLocks noGrp="1"/>
+          </p:cNvSpPr>
+          <p:nvPr>
+            <p:ph type="title"/>
+          </p:nvPr>
+        </p:nvSpPr>
+        <p:spPr/>
+        <p:txBody>
+          <a:bodyPr/>
+          <a:lstStyle/>
+          <a:p>
+            <a:r>
+              <a:rPr lang="en-US" dirty="0"/>
+              <a:t>PCL Compatibility</a:t>
+            </a:r>
+          </a:p>
+        </p:txBody>
+      </p:sp>
+      <p:sp>
+        <p:nvSpPr>
+          <p:cNvPr id="3" name="Content Placeholder 2"/>
+          <p:cNvSpPr>
+            <a:spLocks noGrp="1"/>
+          </p:cNvSpPr>
+          <p:nvPr>
+            <p:ph idx="1"/>
+          </p:nvPr>
+        </p:nvSpPr>
+        <p:spPr/>
+        <p:txBody>
+          <a:bodyPr/>
+          <a:lstStyle/>
+          <a:p>
+            <a:r>
+              <a:rPr lang="en-US" dirty="0"/>
+              <a:t>Enable .NET Standard-based PCLs to reference profile-based PCLs.</a:t>
+            </a:r>
+          </a:p>
+          <a:p>
+            <a:r>
+              <a:rPr lang="en-US" dirty="0"/>
+              <a:t>Enable profile-based PCLs to be packaged as .NET Standard-based PCLs.</a:t>
+            </a:r>
+          </a:p>
+          <a:p>
+            <a:endParaRPr lang="en-US" dirty="0"/>
+          </a:p>
+        </p:txBody>
+      </p:sp>
+    </p:spTree>
+    <p:extLst>
+      <p:ext uri="{BB962C8B-B14F-4D97-AF65-F5344CB8AC3E}">
+        <p14:creationId xmlns:p14="http://schemas.microsoft.com/office/powerpoint/2010/main" val="1850264741"/>
+      </p:ext>
+    </p:extLst>
+  </p:cSld>
+  <p:clrMapOvr>
+    <a:masterClrMapping/>
+  </p:clrMapOvr>
+</p:sld>
+</file>
+
 <file path=ppt/slides/slide37.xml><?xml version="1.0" encoding="utf-8"?>
 <p:sld xmlns:a="http://schemas.openxmlformats.org/drawingml/2006/main" xmlns:r="http://schemas.openxmlformats.org/officeDocument/2006/relationships" xmlns:p="http://schemas.openxmlformats.org/presentationml/2006/main">
   <p:cSld>
@@ -37331,7 +37341,7 @@
           <a:p>
             <a:r>
               <a:rPr lang="en-US" dirty="0"/>
-              <a:t>PCL Compatibility</a:t>
+              <a:t>DEMO: PCL Conversion</a:t>
             </a:r>
           </a:p>
         </p:txBody>
@@ -37353,89 +37363,6 @@
           <a:p>
             <a:r>
               <a:rPr lang="en-US" dirty="0"/>
-              <a:t>Enable .NET Standard-based PCLs to reference profile-based PCLs.</a:t>
-            </a:r>
-          </a:p>
-          <a:p>
-            <a:r>
-              <a:rPr lang="en-US" dirty="0"/>
-              <a:t>Enable profile-based PCLs to be packaged as .NET Standard-based PCLs.</a:t>
-            </a:r>
-          </a:p>
-          <a:p>
-            <a:endParaRPr lang="en-US" dirty="0"/>
-          </a:p>
-        </p:txBody>
-      </p:sp>
-    </p:spTree>
-    <p:extLst>
-      <p:ext uri="{BB962C8B-B14F-4D97-AF65-F5344CB8AC3E}">
-        <p14:creationId xmlns:p14="http://schemas.microsoft.com/office/powerpoint/2010/main" val="1850264741"/>
-      </p:ext>
-    </p:extLst>
-  </p:cSld>
-  <p:clrMapOvr>
-    <a:masterClrMapping/>
-  </p:clrMapOvr>
-</p:sld>
-</file>
-
-<file path=ppt/slides/slide38.xml><?xml version="1.0" encoding="utf-8"?>
-<p:sld xmlns:a="http://schemas.openxmlformats.org/drawingml/2006/main" xmlns:r="http://schemas.openxmlformats.org/officeDocument/2006/relationships" xmlns:p="http://schemas.openxmlformats.org/presentationml/2006/main">
-  <p:cSld>
-    <p:spTree>
-      <p:nvGrpSpPr>
-        <p:cNvPr id="1" name=""/>
-        <p:cNvGrpSpPr/>
-        <p:nvPr/>
-      </p:nvGrpSpPr>
-      <p:grpSpPr>
-        <a:xfrm>
-          <a:off x="0" y="0"/>
-          <a:ext cx="0" cy="0"/>
-          <a:chOff x="0" y="0"/>
-          <a:chExt cx="0" cy="0"/>
-        </a:xfrm>
-      </p:grpSpPr>
-      <p:sp>
-        <p:nvSpPr>
-          <p:cNvPr id="2" name="Title 1"/>
-          <p:cNvSpPr>
-            <a:spLocks noGrp="1"/>
-          </p:cNvSpPr>
-          <p:nvPr>
-            <p:ph type="title"/>
-          </p:nvPr>
-        </p:nvSpPr>
-        <p:spPr/>
-        <p:txBody>
-          <a:bodyPr/>
-          <a:lstStyle/>
-          <a:p>
-            <a:r>
-              <a:rPr lang="en-US" dirty="0"/>
-              <a:t>DEMO: PCL Conversion</a:t>
-            </a:r>
-          </a:p>
-        </p:txBody>
-      </p:sp>
-      <p:sp>
-        <p:nvSpPr>
-          <p:cNvPr id="3" name="Content Placeholder 2"/>
-          <p:cNvSpPr>
-            <a:spLocks noGrp="1"/>
-          </p:cNvSpPr>
-          <p:nvPr>
-            <p:ph idx="1"/>
-          </p:nvPr>
-        </p:nvSpPr>
-        <p:spPr/>
-        <p:txBody>
-          <a:bodyPr/>
-          <a:lstStyle/>
-          <a:p>
-            <a:r>
-              <a:rPr lang="en-US" dirty="0"/>
               <a:t>Convert a PCL to .NET Standard</a:t>
             </a:r>
           </a:p>
@@ -37454,7 +37381,7 @@
 </p:sld>
 </file>
 
-<file path=ppt/slides/slide39.xml><?xml version="1.0" encoding="utf-8"?>
+<file path=ppt/slides/slide38.xml><?xml version="1.0" encoding="utf-8"?>
 <p:sld xmlns:a="http://schemas.openxmlformats.org/drawingml/2006/main" xmlns:r="http://schemas.openxmlformats.org/officeDocument/2006/relationships" xmlns:p="http://schemas.openxmlformats.org/presentationml/2006/main">
   <p:cSld>
     <p:spTree>
@@ -37525,129 +37452,7 @@
 </p:sld>
 </file>
 
-<file path=ppt/slides/slide4.xml><?xml version="1.0" encoding="utf-8"?>
-<p:sld xmlns:a="http://schemas.openxmlformats.org/drawingml/2006/main" xmlns:r="http://schemas.openxmlformats.org/officeDocument/2006/relationships" xmlns:p="http://schemas.openxmlformats.org/presentationml/2006/main">
-  <p:cSld>
-    <p:spTree>
-      <p:nvGrpSpPr>
-        <p:cNvPr id="1" name=""/>
-        <p:cNvGrpSpPr/>
-        <p:nvPr/>
-      </p:nvGrpSpPr>
-      <p:grpSpPr>
-        <a:xfrm>
-          <a:off x="0" y="0"/>
-          <a:ext cx="0" cy="0"/>
-          <a:chOff x="0" y="0"/>
-          <a:chExt cx="0" cy="0"/>
-        </a:xfrm>
-      </p:grpSpPr>
-      <p:sp>
-        <p:nvSpPr>
-          <p:cNvPr id="2" name="Title 1"/>
-          <p:cNvSpPr>
-            <a:spLocks noGrp="1"/>
-          </p:cNvSpPr>
-          <p:nvPr>
-            <p:ph type="title"/>
-          </p:nvPr>
-        </p:nvSpPr>
-        <p:spPr/>
-        <p:txBody>
-          <a:bodyPr/>
-          <a:lstStyle/>
-          <a:p>
-            <a:r>
-              <a:rPr lang="en-US" dirty="0"/>
-              <a:t>Overview</a:t>
-            </a:r>
-          </a:p>
-        </p:txBody>
-      </p:sp>
-      <p:sp>
-        <p:nvSpPr>
-          <p:cNvPr id="3" name="Content Placeholder 2"/>
-          <p:cNvSpPr>
-            <a:spLocks noGrp="1"/>
-          </p:cNvSpPr>
-          <p:nvPr>
-            <p:ph idx="1"/>
-          </p:nvPr>
-        </p:nvSpPr>
-        <p:spPr/>
-        <p:txBody>
-          <a:bodyPr>
-            <a:normAutofit/>
-          </a:bodyPr>
-          <a:lstStyle/>
-          <a:p>
-            <a:r>
-              <a:rPr lang="en-US" dirty="0"/>
-              <a:t>What is the .NET Standard?</a:t>
-            </a:r>
-          </a:p>
-          <a:p>
-            <a:r>
-              <a:rPr lang="en-US" dirty="0"/>
-              <a:t>Why should I care?</a:t>
-            </a:r>
-          </a:p>
-          <a:p>
-            <a:pPr lvl="1"/>
-            <a:r>
-              <a:rPr lang="en-US" dirty="0"/>
-              <a:t>DEMO: How to read </a:t>
-            </a:r>
-            <a:r>
-              <a:rPr lang="en-US" dirty="0" err="1"/>
-              <a:t>Nuget</a:t>
-            </a:r>
-            <a:r>
-              <a:rPr lang="en-US" dirty="0"/>
-              <a:t> listing</a:t>
-            </a:r>
-          </a:p>
-          <a:p>
-            <a:pPr lvl="1"/>
-            <a:r>
-              <a:rPr lang="en-US" dirty="0"/>
-              <a:t>DEMO: Creating a .NET Standard library from scratch</a:t>
-            </a:r>
-          </a:p>
-          <a:p>
-            <a:r>
-              <a:rPr lang="en-US" dirty="0"/>
-              <a:t>Compare/Contrast with Portable Class Libraries (PCLs)</a:t>
-            </a:r>
-          </a:p>
-          <a:p>
-            <a:r>
-              <a:rPr lang="en-US" dirty="0"/>
-              <a:t>DEMO: Converting a PCL to .NET Standard</a:t>
-            </a:r>
-          </a:p>
-          <a:p>
-            <a:r>
-              <a:rPr lang="en-US" dirty="0"/>
-              <a:t>.NET Standard v2.0</a:t>
-            </a:r>
-          </a:p>
-        </p:txBody>
-      </p:sp>
-    </p:spTree>
-    <p:extLst>
-      <p:ext uri="{BB962C8B-B14F-4D97-AF65-F5344CB8AC3E}">
-        <p14:creationId xmlns:p14="http://schemas.microsoft.com/office/powerpoint/2010/main" val="568682376"/>
-      </p:ext>
-    </p:extLst>
-  </p:cSld>
-  <p:clrMapOvr>
-    <a:masterClrMapping/>
-  </p:clrMapOvr>
-</p:sld>
-</file>
-
-<file path=ppt/slides/slide40.xml><?xml version="1.0" encoding="utf-8"?>
+<file path=ppt/slides/slide39.xml><?xml version="1.0" encoding="utf-8"?>
 <p:sld xmlns:a="http://schemas.openxmlformats.org/drawingml/2006/main" xmlns:r="http://schemas.openxmlformats.org/officeDocument/2006/relationships" xmlns:p="http://schemas.openxmlformats.org/presentationml/2006/main">
   <p:cSld>
     <p:spTree>
@@ -37718,7 +37523,129 @@
 </p:sld>
 </file>
 
-<file path=ppt/slides/slide41.xml><?xml version="1.0" encoding="utf-8"?>
+<file path=ppt/slides/slide4.xml><?xml version="1.0" encoding="utf-8"?>
+<p:sld xmlns:a="http://schemas.openxmlformats.org/drawingml/2006/main" xmlns:r="http://schemas.openxmlformats.org/officeDocument/2006/relationships" xmlns:p="http://schemas.openxmlformats.org/presentationml/2006/main">
+  <p:cSld>
+    <p:spTree>
+      <p:nvGrpSpPr>
+        <p:cNvPr id="1" name=""/>
+        <p:cNvGrpSpPr/>
+        <p:nvPr/>
+      </p:nvGrpSpPr>
+      <p:grpSpPr>
+        <a:xfrm>
+          <a:off x="0" y="0"/>
+          <a:ext cx="0" cy="0"/>
+          <a:chOff x="0" y="0"/>
+          <a:chExt cx="0" cy="0"/>
+        </a:xfrm>
+      </p:grpSpPr>
+      <p:sp>
+        <p:nvSpPr>
+          <p:cNvPr id="2" name="Title 1"/>
+          <p:cNvSpPr>
+            <a:spLocks noGrp="1"/>
+          </p:cNvSpPr>
+          <p:nvPr>
+            <p:ph type="title"/>
+          </p:nvPr>
+        </p:nvSpPr>
+        <p:spPr/>
+        <p:txBody>
+          <a:bodyPr/>
+          <a:lstStyle/>
+          <a:p>
+            <a:r>
+              <a:rPr lang="en-US" dirty="0"/>
+              <a:t>Overview</a:t>
+            </a:r>
+          </a:p>
+        </p:txBody>
+      </p:sp>
+      <p:sp>
+        <p:nvSpPr>
+          <p:cNvPr id="3" name="Content Placeholder 2"/>
+          <p:cNvSpPr>
+            <a:spLocks noGrp="1"/>
+          </p:cNvSpPr>
+          <p:nvPr>
+            <p:ph idx="1"/>
+          </p:nvPr>
+        </p:nvSpPr>
+        <p:spPr/>
+        <p:txBody>
+          <a:bodyPr>
+            <a:normAutofit/>
+          </a:bodyPr>
+          <a:lstStyle/>
+          <a:p>
+            <a:r>
+              <a:rPr lang="en-US" dirty="0"/>
+              <a:t>What is the .NET Standard?</a:t>
+            </a:r>
+          </a:p>
+          <a:p>
+            <a:r>
+              <a:rPr lang="en-US" dirty="0"/>
+              <a:t>Why should I care?</a:t>
+            </a:r>
+          </a:p>
+          <a:p>
+            <a:pPr lvl="1"/>
+            <a:r>
+              <a:rPr lang="en-US" dirty="0"/>
+              <a:t>DEMO: How to read </a:t>
+            </a:r>
+            <a:r>
+              <a:rPr lang="en-US" dirty="0" err="1"/>
+              <a:t>Nuget</a:t>
+            </a:r>
+            <a:r>
+              <a:rPr lang="en-US" dirty="0"/>
+              <a:t> listing</a:t>
+            </a:r>
+          </a:p>
+          <a:p>
+            <a:pPr lvl="1"/>
+            <a:r>
+              <a:rPr lang="en-US" dirty="0"/>
+              <a:t>DEMO: Creating a .NET Standard library from scratch</a:t>
+            </a:r>
+          </a:p>
+          <a:p>
+            <a:r>
+              <a:rPr lang="en-US" dirty="0"/>
+              <a:t>Compare/Contrast with Portable Class Libraries (PCLs)</a:t>
+            </a:r>
+          </a:p>
+          <a:p>
+            <a:r>
+              <a:rPr lang="en-US" dirty="0"/>
+              <a:t>DEMO: Converting a PCL to .NET Standard</a:t>
+            </a:r>
+          </a:p>
+          <a:p>
+            <a:r>
+              <a:rPr lang="en-US" dirty="0"/>
+              <a:t>.NET Standard v2.0</a:t>
+            </a:r>
+          </a:p>
+        </p:txBody>
+      </p:sp>
+    </p:spTree>
+    <p:extLst>
+      <p:ext uri="{BB962C8B-B14F-4D97-AF65-F5344CB8AC3E}">
+        <p14:creationId xmlns:p14="http://schemas.microsoft.com/office/powerpoint/2010/main" val="568682376"/>
+      </p:ext>
+    </p:extLst>
+  </p:cSld>
+  <p:clrMapOvr>
+    <a:masterClrMapping/>
+  </p:clrMapOvr>
+</p:sld>
+</file>
+
+<file path=ppt/slides/slide40.xml><?xml version="1.0" encoding="utf-8"?>
 <p:sld xmlns:a="http://schemas.openxmlformats.org/drawingml/2006/main" xmlns:r="http://schemas.openxmlformats.org/officeDocument/2006/relationships" xmlns:p="http://schemas.openxmlformats.org/presentationml/2006/main">
   <p:cSld>
     <p:spTree>
@@ -37865,7 +37792,7 @@
 </p:sld>
 </file>
 
-<file path=ppt/slides/slide42.xml><?xml version="1.0" encoding="utf-8"?>
+<file path=ppt/slides/slide41.xml><?xml version="1.0" encoding="utf-8"?>
 <p:sld xmlns:a="http://schemas.openxmlformats.org/drawingml/2006/main" xmlns:r="http://schemas.openxmlformats.org/officeDocument/2006/relationships" xmlns:p="http://schemas.openxmlformats.org/presentationml/2006/main">
   <p:cSld>
     <p:spTree>
@@ -37990,7 +37917,7 @@
 </p:sld>
 </file>
 
-<file path=ppt/slides/slide43.xml><?xml version="1.0" encoding="utf-8"?>
+<file path=ppt/slides/slide42.xml><?xml version="1.0" encoding="utf-8"?>
 <p:sld xmlns:a="http://schemas.openxmlformats.org/drawingml/2006/main" xmlns:r="http://schemas.openxmlformats.org/officeDocument/2006/relationships" xmlns:p="http://schemas.openxmlformats.org/presentationml/2006/main">
   <p:cSld>
     <p:spTree>
@@ -38817,7 +38744,7 @@
 </p:sld>
 </file>
 
-<file path=ppt/slides/slide44.xml><?xml version="1.0" encoding="utf-8"?>
+<file path=ppt/slides/slide43.xml><?xml version="1.0" encoding="utf-8"?>
 <p:sld xmlns:a="http://schemas.openxmlformats.org/drawingml/2006/main" xmlns:r="http://schemas.openxmlformats.org/officeDocument/2006/relationships" xmlns:p="http://schemas.openxmlformats.org/presentationml/2006/main">
   <p:cSld>
     <p:spTree>

--- a/slides.pptx
+++ b/slides.pptx
@@ -5,10 +5,10 @@
     <p:sldMasterId id="2147483672" r:id="rId1"/>
   </p:sldMasterIdLst>
   <p:notesMasterIdLst>
-    <p:notesMasterId r:id="rId45"/>
+    <p:notesMasterId r:id="rId49"/>
   </p:notesMasterIdLst>
   <p:handoutMasterIdLst>
-    <p:handoutMasterId r:id="rId46"/>
+    <p:handoutMasterId r:id="rId50"/>
   </p:handoutMasterIdLst>
   <p:sldIdLst>
     <p:sldId id="256" r:id="rId2"/>
@@ -29,31 +29,35 @@
     <p:sldId id="357" r:id="rId17"/>
     <p:sldId id="358" r:id="rId18"/>
     <p:sldId id="356" r:id="rId19"/>
-    <p:sldId id="362" r:id="rId20"/>
-    <p:sldId id="327" r:id="rId21"/>
-    <p:sldId id="339" r:id="rId22"/>
-    <p:sldId id="338" r:id="rId23"/>
-    <p:sldId id="359" r:id="rId24"/>
-    <p:sldId id="360" r:id="rId25"/>
-    <p:sldId id="337" r:id="rId26"/>
-    <p:sldId id="343" r:id="rId27"/>
-    <p:sldId id="361" r:id="rId28"/>
-    <p:sldId id="340" r:id="rId29"/>
-    <p:sldId id="341" r:id="rId30"/>
-    <p:sldId id="344" r:id="rId31"/>
-    <p:sldId id="363" r:id="rId32"/>
-    <p:sldId id="334" r:id="rId33"/>
-    <p:sldId id="335" r:id="rId34"/>
-    <p:sldId id="336" r:id="rId35"/>
-    <p:sldId id="348" r:id="rId36"/>
-    <p:sldId id="347" r:id="rId37"/>
-    <p:sldId id="352" r:id="rId38"/>
-    <p:sldId id="364" r:id="rId39"/>
-    <p:sldId id="349" r:id="rId40"/>
-    <p:sldId id="351" r:id="rId41"/>
-    <p:sldId id="284" r:id="rId42"/>
-    <p:sldId id="289" r:id="rId43"/>
-    <p:sldId id="320" r:id="rId44"/>
+    <p:sldId id="342" r:id="rId20"/>
+    <p:sldId id="362" r:id="rId21"/>
+    <p:sldId id="327" r:id="rId22"/>
+    <p:sldId id="339" r:id="rId23"/>
+    <p:sldId id="338" r:id="rId24"/>
+    <p:sldId id="359" r:id="rId25"/>
+    <p:sldId id="360" r:id="rId26"/>
+    <p:sldId id="337" r:id="rId27"/>
+    <p:sldId id="343" r:id="rId28"/>
+    <p:sldId id="361" r:id="rId29"/>
+    <p:sldId id="367" r:id="rId30"/>
+    <p:sldId id="340" r:id="rId31"/>
+    <p:sldId id="341" r:id="rId32"/>
+    <p:sldId id="344" r:id="rId33"/>
+    <p:sldId id="363" r:id="rId34"/>
+    <p:sldId id="334" r:id="rId35"/>
+    <p:sldId id="335" r:id="rId36"/>
+    <p:sldId id="336" r:id="rId37"/>
+    <p:sldId id="348" r:id="rId38"/>
+    <p:sldId id="347" r:id="rId39"/>
+    <p:sldId id="352" r:id="rId40"/>
+    <p:sldId id="364" r:id="rId41"/>
+    <p:sldId id="351" r:id="rId42"/>
+    <p:sldId id="371" r:id="rId43"/>
+    <p:sldId id="372" r:id="rId44"/>
+    <p:sldId id="373" r:id="rId45"/>
+    <p:sldId id="284" r:id="rId46"/>
+    <p:sldId id="369" r:id="rId47"/>
+    <p:sldId id="370" r:id="rId48"/>
   </p:sldIdLst>
   <p:sldSz cx="12192000" cy="6858000"/>
   <p:notesSz cx="6858000" cy="9144000"/>
@@ -191,6 +195,7 @@
         </p14:section>
         <p14:section name="PCLs vs Standard" id="{70CAAC77-70CC-4670-9E3C-57B903F015B9}">
           <p14:sldIdLst>
+            <p14:sldId id="342"/>
             <p14:sldId id="362"/>
             <p14:sldId id="327"/>
             <p14:sldId id="339"/>
@@ -200,6 +205,7 @@
             <p14:sldId id="337"/>
             <p14:sldId id="343"/>
             <p14:sldId id="361"/>
+            <p14:sldId id="367"/>
             <p14:sldId id="340"/>
             <p14:sldId id="341"/>
             <p14:sldId id="344"/>
@@ -215,15 +221,17 @@
         <p14:section name=".NET Standard 2.0" id="{33E0CDFC-09F7-4ACB-8BD4-845F9AD13738}">
           <p14:sldIdLst>
             <p14:sldId id="364"/>
-            <p14:sldId id="349"/>
             <p14:sldId id="351"/>
+            <p14:sldId id="371"/>
+            <p14:sldId id="372"/>
+            <p14:sldId id="373"/>
           </p14:sldIdLst>
         </p14:section>
         <p14:section name="Outro" id="{93A1C1C4-9758-4E93-99EA-CA1C9C439405}">
           <p14:sldIdLst>
             <p14:sldId id="284"/>
-            <p14:sldId id="289"/>
-            <p14:sldId id="320"/>
+            <p14:sldId id="369"/>
+            <p14:sldId id="370"/>
           </p14:sldIdLst>
         </p14:section>
       </p14:sectionLst>
@@ -236,10 +244,6 @@
     </p:ext>
   </p:extLst>
 </p:presentation>
-</file>
-
-<file path=ppt/revisionInfo.xml><?xml version="1.0" encoding="utf-8"?>
-<p1510:revInfo xmlns:a="http://schemas.openxmlformats.org/drawingml/2006/main" xmlns:r="http://schemas.openxmlformats.org/officeDocument/2006/relationships" xmlns:p1510="http://schemas.microsoft.com/office/powerpoint/2015/10/main"/>
 </file>
 
 <file path=ppt/diagrams/colors1.xml><?xml version="1.0" encoding="utf-8"?>
@@ -10032,7 +10036,7 @@
           <a:p>
             <a:fld id="{36562140-B735-4C60-B3C5-92EB3D8B05CE}" type="datetimeFigureOut">
               <a:rPr lang="en-US" smtClean="0"/>
-              <a:t>6/7/2017</a:t>
+              <a:t>11/16/2018</a:t>
             </a:fld>
             <a:endParaRPr lang="en-US"/>
           </a:p>
@@ -10197,7 +10201,7 @@
           <a:p>
             <a:fld id="{E818593E-236C-4E05-BB72-B29AB3CB2993}" type="datetimeFigureOut">
               <a:rPr lang="en-US" smtClean="0"/>
-              <a:t>6/7/2017</a:t>
+              <a:t>11/16/2018</a:t>
             </a:fld>
             <a:endParaRPr lang="en-US"/>
           </a:p>
@@ -10750,6 +10754,9 @@
               <a:t>Base class libraries, not framework class libraries</a:t>
             </a:r>
           </a:p>
+          <a:p>
+            <a:endParaRPr lang="en-US" dirty="0"/>
+          </a:p>
         </p:txBody>
       </p:sp>
       <p:sp>
@@ -10860,7 +10867,7 @@
           <a:p>
             <a:fld id="{E6D4E6FE-E9CE-402C-9CA5-D636DAC5C9B5}" type="slidenum">
               <a:rPr lang="en-US" smtClean="0"/>
-              <a:t>22</a:t>
+              <a:t>23</a:t>
             </a:fld>
             <a:endParaRPr lang="en-US"/>
           </a:p>
@@ -10944,7 +10951,7 @@
           <a:p>
             <a:fld id="{E6D4E6FE-E9CE-402C-9CA5-D636DAC5C9B5}" type="slidenum">
               <a:rPr lang="en-US" smtClean="0"/>
-              <a:t>24</a:t>
+              <a:t>25</a:t>
             </a:fld>
             <a:endParaRPr lang="en-US"/>
           </a:p>
@@ -11028,7 +11035,7 @@
           <a:p>
             <a:fld id="{E6D4E6FE-E9CE-402C-9CA5-D636DAC5C9B5}" type="slidenum">
               <a:rPr lang="en-US" smtClean="0"/>
-              <a:t>30</a:t>
+              <a:t>32</a:t>
             </a:fld>
             <a:endParaRPr lang="en-US"/>
           </a:p>
@@ -11149,7 +11156,7 @@
           <a:p>
             <a:fld id="{E6D4E6FE-E9CE-402C-9CA5-D636DAC5C9B5}" type="slidenum">
               <a:rPr lang="en-US" smtClean="0"/>
-              <a:t>32</a:t>
+              <a:t>34</a:t>
             </a:fld>
             <a:endParaRPr lang="en-US"/>
           </a:p>
@@ -11233,7 +11240,7 @@
           <a:p>
             <a:fld id="{E6D4E6FE-E9CE-402C-9CA5-D636DAC5C9B5}" type="slidenum">
               <a:rPr lang="en-US" smtClean="0"/>
-              <a:t>33</a:t>
+              <a:t>35</a:t>
             </a:fld>
             <a:endParaRPr lang="en-US"/>
           </a:p>
@@ -11341,7 +11348,7 @@
           <a:p>
             <a:fld id="{E6D4E6FE-E9CE-402C-9CA5-D636DAC5C9B5}" type="slidenum">
               <a:rPr lang="en-US" smtClean="0"/>
-              <a:t>34</a:t>
+              <a:t>36</a:t>
             </a:fld>
             <a:endParaRPr lang="en-US"/>
           </a:p>
@@ -11487,7 +11494,7 @@
           <a:p>
             <a:fld id="{FDB08721-E45B-4A66-93A6-531BE00DB2CF}" type="datetimeFigureOut">
               <a:rPr lang="en-US" smtClean="0"/>
-              <a:t>6/7/2017</a:t>
+              <a:t>11/16/2018</a:t>
             </a:fld>
             <a:endParaRPr lang="en-US"/>
           </a:p>
@@ -11791,7 +11798,7 @@
           <a:p>
             <a:fld id="{FDB08721-E45B-4A66-93A6-531BE00DB2CF}" type="datetimeFigureOut">
               <a:rPr lang="en-US" smtClean="0"/>
-              <a:t>6/7/2017</a:t>
+              <a:t>11/16/2018</a:t>
             </a:fld>
             <a:endParaRPr lang="en-US"/>
           </a:p>
@@ -11971,7 +11978,7 @@
           <a:p>
             <a:fld id="{FDB08721-E45B-4A66-93A6-531BE00DB2CF}" type="datetimeFigureOut">
               <a:rPr lang="en-US" smtClean="0"/>
-              <a:t>6/7/2017</a:t>
+              <a:t>11/16/2018</a:t>
             </a:fld>
             <a:endParaRPr lang="en-US"/>
           </a:p>
@@ -12141,7 +12148,7 @@
           <a:p>
             <a:fld id="{FDB08721-E45B-4A66-93A6-531BE00DB2CF}" type="datetimeFigureOut">
               <a:rPr lang="en-US" smtClean="0"/>
-              <a:t>6/7/2017</a:t>
+              <a:t>11/16/2018</a:t>
             </a:fld>
             <a:endParaRPr lang="en-US"/>
           </a:p>
@@ -12397,7 +12404,7 @@
           <a:p>
             <a:fld id="{FDB08721-E45B-4A66-93A6-531BE00DB2CF}" type="datetimeFigureOut">
               <a:rPr lang="en-US" smtClean="0"/>
-              <a:t>6/7/2017</a:t>
+              <a:t>11/16/2018</a:t>
             </a:fld>
             <a:endParaRPr lang="en-US"/>
           </a:p>
@@ -12685,7 +12692,7 @@
           <a:p>
             <a:fld id="{FDB08721-E45B-4A66-93A6-531BE00DB2CF}" type="datetimeFigureOut">
               <a:rPr lang="en-US" smtClean="0"/>
-              <a:t>6/7/2017</a:t>
+              <a:t>11/16/2018</a:t>
             </a:fld>
             <a:endParaRPr lang="en-US"/>
           </a:p>
@@ -13123,7 +13130,7 @@
           <a:p>
             <a:fld id="{FDB08721-E45B-4A66-93A6-531BE00DB2CF}" type="datetimeFigureOut">
               <a:rPr lang="en-US" smtClean="0"/>
-              <a:t>6/7/2017</a:t>
+              <a:t>11/16/2018</a:t>
             </a:fld>
             <a:endParaRPr lang="en-US"/>
           </a:p>
@@ -13241,7 +13248,7 @@
           <a:p>
             <a:fld id="{FDB08721-E45B-4A66-93A6-531BE00DB2CF}" type="datetimeFigureOut">
               <a:rPr lang="en-US" smtClean="0"/>
-              <a:t>6/7/2017</a:t>
+              <a:t>11/16/2018</a:t>
             </a:fld>
             <a:endParaRPr lang="en-US"/>
           </a:p>
@@ -13336,7 +13343,7 @@
           <a:p>
             <a:fld id="{FDB08721-E45B-4A66-93A6-531BE00DB2CF}" type="datetimeFigureOut">
               <a:rPr lang="en-US" smtClean="0"/>
-              <a:t>6/7/2017</a:t>
+              <a:t>11/16/2018</a:t>
             </a:fld>
             <a:endParaRPr lang="en-US"/>
           </a:p>
@@ -13692,7 +13699,7 @@
           <a:p>
             <a:fld id="{FDB08721-E45B-4A66-93A6-531BE00DB2CF}" type="datetimeFigureOut">
               <a:rPr lang="en-US" smtClean="0"/>
-              <a:t>6/7/2017</a:t>
+              <a:t>11/16/2018</a:t>
             </a:fld>
             <a:endParaRPr lang="en-US"/>
           </a:p>
@@ -14008,7 +14015,7 @@
           <a:p>
             <a:fld id="{FDB08721-E45B-4A66-93A6-531BE00DB2CF}" type="datetimeFigureOut">
               <a:rPr lang="en-US" smtClean="0"/>
-              <a:t>6/7/2017</a:t>
+              <a:t>11/16/2018</a:t>
             </a:fld>
             <a:endParaRPr lang="en-US"/>
           </a:p>
@@ -14244,7 +14251,7 @@
             <a:fld id="{FDB08721-E45B-4A66-93A6-531BE00DB2CF}" type="datetimeFigureOut">
               <a:rPr lang="en-US" smtClean="0"/>
               <a:pPr/>
-              <a:t>6/7/2017</a:t>
+              <a:t>11/16/2018</a:t>
             </a:fld>
             <a:endParaRPr lang="en-US"/>
           </a:p>
@@ -14989,13 +14996,17 @@
       </p:grpSpPr>
       <p:pic>
         <p:nvPicPr>
-          <p:cNvPr id="4" name="Content Placeholder 3"/>
+          <p:cNvPr id="2" name="Picture 1">
+            <a:extLst>
+              <a:ext uri="{FF2B5EF4-FFF2-40B4-BE49-F238E27FC236}">
+                <a16:creationId xmlns:a16="http://schemas.microsoft.com/office/drawing/2014/main" id="{D0C89607-2B96-454B-BB98-CD7D568886FF}"/>
+              </a:ext>
+            </a:extLst>
+          </p:cNvPr>
           <p:cNvPicPr>
-            <a:picLocks noGrp="1" noChangeAspect="1"/>
+            <a:picLocks noChangeAspect="1"/>
           </p:cNvPicPr>
-          <p:nvPr>
-            <p:ph idx="1"/>
-          </p:nvPr>
+          <p:nvPr/>
         </p:nvPicPr>
         <p:blipFill>
           <a:blip r:embed="rId2"/>
@@ -15005,14 +15016,48 @@
         </p:blipFill>
         <p:spPr>
           <a:xfrm>
-            <a:off x="1482290" y="479126"/>
-            <a:ext cx="9107450" cy="5986327"/>
+            <a:off x="466164" y="161212"/>
+            <a:ext cx="11259672" cy="6284180"/>
           </a:xfrm>
           <a:prstGeom prst="rect">
             <a:avLst/>
           </a:prstGeom>
         </p:spPr>
       </p:pic>
+      <p:sp>
+        <p:nvSpPr>
+          <p:cNvPr id="3" name="Rectangle 2">
+            <a:extLst>
+              <a:ext uri="{FF2B5EF4-FFF2-40B4-BE49-F238E27FC236}">
+                <a16:creationId xmlns:a16="http://schemas.microsoft.com/office/drawing/2014/main" id="{5AB178FA-6CC0-4F63-B996-9AC9746CC1A4}"/>
+              </a:ext>
+            </a:extLst>
+          </p:cNvPr>
+          <p:cNvSpPr/>
+          <p:nvPr/>
+        </p:nvSpPr>
+        <p:spPr>
+          <a:xfrm>
+            <a:off x="5239875" y="6431944"/>
+            <a:ext cx="6461313" cy="369332"/>
+          </a:xfrm>
+          <a:prstGeom prst="rect">
+            <a:avLst/>
+          </a:prstGeom>
+        </p:spPr>
+        <p:txBody>
+          <a:bodyPr wrap="square">
+            <a:spAutoFit/>
+          </a:bodyPr>
+          <a:lstStyle/>
+          <a:p>
+            <a:r>
+              <a:rPr lang="en-US" dirty="0"/>
+              <a:t>https://github.com/dotnet/standard/blob/master/docs/versions.md</a:t>
+            </a:r>
+          </a:p>
+        </p:txBody>
+      </p:sp>
     </p:spTree>
     <p:extLst>
       <p:ext uri="{BB962C8B-B14F-4D97-AF65-F5344CB8AC3E}">
@@ -15077,31 +15122,27 @@
         </p:nvSpPr>
         <p:spPr/>
         <p:txBody>
-          <a:bodyPr/>
+          <a:bodyPr>
+            <a:normAutofit/>
+          </a:bodyPr>
           <a:lstStyle/>
           <a:p>
             <a:r>
-              <a:rPr lang="en-US" dirty="0"/>
-              <a:t>BCLs not FCLs*</a:t>
-            </a:r>
-          </a:p>
-          <a:p>
-            <a:endParaRPr lang="en-US" dirty="0"/>
-          </a:p>
-          <a:p>
-            <a:r>
-              <a:rPr lang="en-US" sz="2000" dirty="0"/>
-              <a:t>*FCLs include frameworks like ASP.NET, ASP.NET Core, WinForms, WPF, WCF, </a:t>
-            </a:r>
-            <a:r>
-              <a:rPr lang="en-US" sz="2000" dirty="0" err="1"/>
-              <a:t>etc</a:t>
-            </a:r>
-            <a:r>
-              <a:rPr lang="en-US" sz="2000" dirty="0"/>
-              <a:t>…</a:t>
-            </a:r>
-            <a:endParaRPr lang="en-US" dirty="0"/>
+              <a:rPr lang="en-US" sz="3600" dirty="0"/>
+              <a:t>BCLs but </a:t>
+            </a:r>
+            <a:r>
+              <a:rPr lang="en-US" sz="3600" b="1"/>
+              <a:t>NOT</a:t>
+            </a:r>
+            <a:r>
+              <a:rPr lang="en-US" sz="3600"/>
+              <a:t> FCLs</a:t>
+            </a:r>
+            <a:endParaRPr lang="en-US" sz="3600" dirty="0"/>
+          </a:p>
+          <a:p>
+            <a:endParaRPr lang="en-US" sz="3600" dirty="0"/>
           </a:p>
         </p:txBody>
       </p:sp>
@@ -17825,7 +17866,7 @@
       </p:grpSpPr>
       <p:sp>
         <p:nvSpPr>
-          <p:cNvPr id="2" name="Title 1"/>
+          <p:cNvPr id="4" name="Title 3"/>
           <p:cNvSpPr>
             <a:spLocks noGrp="1"/>
           </p:cNvSpPr>
@@ -17840,14 +17881,14 @@
           <a:p>
             <a:r>
               <a:rPr lang="en-US" dirty="0"/>
-              <a:t>Portable Class Libraries (PCLs)</a:t>
+              <a:t>.NET Standard vs Other Ways to Share</a:t>
             </a:r>
           </a:p>
         </p:txBody>
       </p:sp>
       <p:sp>
         <p:nvSpPr>
-          <p:cNvPr id="4" name="Text Placeholder 3"/>
+          <p:cNvPr id="5" name="Text Placeholder 4"/>
           <p:cNvSpPr>
             <a:spLocks noGrp="1"/>
           </p:cNvSpPr>
@@ -17867,7 +17908,7 @@
     </p:spTree>
     <p:extLst>
       <p:ext uri="{BB962C8B-B14F-4D97-AF65-F5344CB8AC3E}">
-        <p14:creationId xmlns:p14="http://schemas.microsoft.com/office/powerpoint/2010/main" val="3580136405"/>
+        <p14:creationId xmlns:p14="http://schemas.microsoft.com/office/powerpoint/2010/main" val="4024364652"/>
       </p:ext>
     </p:extLst>
   </p:cSld>
@@ -18046,577 +18087,6 @@
       </p:sp>
       <p:sp>
         <p:nvSpPr>
-          <p:cNvPr id="6" name="Content Placeholder 2"/>
-          <p:cNvSpPr txBox="1">
-            <a:spLocks/>
-          </p:cNvSpPr>
-          <p:nvPr/>
-        </p:nvSpPr>
-        <p:spPr>
-          <a:xfrm>
-            <a:off x="6136234" y="4333247"/>
-            <a:ext cx="5293765" cy="1345294"/>
-          </a:xfrm>
-          <a:prstGeom prst="rect">
-            <a:avLst/>
-          </a:prstGeom>
-        </p:spPr>
-        <p:txBody>
-          <a:bodyPr vert="horz" lIns="91440" tIns="45720" rIns="91440" bIns="45720" rtlCol="0">
-            <a:normAutofit/>
-          </a:bodyPr>
-          <a:lstStyle>
-            <a:lvl1pPr marL="91440" indent="-91440" algn="l" defTabSz="914400" rtl="0" eaLnBrk="1" latinLnBrk="0" hangingPunct="1">
-              <a:lnSpc>
-                <a:spcPct val="85000"/>
-              </a:lnSpc>
-              <a:spcBef>
-                <a:spcPts val="1300"/>
-              </a:spcBef>
-              <a:buFont typeface="Arial" pitchFamily="34" charset="0"/>
-              <a:buChar char=" "/>
-              <a:defRPr sz="2400" kern="1200">
-                <a:solidFill>
-                  <a:schemeClr val="tx1">
-                    <a:lumMod val="85000"/>
-                    <a:lumOff val="15000"/>
-                  </a:schemeClr>
-                </a:solidFill>
-                <a:latin typeface="Segoe UI" panose="020B0502040204020203" pitchFamily="34" charset="0"/>
-                <a:ea typeface="+mn-ea"/>
-                <a:cs typeface="Segoe UI" panose="020B0502040204020203" pitchFamily="34" charset="0"/>
-              </a:defRPr>
-            </a:lvl1pPr>
-            <a:lvl2pPr marL="347472" indent="-342900" algn="l" defTabSz="914400" rtl="0" eaLnBrk="1" latinLnBrk="0" hangingPunct="1">
-              <a:lnSpc>
-                <a:spcPct val="85000"/>
-              </a:lnSpc>
-              <a:spcBef>
-                <a:spcPts val="600"/>
-              </a:spcBef>
-              <a:buFont typeface="Arial" pitchFamily="34" charset="0"/>
-              <a:buChar char=" "/>
-              <a:defRPr sz="2400" kern="1200">
-                <a:solidFill>
-                  <a:schemeClr val="tx1">
-                    <a:lumMod val="85000"/>
-                    <a:lumOff val="15000"/>
-                  </a:schemeClr>
-                </a:solidFill>
-                <a:latin typeface="Segoe UI" panose="020B0502040204020203" pitchFamily="34" charset="0"/>
-                <a:ea typeface="+mn-ea"/>
-                <a:cs typeface="Segoe UI" panose="020B0502040204020203" pitchFamily="34" charset="0"/>
-              </a:defRPr>
-            </a:lvl2pPr>
-            <a:lvl3pPr marL="548640" indent="-548640" algn="l" defTabSz="914400" rtl="0" eaLnBrk="1" latinLnBrk="0" hangingPunct="1">
-              <a:lnSpc>
-                <a:spcPct val="85000"/>
-              </a:lnSpc>
-              <a:spcBef>
-                <a:spcPts val="600"/>
-              </a:spcBef>
-              <a:buFont typeface="Arial" pitchFamily="34" charset="0"/>
-              <a:buChar char=" "/>
-              <a:defRPr sz="2000" i="1" kern="1200">
-                <a:solidFill>
-                  <a:schemeClr val="tx1">
-                    <a:lumMod val="85000"/>
-                    <a:lumOff val="15000"/>
-                  </a:schemeClr>
-                </a:solidFill>
-                <a:latin typeface="Segoe UI" panose="020B0502040204020203" pitchFamily="34" charset="0"/>
-                <a:ea typeface="+mn-ea"/>
-                <a:cs typeface="Segoe UI" panose="020B0502040204020203" pitchFamily="34" charset="0"/>
-              </a:defRPr>
-            </a:lvl3pPr>
-            <a:lvl4pPr marL="822960" indent="-822960" algn="l" defTabSz="914400" rtl="0" eaLnBrk="1" latinLnBrk="0" hangingPunct="1">
-              <a:lnSpc>
-                <a:spcPct val="85000"/>
-              </a:lnSpc>
-              <a:spcBef>
-                <a:spcPts val="600"/>
-              </a:spcBef>
-              <a:buFont typeface="Arial" pitchFamily="34" charset="0"/>
-              <a:buChar char=" "/>
-              <a:defRPr sz="1800" kern="1200">
-                <a:solidFill>
-                  <a:schemeClr val="tx1">
-                    <a:lumMod val="85000"/>
-                    <a:lumOff val="15000"/>
-                  </a:schemeClr>
-                </a:solidFill>
-                <a:latin typeface="Segoe UI" panose="020B0502040204020203" pitchFamily="34" charset="0"/>
-                <a:ea typeface="+mn-ea"/>
-                <a:cs typeface="Segoe UI" panose="020B0502040204020203" pitchFamily="34" charset="0"/>
-              </a:defRPr>
-            </a:lvl4pPr>
-            <a:lvl5pPr marL="1097280" indent="-1097280" algn="l" defTabSz="914400" rtl="0" eaLnBrk="1" latinLnBrk="0" hangingPunct="1">
-              <a:lnSpc>
-                <a:spcPct val="85000"/>
-              </a:lnSpc>
-              <a:spcBef>
-                <a:spcPts val="600"/>
-              </a:spcBef>
-              <a:buFont typeface="Arial" pitchFamily="34" charset="0"/>
-              <a:buChar char=" "/>
-              <a:defRPr sz="1800" kern="1200">
-                <a:solidFill>
-                  <a:schemeClr val="tx1">
-                    <a:lumMod val="85000"/>
-                    <a:lumOff val="15000"/>
-                  </a:schemeClr>
-                </a:solidFill>
-                <a:latin typeface="Segoe UI" panose="020B0502040204020203" pitchFamily="34" charset="0"/>
-                <a:ea typeface="+mn-ea"/>
-                <a:cs typeface="Segoe UI" panose="020B0502040204020203" pitchFamily="34" charset="0"/>
-              </a:defRPr>
-            </a:lvl5pPr>
-            <a:lvl6pPr marL="1200000" indent="-228600" algn="l" defTabSz="914400" rtl="0" eaLnBrk="1" latinLnBrk="0" hangingPunct="1">
-              <a:lnSpc>
-                <a:spcPct val="85000"/>
-              </a:lnSpc>
-              <a:spcBef>
-                <a:spcPts val="600"/>
-              </a:spcBef>
-              <a:buFont typeface="Arial" pitchFamily="34" charset="0"/>
-              <a:buChar char=" "/>
-              <a:defRPr sz="1800" kern="1200">
-                <a:solidFill>
-                  <a:schemeClr val="tx1">
-                    <a:lumMod val="85000"/>
-                    <a:lumOff val="15000"/>
-                  </a:schemeClr>
-                </a:solidFill>
-                <a:latin typeface="+mn-lt"/>
-                <a:ea typeface="+mn-ea"/>
-                <a:cs typeface="+mn-cs"/>
-              </a:defRPr>
-            </a:lvl6pPr>
-            <a:lvl7pPr marL="1400000" indent="-228600" algn="l" defTabSz="914400" rtl="0" eaLnBrk="1" latinLnBrk="0" hangingPunct="1">
-              <a:lnSpc>
-                <a:spcPct val="85000"/>
-              </a:lnSpc>
-              <a:spcBef>
-                <a:spcPts val="600"/>
-              </a:spcBef>
-              <a:buFont typeface="Arial" pitchFamily="34" charset="0"/>
-              <a:buChar char=" "/>
-              <a:defRPr sz="1800" kern="1200">
-                <a:solidFill>
-                  <a:schemeClr val="tx1">
-                    <a:lumMod val="85000"/>
-                    <a:lumOff val="15000"/>
-                  </a:schemeClr>
-                </a:solidFill>
-                <a:latin typeface="+mn-lt"/>
-                <a:ea typeface="+mn-ea"/>
-                <a:cs typeface="+mn-cs"/>
-              </a:defRPr>
-            </a:lvl7pPr>
-            <a:lvl8pPr marL="1600000" indent="-228600" algn="l" defTabSz="914400" rtl="0" eaLnBrk="1" latinLnBrk="0" hangingPunct="1">
-              <a:lnSpc>
-                <a:spcPct val="85000"/>
-              </a:lnSpc>
-              <a:spcBef>
-                <a:spcPts val="600"/>
-              </a:spcBef>
-              <a:buFont typeface="Arial" pitchFamily="34" charset="0"/>
-              <a:buChar char=" "/>
-              <a:defRPr sz="1800" kern="1200">
-                <a:solidFill>
-                  <a:schemeClr val="tx1">
-                    <a:lumMod val="85000"/>
-                    <a:lumOff val="15000"/>
-                  </a:schemeClr>
-                </a:solidFill>
-                <a:latin typeface="+mn-lt"/>
-                <a:ea typeface="+mn-ea"/>
-                <a:cs typeface="+mn-cs"/>
-              </a:defRPr>
-            </a:lvl8pPr>
-            <a:lvl9pPr marL="1800000" indent="-228600" algn="l" defTabSz="914400" rtl="0" eaLnBrk="1" latinLnBrk="0" hangingPunct="1">
-              <a:lnSpc>
-                <a:spcPct val="85000"/>
-              </a:lnSpc>
-              <a:spcBef>
-                <a:spcPts val="600"/>
-              </a:spcBef>
-              <a:buFont typeface="Arial" pitchFamily="34" charset="0"/>
-              <a:buChar char=" "/>
-              <a:defRPr sz="1800" kern="1200">
-                <a:solidFill>
-                  <a:schemeClr val="tx1">
-                    <a:lumMod val="85000"/>
-                    <a:lumOff val="15000"/>
-                  </a:schemeClr>
-                </a:solidFill>
-                <a:latin typeface="+mn-lt"/>
-                <a:ea typeface="+mn-ea"/>
-                <a:cs typeface="+mn-cs"/>
-              </a:defRPr>
-            </a:lvl9pPr>
-          </a:lstStyle>
-          <a:p>
-            <a:pPr marL="0" indent="0">
-              <a:buNone/>
-              <a:tabLst>
-                <a:tab pos="233363" algn="ctr"/>
-                <a:tab pos="457200" algn="l"/>
-              </a:tabLst>
-            </a:pPr>
-            <a:r>
-              <a:rPr lang="en-US" sz="2000" dirty="0">
-                <a:solidFill>
-                  <a:srgbClr val="333333"/>
-                </a:solidFill>
-                <a:latin typeface="FontAwesome" pitchFamily="2" charset="0"/>
-              </a:rPr>
-              <a:t>	</a:t>
-            </a:r>
-            <a:r>
-              <a:rPr lang="en-US" sz="2000" dirty="0">
-                <a:latin typeface="FontAwesome" pitchFamily="2" charset="0"/>
-              </a:rPr>
-              <a:t>	</a:t>
-            </a:r>
-            <a:r>
-              <a:rPr lang="en-US" sz="2000" dirty="0"/>
-              <a:t>jtower@trailheadtechnology.com</a:t>
-            </a:r>
-          </a:p>
-          <a:p>
-            <a:pPr marL="0" indent="0">
-              <a:buNone/>
-              <a:tabLst>
-                <a:tab pos="233363" algn="ctr"/>
-                <a:tab pos="457200" algn="l"/>
-              </a:tabLst>
-            </a:pPr>
-            <a:r>
-              <a:rPr lang="en-US" sz="2000" dirty="0">
-                <a:latin typeface="FontAwesome" pitchFamily="2" charset="0"/>
-              </a:rPr>
-              <a:t>		</a:t>
-            </a:r>
-            <a:r>
-              <a:rPr lang="en-US" sz="2000" dirty="0"/>
-              <a:t>trailheadtechnology.com/blog</a:t>
-            </a:r>
-          </a:p>
-          <a:p>
-            <a:pPr marL="0" indent="0">
-              <a:buNone/>
-              <a:tabLst>
-                <a:tab pos="233363" algn="ctr"/>
-                <a:tab pos="457200" algn="l"/>
-              </a:tabLst>
-            </a:pPr>
-            <a:r>
-              <a:rPr lang="en-US" sz="2000" dirty="0">
-                <a:latin typeface="FontAwesome" pitchFamily="2" charset="0"/>
-              </a:rPr>
-              <a:t>		</a:t>
-            </a:r>
-            <a:r>
-              <a:rPr lang="en-US" sz="2000" dirty="0" err="1"/>
-              <a:t>jtowermi</a:t>
-            </a:r>
-            <a:endParaRPr lang="en-US" sz="2000" dirty="0"/>
-          </a:p>
-          <a:p>
-            <a:pPr>
-              <a:tabLst>
-                <a:tab pos="233363" algn="ctr"/>
-                <a:tab pos="457200" algn="l"/>
-              </a:tabLst>
-            </a:pPr>
-            <a:endParaRPr lang="en-US" sz="2000" dirty="0"/>
-          </a:p>
-        </p:txBody>
-      </p:sp>
-      <p:sp>
-        <p:nvSpPr>
-          <p:cNvPr id="7" name="Content Placeholder 2"/>
-          <p:cNvSpPr txBox="1">
-            <a:spLocks/>
-          </p:cNvSpPr>
-          <p:nvPr/>
-        </p:nvSpPr>
-        <p:spPr>
-          <a:xfrm>
-            <a:off x="657224" y="4333247"/>
-            <a:ext cx="5293765" cy="1345294"/>
-          </a:xfrm>
-          <a:prstGeom prst="rect">
-            <a:avLst/>
-          </a:prstGeom>
-        </p:spPr>
-        <p:txBody>
-          <a:bodyPr vert="horz" lIns="91440" tIns="45720" rIns="91440" bIns="45720" rtlCol="0">
-            <a:normAutofit/>
-          </a:bodyPr>
-          <a:lstStyle>
-            <a:lvl1pPr marL="91440" indent="-91440" algn="l" defTabSz="914400" rtl="0" eaLnBrk="1" latinLnBrk="0" hangingPunct="1">
-              <a:lnSpc>
-                <a:spcPct val="85000"/>
-              </a:lnSpc>
-              <a:spcBef>
-                <a:spcPts val="1300"/>
-              </a:spcBef>
-              <a:buFont typeface="Arial" pitchFamily="34" charset="0"/>
-              <a:buChar char=" "/>
-              <a:defRPr sz="2400" kern="1200">
-                <a:solidFill>
-                  <a:schemeClr val="tx1">
-                    <a:lumMod val="85000"/>
-                    <a:lumOff val="15000"/>
-                  </a:schemeClr>
-                </a:solidFill>
-                <a:latin typeface="Segoe UI" panose="020B0502040204020203" pitchFamily="34" charset="0"/>
-                <a:ea typeface="+mn-ea"/>
-                <a:cs typeface="Segoe UI" panose="020B0502040204020203" pitchFamily="34" charset="0"/>
-              </a:defRPr>
-            </a:lvl1pPr>
-            <a:lvl2pPr marL="347472" indent="-342900" algn="l" defTabSz="914400" rtl="0" eaLnBrk="1" latinLnBrk="0" hangingPunct="1">
-              <a:lnSpc>
-                <a:spcPct val="85000"/>
-              </a:lnSpc>
-              <a:spcBef>
-                <a:spcPts val="600"/>
-              </a:spcBef>
-              <a:buFont typeface="Arial" pitchFamily="34" charset="0"/>
-              <a:buChar char=" "/>
-              <a:defRPr sz="2400" kern="1200">
-                <a:solidFill>
-                  <a:schemeClr val="tx1">
-                    <a:lumMod val="85000"/>
-                    <a:lumOff val="15000"/>
-                  </a:schemeClr>
-                </a:solidFill>
-                <a:latin typeface="Segoe UI" panose="020B0502040204020203" pitchFamily="34" charset="0"/>
-                <a:ea typeface="+mn-ea"/>
-                <a:cs typeface="Segoe UI" panose="020B0502040204020203" pitchFamily="34" charset="0"/>
-              </a:defRPr>
-            </a:lvl2pPr>
-            <a:lvl3pPr marL="548640" indent="-548640" algn="l" defTabSz="914400" rtl="0" eaLnBrk="1" latinLnBrk="0" hangingPunct="1">
-              <a:lnSpc>
-                <a:spcPct val="85000"/>
-              </a:lnSpc>
-              <a:spcBef>
-                <a:spcPts val="600"/>
-              </a:spcBef>
-              <a:buFont typeface="Arial" pitchFamily="34" charset="0"/>
-              <a:buChar char=" "/>
-              <a:defRPr sz="2000" i="1" kern="1200">
-                <a:solidFill>
-                  <a:schemeClr val="tx1">
-                    <a:lumMod val="85000"/>
-                    <a:lumOff val="15000"/>
-                  </a:schemeClr>
-                </a:solidFill>
-                <a:latin typeface="Segoe UI" panose="020B0502040204020203" pitchFamily="34" charset="0"/>
-                <a:ea typeface="+mn-ea"/>
-                <a:cs typeface="Segoe UI" panose="020B0502040204020203" pitchFamily="34" charset="0"/>
-              </a:defRPr>
-            </a:lvl3pPr>
-            <a:lvl4pPr marL="822960" indent="-822960" algn="l" defTabSz="914400" rtl="0" eaLnBrk="1" latinLnBrk="0" hangingPunct="1">
-              <a:lnSpc>
-                <a:spcPct val="85000"/>
-              </a:lnSpc>
-              <a:spcBef>
-                <a:spcPts val="600"/>
-              </a:spcBef>
-              <a:buFont typeface="Arial" pitchFamily="34" charset="0"/>
-              <a:buChar char=" "/>
-              <a:defRPr sz="1800" kern="1200">
-                <a:solidFill>
-                  <a:schemeClr val="tx1">
-                    <a:lumMod val="85000"/>
-                    <a:lumOff val="15000"/>
-                  </a:schemeClr>
-                </a:solidFill>
-                <a:latin typeface="Segoe UI" panose="020B0502040204020203" pitchFamily="34" charset="0"/>
-                <a:ea typeface="+mn-ea"/>
-                <a:cs typeface="Segoe UI" panose="020B0502040204020203" pitchFamily="34" charset="0"/>
-              </a:defRPr>
-            </a:lvl4pPr>
-            <a:lvl5pPr marL="1097280" indent="-1097280" algn="l" defTabSz="914400" rtl="0" eaLnBrk="1" latinLnBrk="0" hangingPunct="1">
-              <a:lnSpc>
-                <a:spcPct val="85000"/>
-              </a:lnSpc>
-              <a:spcBef>
-                <a:spcPts val="600"/>
-              </a:spcBef>
-              <a:buFont typeface="Arial" pitchFamily="34" charset="0"/>
-              <a:buChar char=" "/>
-              <a:defRPr sz="1800" kern="1200">
-                <a:solidFill>
-                  <a:schemeClr val="tx1">
-                    <a:lumMod val="85000"/>
-                    <a:lumOff val="15000"/>
-                  </a:schemeClr>
-                </a:solidFill>
-                <a:latin typeface="Segoe UI" panose="020B0502040204020203" pitchFamily="34" charset="0"/>
-                <a:ea typeface="+mn-ea"/>
-                <a:cs typeface="Segoe UI" panose="020B0502040204020203" pitchFamily="34" charset="0"/>
-              </a:defRPr>
-            </a:lvl5pPr>
-            <a:lvl6pPr marL="1200000" indent="-228600" algn="l" defTabSz="914400" rtl="0" eaLnBrk="1" latinLnBrk="0" hangingPunct="1">
-              <a:lnSpc>
-                <a:spcPct val="85000"/>
-              </a:lnSpc>
-              <a:spcBef>
-                <a:spcPts val="600"/>
-              </a:spcBef>
-              <a:buFont typeface="Arial" pitchFamily="34" charset="0"/>
-              <a:buChar char=" "/>
-              <a:defRPr sz="1800" kern="1200">
-                <a:solidFill>
-                  <a:schemeClr val="tx1">
-                    <a:lumMod val="85000"/>
-                    <a:lumOff val="15000"/>
-                  </a:schemeClr>
-                </a:solidFill>
-                <a:latin typeface="+mn-lt"/>
-                <a:ea typeface="+mn-ea"/>
-                <a:cs typeface="+mn-cs"/>
-              </a:defRPr>
-            </a:lvl6pPr>
-            <a:lvl7pPr marL="1400000" indent="-228600" algn="l" defTabSz="914400" rtl="0" eaLnBrk="1" latinLnBrk="0" hangingPunct="1">
-              <a:lnSpc>
-                <a:spcPct val="85000"/>
-              </a:lnSpc>
-              <a:spcBef>
-                <a:spcPts val="600"/>
-              </a:spcBef>
-              <a:buFont typeface="Arial" pitchFamily="34" charset="0"/>
-              <a:buChar char=" "/>
-              <a:defRPr sz="1800" kern="1200">
-                <a:solidFill>
-                  <a:schemeClr val="tx1">
-                    <a:lumMod val="85000"/>
-                    <a:lumOff val="15000"/>
-                  </a:schemeClr>
-                </a:solidFill>
-                <a:latin typeface="+mn-lt"/>
-                <a:ea typeface="+mn-ea"/>
-                <a:cs typeface="+mn-cs"/>
-              </a:defRPr>
-            </a:lvl7pPr>
-            <a:lvl8pPr marL="1600000" indent="-228600" algn="l" defTabSz="914400" rtl="0" eaLnBrk="1" latinLnBrk="0" hangingPunct="1">
-              <a:lnSpc>
-                <a:spcPct val="85000"/>
-              </a:lnSpc>
-              <a:spcBef>
-                <a:spcPts val="600"/>
-              </a:spcBef>
-              <a:buFont typeface="Arial" pitchFamily="34" charset="0"/>
-              <a:buChar char=" "/>
-              <a:defRPr sz="1800" kern="1200">
-                <a:solidFill>
-                  <a:schemeClr val="tx1">
-                    <a:lumMod val="85000"/>
-                    <a:lumOff val="15000"/>
-                  </a:schemeClr>
-                </a:solidFill>
-                <a:latin typeface="+mn-lt"/>
-                <a:ea typeface="+mn-ea"/>
-                <a:cs typeface="+mn-cs"/>
-              </a:defRPr>
-            </a:lvl8pPr>
-            <a:lvl9pPr marL="1800000" indent="-228600" algn="l" defTabSz="914400" rtl="0" eaLnBrk="1" latinLnBrk="0" hangingPunct="1">
-              <a:lnSpc>
-                <a:spcPct val="85000"/>
-              </a:lnSpc>
-              <a:spcBef>
-                <a:spcPts val="600"/>
-              </a:spcBef>
-              <a:buFont typeface="Arial" pitchFamily="34" charset="0"/>
-              <a:buChar char=" "/>
-              <a:defRPr sz="1800" kern="1200">
-                <a:solidFill>
-                  <a:schemeClr val="tx1">
-                    <a:lumMod val="85000"/>
-                    <a:lumOff val="15000"/>
-                  </a:schemeClr>
-                </a:solidFill>
-                <a:latin typeface="+mn-lt"/>
-                <a:ea typeface="+mn-ea"/>
-                <a:cs typeface="+mn-cs"/>
-              </a:defRPr>
-            </a:lvl9pPr>
-          </a:lstStyle>
-          <a:p>
-            <a:pPr marL="4572" lvl="1" indent="0">
-              <a:spcBef>
-                <a:spcPts val="1300"/>
-              </a:spcBef>
-              <a:buNone/>
-              <a:tabLst>
-                <a:tab pos="233363" algn="ctr"/>
-                <a:tab pos="457200" algn="l"/>
-              </a:tabLst>
-            </a:pPr>
-            <a:r>
-              <a:rPr lang="en-US" sz="2000" dirty="0">
-                <a:latin typeface="FontAwesome" pitchFamily="2" charset="0"/>
-              </a:rPr>
-              <a:t>		</a:t>
-            </a:r>
-            <a:r>
-              <a:rPr lang="en-US" sz="2000" dirty="0"/>
-              <a:t>Microsoft MVP in ASP.NET</a:t>
-            </a:r>
-          </a:p>
-          <a:p>
-            <a:pPr marL="4572" lvl="1" indent="0">
-              <a:spcBef>
-                <a:spcPts val="1300"/>
-              </a:spcBef>
-              <a:buNone/>
-              <a:tabLst>
-                <a:tab pos="233363" algn="ctr"/>
-                <a:tab pos="457200" algn="l"/>
-              </a:tabLst>
-            </a:pPr>
-            <a:r>
-              <a:rPr lang="en-US" sz="2000" dirty="0">
-                <a:latin typeface="FontAwesome" pitchFamily="2" charset="0"/>
-              </a:rPr>
-              <a:t>		</a:t>
-            </a:r>
-            <a:r>
-              <a:rPr lang="en-US" sz="2000" dirty="0" err="1"/>
-              <a:t>Telerik</a:t>
-            </a:r>
-            <a:r>
-              <a:rPr lang="en-US" sz="2000" dirty="0"/>
-              <a:t>/Progress Developer Expert</a:t>
-            </a:r>
-          </a:p>
-          <a:p>
-            <a:pPr marL="0" indent="0">
-              <a:buNone/>
-              <a:tabLst>
-                <a:tab pos="233363" algn="ctr"/>
-                <a:tab pos="457200" algn="l"/>
-              </a:tabLst>
-            </a:pPr>
-            <a:r>
-              <a:rPr lang="en-US" sz="2000" dirty="0">
-                <a:latin typeface="FontAwesome" pitchFamily="2" charset="0"/>
-              </a:rPr>
-              <a:t>		</a:t>
-            </a:r>
-            <a:r>
-              <a:rPr lang="en-US" sz="2000" dirty="0"/>
-              <a:t>Organizer of Beer City Code</a:t>
-            </a:r>
-          </a:p>
-        </p:txBody>
-      </p:sp>
-      <p:sp>
-        <p:nvSpPr>
           <p:cNvPr id="8" name="Title 1"/>
           <p:cNvSpPr txBox="1">
             <a:spLocks/>
@@ -18656,6 +18126,7 @@
             </a:lvl1pPr>
           </a:lstStyle>
           <a:p>
+            <a:pPr algn="ctr"/>
             <a:r>
               <a:rPr lang="en-US" sz="3200" dirty="0"/>
               <a:t>github.com/</a:t>
@@ -18675,6 +18146,658 @@
             <a:r>
               <a:rPr lang="en-US" sz="3200" dirty="0"/>
               <a:t>-standard</a:t>
+            </a:r>
+          </a:p>
+        </p:txBody>
+      </p:sp>
+      <p:sp>
+        <p:nvSpPr>
+          <p:cNvPr id="9" name="Content Placeholder 2">
+            <a:extLst>
+              <a:ext uri="{FF2B5EF4-FFF2-40B4-BE49-F238E27FC236}">
+                <a16:creationId xmlns:a16="http://schemas.microsoft.com/office/drawing/2014/main" id="{C832F28C-B428-4F0C-B7FD-F434DD7C9BF2}"/>
+              </a:ext>
+            </a:extLst>
+          </p:cNvPr>
+          <p:cNvSpPr txBox="1">
+            <a:spLocks/>
+          </p:cNvSpPr>
+          <p:nvPr/>
+        </p:nvSpPr>
+        <p:spPr>
+          <a:xfrm>
+            <a:off x="6102614" y="4172089"/>
+            <a:ext cx="5293765" cy="1345294"/>
+          </a:xfrm>
+          <a:prstGeom prst="rect">
+            <a:avLst/>
+          </a:prstGeom>
+        </p:spPr>
+        <p:txBody>
+          <a:bodyPr vert="horz" lIns="91440" tIns="45720" rIns="91440" bIns="45720" rtlCol="0">
+            <a:normAutofit/>
+          </a:bodyPr>
+          <a:lstStyle>
+            <a:lvl1pPr marL="91440" indent="-91440" algn="l" defTabSz="914400" rtl="0" eaLnBrk="1" latinLnBrk="0" hangingPunct="1">
+              <a:lnSpc>
+                <a:spcPct val="85000"/>
+              </a:lnSpc>
+              <a:spcBef>
+                <a:spcPts val="1300"/>
+              </a:spcBef>
+              <a:buFont typeface="Arial" pitchFamily="34" charset="0"/>
+              <a:buChar char=" "/>
+              <a:defRPr sz="2400" kern="1200">
+                <a:solidFill>
+                  <a:schemeClr val="tx1">
+                    <a:lumMod val="85000"/>
+                    <a:lumOff val="15000"/>
+                  </a:schemeClr>
+                </a:solidFill>
+                <a:latin typeface="Segoe UI" panose="020B0502040204020203" pitchFamily="34" charset="0"/>
+                <a:ea typeface="+mn-ea"/>
+                <a:cs typeface="Segoe UI" panose="020B0502040204020203" pitchFamily="34" charset="0"/>
+              </a:defRPr>
+            </a:lvl1pPr>
+            <a:lvl2pPr marL="347472" indent="-342900" algn="l" defTabSz="914400" rtl="0" eaLnBrk="1" latinLnBrk="0" hangingPunct="1">
+              <a:lnSpc>
+                <a:spcPct val="85000"/>
+              </a:lnSpc>
+              <a:spcBef>
+                <a:spcPts val="600"/>
+              </a:spcBef>
+              <a:buFont typeface="Arial" pitchFamily="34" charset="0"/>
+              <a:buChar char=" "/>
+              <a:defRPr sz="2400" kern="1200">
+                <a:solidFill>
+                  <a:schemeClr val="tx1">
+                    <a:lumMod val="85000"/>
+                    <a:lumOff val="15000"/>
+                  </a:schemeClr>
+                </a:solidFill>
+                <a:latin typeface="Segoe UI" panose="020B0502040204020203" pitchFamily="34" charset="0"/>
+                <a:ea typeface="+mn-ea"/>
+                <a:cs typeface="Segoe UI" panose="020B0502040204020203" pitchFamily="34" charset="0"/>
+              </a:defRPr>
+            </a:lvl2pPr>
+            <a:lvl3pPr marL="548640" indent="-548640" algn="l" defTabSz="914400" rtl="0" eaLnBrk="1" latinLnBrk="0" hangingPunct="1">
+              <a:lnSpc>
+                <a:spcPct val="85000"/>
+              </a:lnSpc>
+              <a:spcBef>
+                <a:spcPts val="600"/>
+              </a:spcBef>
+              <a:buFont typeface="Arial" pitchFamily="34" charset="0"/>
+              <a:buChar char=" "/>
+              <a:defRPr sz="2000" i="1" kern="1200">
+                <a:solidFill>
+                  <a:schemeClr val="tx1">
+                    <a:lumMod val="85000"/>
+                    <a:lumOff val="15000"/>
+                  </a:schemeClr>
+                </a:solidFill>
+                <a:latin typeface="Segoe UI" panose="020B0502040204020203" pitchFamily="34" charset="0"/>
+                <a:ea typeface="+mn-ea"/>
+                <a:cs typeface="Segoe UI" panose="020B0502040204020203" pitchFamily="34" charset="0"/>
+              </a:defRPr>
+            </a:lvl3pPr>
+            <a:lvl4pPr marL="822960" indent="-822960" algn="l" defTabSz="914400" rtl="0" eaLnBrk="1" latinLnBrk="0" hangingPunct="1">
+              <a:lnSpc>
+                <a:spcPct val="85000"/>
+              </a:lnSpc>
+              <a:spcBef>
+                <a:spcPts val="600"/>
+              </a:spcBef>
+              <a:buFont typeface="Arial" pitchFamily="34" charset="0"/>
+              <a:buChar char=" "/>
+              <a:defRPr sz="1800" kern="1200">
+                <a:solidFill>
+                  <a:schemeClr val="tx1">
+                    <a:lumMod val="85000"/>
+                    <a:lumOff val="15000"/>
+                  </a:schemeClr>
+                </a:solidFill>
+                <a:latin typeface="Segoe UI" panose="020B0502040204020203" pitchFamily="34" charset="0"/>
+                <a:ea typeface="+mn-ea"/>
+                <a:cs typeface="Segoe UI" panose="020B0502040204020203" pitchFamily="34" charset="0"/>
+              </a:defRPr>
+            </a:lvl4pPr>
+            <a:lvl5pPr marL="1097280" indent="-1097280" algn="l" defTabSz="914400" rtl="0" eaLnBrk="1" latinLnBrk="0" hangingPunct="1">
+              <a:lnSpc>
+                <a:spcPct val="85000"/>
+              </a:lnSpc>
+              <a:spcBef>
+                <a:spcPts val="600"/>
+              </a:spcBef>
+              <a:buFont typeface="Arial" pitchFamily="34" charset="0"/>
+              <a:buChar char=" "/>
+              <a:defRPr sz="1800" kern="1200">
+                <a:solidFill>
+                  <a:schemeClr val="tx1">
+                    <a:lumMod val="85000"/>
+                    <a:lumOff val="15000"/>
+                  </a:schemeClr>
+                </a:solidFill>
+                <a:latin typeface="Segoe UI" panose="020B0502040204020203" pitchFamily="34" charset="0"/>
+                <a:ea typeface="+mn-ea"/>
+                <a:cs typeface="Segoe UI" panose="020B0502040204020203" pitchFamily="34" charset="0"/>
+              </a:defRPr>
+            </a:lvl5pPr>
+            <a:lvl6pPr marL="1200000" indent="-228600" algn="l" defTabSz="914400" rtl="0" eaLnBrk="1" latinLnBrk="0" hangingPunct="1">
+              <a:lnSpc>
+                <a:spcPct val="85000"/>
+              </a:lnSpc>
+              <a:spcBef>
+                <a:spcPts val="600"/>
+              </a:spcBef>
+              <a:buFont typeface="Arial" pitchFamily="34" charset="0"/>
+              <a:buChar char=" "/>
+              <a:defRPr sz="1800" kern="1200">
+                <a:solidFill>
+                  <a:schemeClr val="tx1">
+                    <a:lumMod val="85000"/>
+                    <a:lumOff val="15000"/>
+                  </a:schemeClr>
+                </a:solidFill>
+                <a:latin typeface="+mn-lt"/>
+                <a:ea typeface="+mn-ea"/>
+                <a:cs typeface="+mn-cs"/>
+              </a:defRPr>
+            </a:lvl6pPr>
+            <a:lvl7pPr marL="1400000" indent="-228600" algn="l" defTabSz="914400" rtl="0" eaLnBrk="1" latinLnBrk="0" hangingPunct="1">
+              <a:lnSpc>
+                <a:spcPct val="85000"/>
+              </a:lnSpc>
+              <a:spcBef>
+                <a:spcPts val="600"/>
+              </a:spcBef>
+              <a:buFont typeface="Arial" pitchFamily="34" charset="0"/>
+              <a:buChar char=" "/>
+              <a:defRPr sz="1800" kern="1200">
+                <a:solidFill>
+                  <a:schemeClr val="tx1">
+                    <a:lumMod val="85000"/>
+                    <a:lumOff val="15000"/>
+                  </a:schemeClr>
+                </a:solidFill>
+                <a:latin typeface="+mn-lt"/>
+                <a:ea typeface="+mn-ea"/>
+                <a:cs typeface="+mn-cs"/>
+              </a:defRPr>
+            </a:lvl7pPr>
+            <a:lvl8pPr marL="1600000" indent="-228600" algn="l" defTabSz="914400" rtl="0" eaLnBrk="1" latinLnBrk="0" hangingPunct="1">
+              <a:lnSpc>
+                <a:spcPct val="85000"/>
+              </a:lnSpc>
+              <a:spcBef>
+                <a:spcPts val="600"/>
+              </a:spcBef>
+              <a:buFont typeface="Arial" pitchFamily="34" charset="0"/>
+              <a:buChar char=" "/>
+              <a:defRPr sz="1800" kern="1200">
+                <a:solidFill>
+                  <a:schemeClr val="tx1">
+                    <a:lumMod val="85000"/>
+                    <a:lumOff val="15000"/>
+                  </a:schemeClr>
+                </a:solidFill>
+                <a:latin typeface="+mn-lt"/>
+                <a:ea typeface="+mn-ea"/>
+                <a:cs typeface="+mn-cs"/>
+              </a:defRPr>
+            </a:lvl8pPr>
+            <a:lvl9pPr marL="1800000" indent="-228600" algn="l" defTabSz="914400" rtl="0" eaLnBrk="1" latinLnBrk="0" hangingPunct="1">
+              <a:lnSpc>
+                <a:spcPct val="85000"/>
+              </a:lnSpc>
+              <a:spcBef>
+                <a:spcPts val="600"/>
+              </a:spcBef>
+              <a:buFont typeface="Arial" pitchFamily="34" charset="0"/>
+              <a:buChar char=" "/>
+              <a:defRPr sz="1800" kern="1200">
+                <a:solidFill>
+                  <a:schemeClr val="tx1">
+                    <a:lumMod val="85000"/>
+                    <a:lumOff val="15000"/>
+                  </a:schemeClr>
+                </a:solidFill>
+                <a:latin typeface="+mn-lt"/>
+                <a:ea typeface="+mn-ea"/>
+                <a:cs typeface="+mn-cs"/>
+              </a:defRPr>
+            </a:lvl9pPr>
+          </a:lstStyle>
+          <a:p>
+            <a:pPr marL="0" indent="0">
+              <a:buNone/>
+              <a:tabLst>
+                <a:tab pos="233363" algn="ctr"/>
+                <a:tab pos="457200" algn="l"/>
+              </a:tabLst>
+            </a:pPr>
+            <a:r>
+              <a:rPr lang="en-US" sz="2000" dirty="0">
+                <a:solidFill>
+                  <a:srgbClr val="333333"/>
+                </a:solidFill>
+                <a:latin typeface="FontAwesome" pitchFamily="2" charset="0"/>
+              </a:rPr>
+              <a:t>	</a:t>
+            </a:r>
+            <a:r>
+              <a:rPr lang="en-US" sz="2000" dirty="0">
+                <a:solidFill>
+                  <a:srgbClr val="333333"/>
+                </a:solidFill>
+                <a:latin typeface="Font Awesome 5 Free Solid" panose="02000503000000000000" pitchFamily="50" charset="0"/>
+              </a:rPr>
+              <a:t></a:t>
+            </a:r>
+            <a:r>
+              <a:rPr lang="en-US" sz="2000" dirty="0">
+                <a:latin typeface="FontAwesome" pitchFamily="2" charset="0"/>
+              </a:rPr>
+              <a:t>	</a:t>
+            </a:r>
+            <a:r>
+              <a:rPr lang="en-US" sz="2000" dirty="0"/>
+              <a:t>jtower@trailheadtechnology.com</a:t>
+            </a:r>
+          </a:p>
+          <a:p>
+            <a:pPr marL="0" indent="0">
+              <a:buNone/>
+              <a:tabLst>
+                <a:tab pos="233363" algn="ctr"/>
+                <a:tab pos="457200" algn="l"/>
+              </a:tabLst>
+            </a:pPr>
+            <a:r>
+              <a:rPr lang="en-US" sz="2000" dirty="0">
+                <a:latin typeface="FontAwesome" pitchFamily="2" charset="0"/>
+              </a:rPr>
+              <a:t>	</a:t>
+            </a:r>
+            <a:r>
+              <a:rPr lang="en-US" sz="2000" dirty="0">
+                <a:latin typeface="Font Awesome 5 Free Solid" panose="02000503000000000000" pitchFamily="50" charset="0"/>
+              </a:rPr>
+              <a:t></a:t>
+            </a:r>
+            <a:r>
+              <a:rPr lang="en-US" sz="2000" dirty="0">
+                <a:latin typeface="FontAwesome" pitchFamily="2" charset="0"/>
+              </a:rPr>
+              <a:t>	</a:t>
+            </a:r>
+            <a:r>
+              <a:rPr lang="en-US" sz="2000" dirty="0"/>
+              <a:t>trailheadtechnology.com/blog</a:t>
+            </a:r>
+          </a:p>
+          <a:p>
+            <a:pPr marL="0" indent="0">
+              <a:buNone/>
+              <a:tabLst>
+                <a:tab pos="233363" algn="ctr"/>
+                <a:tab pos="457200" algn="l"/>
+              </a:tabLst>
+            </a:pPr>
+            <a:r>
+              <a:rPr lang="en-US" sz="2000" dirty="0">
+                <a:latin typeface="FontAwesome" pitchFamily="2" charset="0"/>
+              </a:rPr>
+              <a:t>	</a:t>
+            </a:r>
+            <a:r>
+              <a:rPr lang="en-US" sz="2000" dirty="0">
+                <a:latin typeface="Font Awesome 5 Brands Regular" panose="02000503000000000000" pitchFamily="50" charset="0"/>
+              </a:rPr>
+              <a:t></a:t>
+            </a:r>
+            <a:r>
+              <a:rPr lang="en-US" sz="2000" dirty="0">
+                <a:latin typeface="FontAwesome" pitchFamily="2" charset="0"/>
+              </a:rPr>
+              <a:t>	</a:t>
+            </a:r>
+            <a:r>
+              <a:rPr lang="en-US" sz="2000" dirty="0" err="1"/>
+              <a:t>jtowermi</a:t>
+            </a:r>
+            <a:endParaRPr lang="en-US" sz="2000" dirty="0"/>
+          </a:p>
+          <a:p>
+            <a:pPr>
+              <a:tabLst>
+                <a:tab pos="233363" algn="ctr"/>
+                <a:tab pos="457200" algn="l"/>
+              </a:tabLst>
+            </a:pPr>
+            <a:endParaRPr lang="en-US" sz="2000" dirty="0"/>
+          </a:p>
+        </p:txBody>
+      </p:sp>
+      <p:sp>
+        <p:nvSpPr>
+          <p:cNvPr id="10" name="Content Placeholder 2">
+            <a:extLst>
+              <a:ext uri="{FF2B5EF4-FFF2-40B4-BE49-F238E27FC236}">
+                <a16:creationId xmlns:a16="http://schemas.microsoft.com/office/drawing/2014/main" id="{77D62EA2-68FC-4297-95D8-1E14238444F9}"/>
+              </a:ext>
+            </a:extLst>
+          </p:cNvPr>
+          <p:cNvSpPr txBox="1">
+            <a:spLocks/>
+          </p:cNvSpPr>
+          <p:nvPr/>
+        </p:nvSpPr>
+        <p:spPr>
+          <a:xfrm>
+            <a:off x="623604" y="4172089"/>
+            <a:ext cx="5293765" cy="1345294"/>
+          </a:xfrm>
+          <a:prstGeom prst="rect">
+            <a:avLst/>
+          </a:prstGeom>
+        </p:spPr>
+        <p:txBody>
+          <a:bodyPr vert="horz" lIns="91440" tIns="45720" rIns="91440" bIns="45720" rtlCol="0">
+            <a:normAutofit/>
+          </a:bodyPr>
+          <a:lstStyle>
+            <a:lvl1pPr marL="91440" indent="-91440" algn="l" defTabSz="914400" rtl="0" eaLnBrk="1" latinLnBrk="0" hangingPunct="1">
+              <a:lnSpc>
+                <a:spcPct val="85000"/>
+              </a:lnSpc>
+              <a:spcBef>
+                <a:spcPts val="1300"/>
+              </a:spcBef>
+              <a:buFont typeface="Arial" pitchFamily="34" charset="0"/>
+              <a:buChar char=" "/>
+              <a:defRPr sz="2400" kern="1200">
+                <a:solidFill>
+                  <a:schemeClr val="tx1">
+                    <a:lumMod val="85000"/>
+                    <a:lumOff val="15000"/>
+                  </a:schemeClr>
+                </a:solidFill>
+                <a:latin typeface="Segoe UI" panose="020B0502040204020203" pitchFamily="34" charset="0"/>
+                <a:ea typeface="+mn-ea"/>
+                <a:cs typeface="Segoe UI" panose="020B0502040204020203" pitchFamily="34" charset="0"/>
+              </a:defRPr>
+            </a:lvl1pPr>
+            <a:lvl2pPr marL="347472" indent="-342900" algn="l" defTabSz="914400" rtl="0" eaLnBrk="1" latinLnBrk="0" hangingPunct="1">
+              <a:lnSpc>
+                <a:spcPct val="85000"/>
+              </a:lnSpc>
+              <a:spcBef>
+                <a:spcPts val="600"/>
+              </a:spcBef>
+              <a:buFont typeface="Arial" pitchFamily="34" charset="0"/>
+              <a:buChar char=" "/>
+              <a:defRPr sz="2400" kern="1200">
+                <a:solidFill>
+                  <a:schemeClr val="tx1">
+                    <a:lumMod val="85000"/>
+                    <a:lumOff val="15000"/>
+                  </a:schemeClr>
+                </a:solidFill>
+                <a:latin typeface="Segoe UI" panose="020B0502040204020203" pitchFamily="34" charset="0"/>
+                <a:ea typeface="+mn-ea"/>
+                <a:cs typeface="Segoe UI" panose="020B0502040204020203" pitchFamily="34" charset="0"/>
+              </a:defRPr>
+            </a:lvl2pPr>
+            <a:lvl3pPr marL="548640" indent="-548640" algn="l" defTabSz="914400" rtl="0" eaLnBrk="1" latinLnBrk="0" hangingPunct="1">
+              <a:lnSpc>
+                <a:spcPct val="85000"/>
+              </a:lnSpc>
+              <a:spcBef>
+                <a:spcPts val="600"/>
+              </a:spcBef>
+              <a:buFont typeface="Arial" pitchFamily="34" charset="0"/>
+              <a:buChar char=" "/>
+              <a:defRPr sz="2000" i="1" kern="1200">
+                <a:solidFill>
+                  <a:schemeClr val="tx1">
+                    <a:lumMod val="85000"/>
+                    <a:lumOff val="15000"/>
+                  </a:schemeClr>
+                </a:solidFill>
+                <a:latin typeface="Segoe UI" panose="020B0502040204020203" pitchFamily="34" charset="0"/>
+                <a:ea typeface="+mn-ea"/>
+                <a:cs typeface="Segoe UI" panose="020B0502040204020203" pitchFamily="34" charset="0"/>
+              </a:defRPr>
+            </a:lvl3pPr>
+            <a:lvl4pPr marL="822960" indent="-822960" algn="l" defTabSz="914400" rtl="0" eaLnBrk="1" latinLnBrk="0" hangingPunct="1">
+              <a:lnSpc>
+                <a:spcPct val="85000"/>
+              </a:lnSpc>
+              <a:spcBef>
+                <a:spcPts val="600"/>
+              </a:spcBef>
+              <a:buFont typeface="Arial" pitchFamily="34" charset="0"/>
+              <a:buChar char=" "/>
+              <a:defRPr sz="1800" kern="1200">
+                <a:solidFill>
+                  <a:schemeClr val="tx1">
+                    <a:lumMod val="85000"/>
+                    <a:lumOff val="15000"/>
+                  </a:schemeClr>
+                </a:solidFill>
+                <a:latin typeface="Segoe UI" panose="020B0502040204020203" pitchFamily="34" charset="0"/>
+                <a:ea typeface="+mn-ea"/>
+                <a:cs typeface="Segoe UI" panose="020B0502040204020203" pitchFamily="34" charset="0"/>
+              </a:defRPr>
+            </a:lvl4pPr>
+            <a:lvl5pPr marL="1097280" indent="-1097280" algn="l" defTabSz="914400" rtl="0" eaLnBrk="1" latinLnBrk="0" hangingPunct="1">
+              <a:lnSpc>
+                <a:spcPct val="85000"/>
+              </a:lnSpc>
+              <a:spcBef>
+                <a:spcPts val="600"/>
+              </a:spcBef>
+              <a:buFont typeface="Arial" pitchFamily="34" charset="0"/>
+              <a:buChar char=" "/>
+              <a:defRPr sz="1800" kern="1200">
+                <a:solidFill>
+                  <a:schemeClr val="tx1">
+                    <a:lumMod val="85000"/>
+                    <a:lumOff val="15000"/>
+                  </a:schemeClr>
+                </a:solidFill>
+                <a:latin typeface="Segoe UI" panose="020B0502040204020203" pitchFamily="34" charset="0"/>
+                <a:ea typeface="+mn-ea"/>
+                <a:cs typeface="Segoe UI" panose="020B0502040204020203" pitchFamily="34" charset="0"/>
+              </a:defRPr>
+            </a:lvl5pPr>
+            <a:lvl6pPr marL="1200000" indent="-228600" algn="l" defTabSz="914400" rtl="0" eaLnBrk="1" latinLnBrk="0" hangingPunct="1">
+              <a:lnSpc>
+                <a:spcPct val="85000"/>
+              </a:lnSpc>
+              <a:spcBef>
+                <a:spcPts val="600"/>
+              </a:spcBef>
+              <a:buFont typeface="Arial" pitchFamily="34" charset="0"/>
+              <a:buChar char=" "/>
+              <a:defRPr sz="1800" kern="1200">
+                <a:solidFill>
+                  <a:schemeClr val="tx1">
+                    <a:lumMod val="85000"/>
+                    <a:lumOff val="15000"/>
+                  </a:schemeClr>
+                </a:solidFill>
+                <a:latin typeface="+mn-lt"/>
+                <a:ea typeface="+mn-ea"/>
+                <a:cs typeface="+mn-cs"/>
+              </a:defRPr>
+            </a:lvl6pPr>
+            <a:lvl7pPr marL="1400000" indent="-228600" algn="l" defTabSz="914400" rtl="0" eaLnBrk="1" latinLnBrk="0" hangingPunct="1">
+              <a:lnSpc>
+                <a:spcPct val="85000"/>
+              </a:lnSpc>
+              <a:spcBef>
+                <a:spcPts val="600"/>
+              </a:spcBef>
+              <a:buFont typeface="Arial" pitchFamily="34" charset="0"/>
+              <a:buChar char=" "/>
+              <a:defRPr sz="1800" kern="1200">
+                <a:solidFill>
+                  <a:schemeClr val="tx1">
+                    <a:lumMod val="85000"/>
+                    <a:lumOff val="15000"/>
+                  </a:schemeClr>
+                </a:solidFill>
+                <a:latin typeface="+mn-lt"/>
+                <a:ea typeface="+mn-ea"/>
+                <a:cs typeface="+mn-cs"/>
+              </a:defRPr>
+            </a:lvl7pPr>
+            <a:lvl8pPr marL="1600000" indent="-228600" algn="l" defTabSz="914400" rtl="0" eaLnBrk="1" latinLnBrk="0" hangingPunct="1">
+              <a:lnSpc>
+                <a:spcPct val="85000"/>
+              </a:lnSpc>
+              <a:spcBef>
+                <a:spcPts val="600"/>
+              </a:spcBef>
+              <a:buFont typeface="Arial" pitchFamily="34" charset="0"/>
+              <a:buChar char=" "/>
+              <a:defRPr sz="1800" kern="1200">
+                <a:solidFill>
+                  <a:schemeClr val="tx1">
+                    <a:lumMod val="85000"/>
+                    <a:lumOff val="15000"/>
+                  </a:schemeClr>
+                </a:solidFill>
+                <a:latin typeface="+mn-lt"/>
+                <a:ea typeface="+mn-ea"/>
+                <a:cs typeface="+mn-cs"/>
+              </a:defRPr>
+            </a:lvl8pPr>
+            <a:lvl9pPr marL="1800000" indent="-228600" algn="l" defTabSz="914400" rtl="0" eaLnBrk="1" latinLnBrk="0" hangingPunct="1">
+              <a:lnSpc>
+                <a:spcPct val="85000"/>
+              </a:lnSpc>
+              <a:spcBef>
+                <a:spcPts val="600"/>
+              </a:spcBef>
+              <a:buFont typeface="Arial" pitchFamily="34" charset="0"/>
+              <a:buChar char=" "/>
+              <a:defRPr sz="1800" kern="1200">
+                <a:solidFill>
+                  <a:schemeClr val="tx1">
+                    <a:lumMod val="85000"/>
+                    <a:lumOff val="15000"/>
+                  </a:schemeClr>
+                </a:solidFill>
+                <a:latin typeface="+mn-lt"/>
+                <a:ea typeface="+mn-ea"/>
+                <a:cs typeface="+mn-cs"/>
+              </a:defRPr>
+            </a:lvl9pPr>
+          </a:lstStyle>
+          <a:p>
+            <a:pPr marL="4572" lvl="1" indent="0">
+              <a:spcBef>
+                <a:spcPts val="1300"/>
+              </a:spcBef>
+              <a:buNone/>
+              <a:tabLst>
+                <a:tab pos="233363" algn="ctr"/>
+                <a:tab pos="457200" algn="l"/>
+              </a:tabLst>
+            </a:pPr>
+            <a:r>
+              <a:rPr lang="en-US" sz="2000" dirty="0">
+                <a:latin typeface="FontAwesome" pitchFamily="2" charset="0"/>
+              </a:rPr>
+              <a:t>	</a:t>
+            </a:r>
+            <a:r>
+              <a:rPr lang="en-US" sz="2000" dirty="0">
+                <a:latin typeface="Font Awesome 5 Free Solid" panose="02000503000000000000" pitchFamily="50" charset="0"/>
+              </a:rPr>
+              <a:t></a:t>
+            </a:r>
+            <a:r>
+              <a:rPr lang="en-US" sz="2000" dirty="0">
+                <a:latin typeface="FontAwesome" pitchFamily="2" charset="0"/>
+              </a:rPr>
+              <a:t>	</a:t>
+            </a:r>
+            <a:r>
+              <a:rPr lang="en-US" sz="2000" dirty="0"/>
+              <a:t>Microsoft MVP in ASP.NET</a:t>
+            </a:r>
+          </a:p>
+          <a:p>
+            <a:pPr marL="4572" lvl="1" indent="0">
+              <a:spcBef>
+                <a:spcPts val="1300"/>
+              </a:spcBef>
+              <a:buNone/>
+              <a:tabLst>
+                <a:tab pos="233363" algn="ctr"/>
+                <a:tab pos="457200" algn="l"/>
+              </a:tabLst>
+            </a:pPr>
+            <a:r>
+              <a:rPr lang="en-US" sz="2000" dirty="0">
+                <a:latin typeface="FontAwesome" pitchFamily="2" charset="0"/>
+              </a:rPr>
+              <a:t>	</a:t>
+            </a:r>
+            <a:r>
+              <a:rPr lang="en-US" sz="2000" dirty="0">
+                <a:latin typeface="Font Awesome 5 Free Solid" panose="02000503000000000000" pitchFamily="50" charset="0"/>
+              </a:rPr>
+              <a:t></a:t>
+            </a:r>
+            <a:r>
+              <a:rPr lang="en-US" sz="2000" dirty="0">
+                <a:latin typeface="FontAwesome" pitchFamily="2" charset="0"/>
+              </a:rPr>
+              <a:t>	</a:t>
+            </a:r>
+            <a:r>
+              <a:rPr lang="en-US" sz="2000" dirty="0" err="1"/>
+              <a:t>Telerik</a:t>
+            </a:r>
+            <a:r>
+              <a:rPr lang="en-US" sz="2000" dirty="0"/>
+              <a:t>/Progress Developer Expert</a:t>
+            </a:r>
+          </a:p>
+          <a:p>
+            <a:pPr marL="0" indent="0">
+              <a:buNone/>
+              <a:tabLst>
+                <a:tab pos="233363" algn="ctr"/>
+                <a:tab pos="457200" algn="l"/>
+              </a:tabLst>
+            </a:pPr>
+            <a:r>
+              <a:rPr lang="en-US" sz="2000" dirty="0">
+                <a:latin typeface="FontAwesome" pitchFamily="2" charset="0"/>
+              </a:rPr>
+              <a:t>	</a:t>
+            </a:r>
+            <a:r>
+              <a:rPr lang="en-US" sz="2000" dirty="0">
+                <a:latin typeface="Font Awesome 5 Free Solid" panose="02000503000000000000" pitchFamily="50" charset="0"/>
+              </a:rPr>
+              <a:t></a:t>
+            </a:r>
+            <a:r>
+              <a:rPr lang="en-US" sz="2000" dirty="0">
+                <a:latin typeface="FontAwesome" pitchFamily="2" charset="0"/>
+              </a:rPr>
+              <a:t>	</a:t>
+            </a:r>
+            <a:r>
+              <a:rPr lang="en-US" sz="2000" dirty="0"/>
+              <a:t>Organizer of Beer City Code</a:t>
             </a:r>
           </a:p>
         </p:txBody>
@@ -18705,6 +18828,77 @@
 </file>
 
 <file path=ppt/slides/slide20.xml><?xml version="1.0" encoding="utf-8"?>
+<p:sld xmlns:a="http://schemas.openxmlformats.org/drawingml/2006/main" xmlns:r="http://schemas.openxmlformats.org/officeDocument/2006/relationships" xmlns:p="http://schemas.openxmlformats.org/presentationml/2006/main">
+  <p:cSld>
+    <p:spTree>
+      <p:nvGrpSpPr>
+        <p:cNvPr id="1" name=""/>
+        <p:cNvGrpSpPr/>
+        <p:nvPr/>
+      </p:nvGrpSpPr>
+      <p:grpSpPr>
+        <a:xfrm>
+          <a:off x="0" y="0"/>
+          <a:ext cx="0" cy="0"/>
+          <a:chOff x="0" y="0"/>
+          <a:chExt cx="0" cy="0"/>
+        </a:xfrm>
+      </p:grpSpPr>
+      <p:sp>
+        <p:nvSpPr>
+          <p:cNvPr id="2" name="Title 1"/>
+          <p:cNvSpPr>
+            <a:spLocks noGrp="1"/>
+          </p:cNvSpPr>
+          <p:nvPr>
+            <p:ph type="title"/>
+          </p:nvPr>
+        </p:nvSpPr>
+        <p:spPr/>
+        <p:txBody>
+          <a:bodyPr/>
+          <a:lstStyle/>
+          <a:p>
+            <a:r>
+              <a:rPr lang="en-US" dirty="0"/>
+              <a:t>Portable Class Libraries (PCLs)</a:t>
+            </a:r>
+          </a:p>
+        </p:txBody>
+      </p:sp>
+      <p:sp>
+        <p:nvSpPr>
+          <p:cNvPr id="4" name="Text Placeholder 3"/>
+          <p:cNvSpPr>
+            <a:spLocks noGrp="1"/>
+          </p:cNvSpPr>
+          <p:nvPr>
+            <p:ph type="body" idx="1"/>
+          </p:nvPr>
+        </p:nvSpPr>
+        <p:spPr/>
+        <p:txBody>
+          <a:bodyPr/>
+          <a:lstStyle/>
+          <a:p>
+            <a:endParaRPr lang="en-US"/>
+          </a:p>
+        </p:txBody>
+      </p:sp>
+    </p:spTree>
+    <p:extLst>
+      <p:ext uri="{BB962C8B-B14F-4D97-AF65-F5344CB8AC3E}">
+        <p14:creationId xmlns:p14="http://schemas.microsoft.com/office/powerpoint/2010/main" val="3580136405"/>
+      </p:ext>
+    </p:extLst>
+  </p:cSld>
+  <p:clrMapOvr>
+    <a:masterClrMapping/>
+  </p:clrMapOvr>
+</p:sld>
+</file>
+
+<file path=ppt/slides/slide21.xml><?xml version="1.0" encoding="utf-8"?>
 <p:sld xmlns:a="http://schemas.openxmlformats.org/drawingml/2006/main" xmlns:r="http://schemas.openxmlformats.org/officeDocument/2006/relationships" xmlns:p="http://schemas.openxmlformats.org/presentationml/2006/main">
   <p:cSld>
     <p:spTree>
@@ -23289,7 +23483,7 @@
 </p:sld>
 </file>
 
-<file path=ppt/slides/slide21.xml><?xml version="1.0" encoding="utf-8"?>
+<file path=ppt/slides/slide22.xml><?xml version="1.0" encoding="utf-8"?>
 <p:sld xmlns:a="http://schemas.openxmlformats.org/drawingml/2006/main" xmlns:r="http://schemas.openxmlformats.org/officeDocument/2006/relationships" xmlns:p="http://schemas.openxmlformats.org/presentationml/2006/main">
   <p:cSld>
     <p:spTree>
@@ -27447,7 +27641,7 @@
 </p:sld>
 </file>
 
-<file path=ppt/slides/slide22.xml><?xml version="1.0" encoding="utf-8"?>
+<file path=ppt/slides/slide23.xml><?xml version="1.0" encoding="utf-8"?>
 <p:sld xmlns:a="http://schemas.openxmlformats.org/drawingml/2006/main" xmlns:r="http://schemas.openxmlformats.org/officeDocument/2006/relationships" xmlns:p="http://schemas.openxmlformats.org/presentationml/2006/main">
   <p:cSld>
     <p:spTree>
@@ -27568,7 +27762,7 @@
 </p:sld>
 </file>
 
-<file path=ppt/slides/slide23.xml><?xml version="1.0" encoding="utf-8"?>
+<file path=ppt/slides/slide24.xml><?xml version="1.0" encoding="utf-8"?>
 <p:sld xmlns:a="http://schemas.openxmlformats.org/drawingml/2006/main" xmlns:r="http://schemas.openxmlformats.org/officeDocument/2006/relationships" xmlns:p="http://schemas.openxmlformats.org/presentationml/2006/main">
   <p:cSld>
     <p:spTree>
@@ -27644,7 +27838,7 @@
 </p:sld>
 </file>
 
-<file path=ppt/slides/slide24.xml><?xml version="1.0" encoding="utf-8"?>
+<file path=ppt/slides/slide25.xml><?xml version="1.0" encoding="utf-8"?>
 <p:sld xmlns:a="http://schemas.openxmlformats.org/drawingml/2006/main" xmlns:r="http://schemas.openxmlformats.org/officeDocument/2006/relationships" xmlns:p="http://schemas.openxmlformats.org/presentationml/2006/main">
   <p:cSld>
     <p:spTree>
@@ -27830,7 +28024,7 @@
 </p:sld>
 </file>
 
-<file path=ppt/slides/slide25.xml><?xml version="1.0" encoding="utf-8"?>
+<file path=ppt/slides/slide26.xml><?xml version="1.0" encoding="utf-8"?>
 <p:sld xmlns:a="http://schemas.openxmlformats.org/drawingml/2006/main" xmlns:r="http://schemas.openxmlformats.org/officeDocument/2006/relationships" xmlns:p="http://schemas.openxmlformats.org/presentationml/2006/main">
   <p:cSld>
     <p:spTree>
@@ -27923,7 +28117,7 @@
 </p:sld>
 </file>
 
-<file path=ppt/slides/slide26.xml><?xml version="1.0" encoding="utf-8"?>
+<file path=ppt/slides/slide27.xml><?xml version="1.0" encoding="utf-8"?>
 <p:sld xmlns:a="http://schemas.openxmlformats.org/drawingml/2006/main" xmlns:r="http://schemas.openxmlformats.org/officeDocument/2006/relationships" xmlns:p="http://schemas.openxmlformats.org/presentationml/2006/main">
   <p:cSld>
     <p:spTree>
@@ -27994,7 +28188,7 @@
 </p:sld>
 </file>
 
-<file path=ppt/slides/slide27.xml><?xml version="1.0" encoding="utf-8"?>
+<file path=ppt/slides/slide28.xml><?xml version="1.0" encoding="utf-8"?>
 <p:sld xmlns:a="http://schemas.openxmlformats.org/drawingml/2006/main" xmlns:r="http://schemas.openxmlformats.org/officeDocument/2006/relationships" xmlns:p="http://schemas.openxmlformats.org/presentationml/2006/main">
   <p:cSld>
     <p:spTree>
@@ -28071,7 +28265,481 @@
 </p:sld>
 </file>
 
-<file path=ppt/slides/slide28.xml><?xml version="1.0" encoding="utf-8"?>
+<file path=ppt/slides/slide29.xml><?xml version="1.0" encoding="utf-8"?>
+<p:sld xmlns:a="http://schemas.openxmlformats.org/drawingml/2006/main" xmlns:r="http://schemas.openxmlformats.org/officeDocument/2006/relationships" xmlns:p="http://schemas.openxmlformats.org/presentationml/2006/main">
+  <p:cSld>
+    <p:spTree>
+      <p:nvGrpSpPr>
+        <p:cNvPr id="1" name=""/>
+        <p:cNvGrpSpPr/>
+        <p:nvPr/>
+      </p:nvGrpSpPr>
+      <p:grpSpPr>
+        <a:xfrm>
+          <a:off x="0" y="0"/>
+          <a:ext cx="0" cy="0"/>
+          <a:chOff x="0" y="0"/>
+          <a:chExt cx="0" cy="0"/>
+        </a:xfrm>
+      </p:grpSpPr>
+      <p:sp>
+        <p:nvSpPr>
+          <p:cNvPr id="2" name="Title 1">
+            <a:extLst>
+              <a:ext uri="{FF2B5EF4-FFF2-40B4-BE49-F238E27FC236}">
+                <a16:creationId xmlns:a16="http://schemas.microsoft.com/office/drawing/2014/main" id="{D714C506-5FCC-4BA0-BACF-33C0F3236B2F}"/>
+              </a:ext>
+            </a:extLst>
+          </p:cNvPr>
+          <p:cNvSpPr>
+            <a:spLocks noGrp="1"/>
+          </p:cNvSpPr>
+          <p:nvPr>
+            <p:ph type="title"/>
+          </p:nvPr>
+        </p:nvSpPr>
+        <p:spPr/>
+        <p:txBody>
+          <a:bodyPr/>
+          <a:lstStyle/>
+          <a:p>
+            <a:r>
+              <a:rPr lang="en-US" dirty="0"/>
+              <a:t>More APIs / Fewer Platforms</a:t>
+            </a:r>
+          </a:p>
+        </p:txBody>
+      </p:sp>
+      <p:pic>
+        <p:nvPicPr>
+          <p:cNvPr id="1026" name="Picture 2" descr="https://trailheadtechnology.com/wp-content/uploads/2018/05/2018-05-30-15_35_42-Window.png">
+            <a:extLst>
+              <a:ext uri="{FF2B5EF4-FFF2-40B4-BE49-F238E27FC236}">
+                <a16:creationId xmlns:a16="http://schemas.microsoft.com/office/drawing/2014/main" id="{F4D73145-231A-4244-8319-F8E75A01196D}"/>
+              </a:ext>
+            </a:extLst>
+          </p:cNvPr>
+          <p:cNvPicPr>
+            <a:picLocks noGrp="1" noChangeAspect="1" noChangeArrowheads="1"/>
+          </p:cNvPicPr>
+          <p:nvPr>
+            <p:ph idx="1"/>
+          </p:nvPr>
+        </p:nvPicPr>
+        <p:blipFill>
+          <a:blip r:embed="rId2">
+            <a:extLst>
+              <a:ext uri="{28A0092B-C50C-407E-A947-70E740481C1C}">
+                <a14:useLocalDpi xmlns:a14="http://schemas.microsoft.com/office/drawing/2010/main" val="0"/>
+              </a:ext>
+            </a:extLst>
+          </a:blip>
+          <a:srcRect/>
+          <a:stretch>
+            <a:fillRect/>
+          </a:stretch>
+        </p:blipFill>
+        <p:spPr bwMode="auto">
+          <a:xfrm>
+            <a:off x="1266157" y="2809914"/>
+            <a:ext cx="9554908" cy="2362530"/>
+          </a:xfrm>
+          <a:prstGeom prst="rect">
+            <a:avLst/>
+          </a:prstGeom>
+          <a:noFill/>
+          <a:extLst>
+            <a:ext uri="{909E8E84-426E-40DD-AFC4-6F175D3DCCD1}">
+              <a14:hiddenFill xmlns:a14="http://schemas.microsoft.com/office/drawing/2010/main">
+                <a:solidFill>
+                  <a:srgbClr val="FFFFFF"/>
+                </a:solidFill>
+              </a14:hiddenFill>
+            </a:ext>
+          </a:extLst>
+        </p:spPr>
+      </p:pic>
+    </p:spTree>
+    <p:extLst>
+      <p:ext uri="{BB962C8B-B14F-4D97-AF65-F5344CB8AC3E}">
+        <p14:creationId xmlns:p14="http://schemas.microsoft.com/office/powerpoint/2010/main" val="3536545542"/>
+      </p:ext>
+    </p:extLst>
+  </p:cSld>
+  <p:clrMapOvr>
+    <a:masterClrMapping/>
+  </p:clrMapOvr>
+</p:sld>
+</file>
+
+<file path=ppt/slides/slide3.xml><?xml version="1.0" encoding="utf-8"?>
+<p:sld xmlns:a="http://schemas.openxmlformats.org/drawingml/2006/main" xmlns:r="http://schemas.openxmlformats.org/officeDocument/2006/relationships" xmlns:p="http://schemas.openxmlformats.org/presentationml/2006/main">
+  <p:cSld>
+    <p:spTree>
+      <p:nvGrpSpPr>
+        <p:cNvPr id="1" name=""/>
+        <p:cNvGrpSpPr/>
+        <p:nvPr/>
+      </p:nvGrpSpPr>
+      <p:grpSpPr>
+        <a:xfrm>
+          <a:off x="0" y="0"/>
+          <a:ext cx="0" cy="0"/>
+          <a:chOff x="0" y="0"/>
+          <a:chExt cx="0" cy="0"/>
+        </a:xfrm>
+      </p:grpSpPr>
+      <p:pic>
+        <p:nvPicPr>
+          <p:cNvPr id="4" name="Picture 2" descr="http://www.runintoart.com/charitywater.jpg"/>
+          <p:cNvPicPr>
+            <a:picLocks noChangeAspect="1" noChangeArrowheads="1"/>
+          </p:cNvPicPr>
+          <p:nvPr/>
+        </p:nvPicPr>
+        <p:blipFill>
+          <a:blip r:embed="rId2">
+            <a:extLst>
+              <a:ext uri="{28A0092B-C50C-407E-A947-70E740481C1C}">
+                <a14:useLocalDpi xmlns:a14="http://schemas.microsoft.com/office/drawing/2010/main" val="0"/>
+              </a:ext>
+            </a:extLst>
+          </a:blip>
+          <a:srcRect/>
+          <a:stretch>
+            <a:fillRect/>
+          </a:stretch>
+        </p:blipFill>
+        <p:spPr bwMode="auto">
+          <a:xfrm>
+            <a:off x="-1" y="0"/>
+            <a:ext cx="12192000" cy="8124826"/>
+          </a:xfrm>
+          <a:prstGeom prst="rect">
+            <a:avLst/>
+          </a:prstGeom>
+          <a:noFill/>
+          <a:extLst>
+            <a:ext uri="{909E8E84-426E-40DD-AFC4-6F175D3DCCD1}">
+              <a14:hiddenFill xmlns:a14="http://schemas.microsoft.com/office/drawing/2010/main">
+                <a:solidFill>
+                  <a:srgbClr val="FFFFFF"/>
+                </a:solidFill>
+              </a14:hiddenFill>
+            </a:ext>
+          </a:extLst>
+        </p:spPr>
+      </p:pic>
+      <p:sp>
+        <p:nvSpPr>
+          <p:cNvPr id="5" name="Title 1"/>
+          <p:cNvSpPr>
+            <a:spLocks noGrp="1"/>
+          </p:cNvSpPr>
+          <p:nvPr>
+            <p:ph type="title"/>
+          </p:nvPr>
+        </p:nvSpPr>
+        <p:spPr>
+          <a:xfrm>
+            <a:off x="838200" y="96178"/>
+            <a:ext cx="10515600" cy="1325563"/>
+          </a:xfrm>
+        </p:spPr>
+        <p:txBody>
+          <a:bodyPr>
+            <a:normAutofit/>
+          </a:bodyPr>
+          <a:lstStyle/>
+          <a:p>
+            <a:pPr algn="ctr"/>
+            <a:r>
+              <a:rPr lang="en-US" dirty="0">
+                <a:solidFill>
+                  <a:schemeClr val="bg1"/>
+                </a:solidFill>
+              </a:rPr>
+              <a:t>If You Give $245, So Will I!</a:t>
+            </a:r>
+            <a:endParaRPr lang="en-US" sz="3600" i="1" dirty="0">
+              <a:solidFill>
+                <a:schemeClr val="bg1"/>
+              </a:solidFill>
+            </a:endParaRPr>
+          </a:p>
+        </p:txBody>
+      </p:sp>
+      <p:sp>
+        <p:nvSpPr>
+          <p:cNvPr id="6" name="Content Placeholder 2"/>
+          <p:cNvSpPr>
+            <a:spLocks noGrp="1"/>
+          </p:cNvSpPr>
+          <p:nvPr>
+            <p:ph idx="1"/>
+          </p:nvPr>
+        </p:nvSpPr>
+        <p:spPr>
+          <a:xfrm>
+            <a:off x="838200" y="1359366"/>
+            <a:ext cx="10515600" cy="4900718"/>
+          </a:xfrm>
+        </p:spPr>
+        <p:txBody>
+          <a:bodyPr>
+            <a:normAutofit/>
+          </a:bodyPr>
+          <a:lstStyle/>
+          <a:p>
+            <a:pPr marL="0" indent="0" algn="ctr">
+              <a:buNone/>
+            </a:pPr>
+            <a:br>
+              <a:rPr lang="en-US" sz="2000" b="1" dirty="0">
+                <a:solidFill>
+                  <a:schemeClr val="bg1"/>
+                </a:solidFill>
+                <a:effectLst>
+                  <a:outerShdw blurRad="50800" dist="38100" dir="2700000" algn="tl" rotWithShape="0">
+                    <a:prstClr val="black">
+                      <a:alpha val="40000"/>
+                    </a:prstClr>
+                  </a:outerShdw>
+                </a:effectLst>
+              </a:rPr>
+            </a:br>
+            <a:r>
+              <a:rPr lang="en-US" sz="4800" b="1" dirty="0">
+                <a:solidFill>
+                  <a:schemeClr val="bg1"/>
+                </a:solidFill>
+                <a:effectLst>
+                  <a:outerShdw blurRad="50800" dist="38100" dir="8100000" algn="tr" rotWithShape="0">
+                    <a:prstClr val="black">
+                      <a:alpha val="40000"/>
+                    </a:prstClr>
+                  </a:outerShdw>
+                </a:effectLst>
+              </a:rPr>
+              <a:t>bit.ly/gang-conf</a:t>
+            </a:r>
+            <a:endParaRPr lang="en-US" sz="4400" b="1" dirty="0">
+              <a:solidFill>
+                <a:schemeClr val="bg1"/>
+              </a:solidFill>
+              <a:effectLst>
+                <a:outerShdw blurRad="50800" dist="38100" dir="8100000" algn="tr" rotWithShape="0">
+                  <a:prstClr val="black">
+                    <a:alpha val="40000"/>
+                  </a:prstClr>
+                </a:outerShdw>
+              </a:effectLst>
+            </a:endParaRPr>
+          </a:p>
+          <a:p>
+            <a:pPr marL="0" indent="0" algn="just">
+              <a:buNone/>
+            </a:pPr>
+            <a:endParaRPr lang="en-US" sz="2400" i="1" dirty="0">
+              <a:solidFill>
+                <a:schemeClr val="bg1"/>
+              </a:solidFill>
+            </a:endParaRPr>
+          </a:p>
+          <a:p>
+            <a:pPr marL="0" indent="0" algn="just">
+              <a:buNone/>
+            </a:pPr>
+            <a:r>
+              <a:rPr lang="en-US" i="1" dirty="0">
+                <a:solidFill>
+                  <a:schemeClr val="bg1"/>
+                </a:solidFill>
+              </a:rPr>
+              <a:t>“</a:t>
+            </a:r>
+            <a:r>
+              <a:rPr lang="en-US" i="1" dirty="0" err="1">
+                <a:solidFill>
+                  <a:schemeClr val="bg1"/>
+                </a:solidFill>
+              </a:rPr>
+              <a:t>charity:water</a:t>
+            </a:r>
+            <a:r>
+              <a:rPr lang="en-US" i="1" dirty="0">
+                <a:solidFill>
+                  <a:schemeClr val="bg1"/>
+                </a:solidFill>
+              </a:rPr>
+              <a:t> is a non-profit organization that provides clean and safe drinking water to people in developing nations. The organization was founded in 2006 and has helped fund 22,936 projects in 24 countries, benefiting over 4.6 million people.” </a:t>
+            </a:r>
+            <a:r>
+              <a:rPr lang="en-US" sz="2400" dirty="0">
+                <a:solidFill>
+                  <a:schemeClr val="bg1"/>
+                </a:solidFill>
+              </a:rPr>
+              <a:t>- Wikipedia</a:t>
+            </a:r>
+          </a:p>
+          <a:p>
+            <a:pPr marL="0" indent="0" algn="just">
+              <a:buNone/>
+            </a:pPr>
+            <a:endParaRPr lang="en-US" sz="2400" dirty="0">
+              <a:solidFill>
+                <a:schemeClr val="bg1"/>
+              </a:solidFill>
+            </a:endParaRPr>
+          </a:p>
+          <a:p>
+            <a:pPr marL="0" indent="0">
+              <a:buNone/>
+            </a:pPr>
+            <a:r>
+              <a:rPr lang="en-US" sz="2400" i="1" dirty="0">
+                <a:solidFill>
+                  <a:schemeClr val="bg1"/>
+                </a:solidFill>
+              </a:rPr>
+              <a:t>“4/4 Stars” </a:t>
+            </a:r>
+            <a:br>
+              <a:rPr lang="en-US" sz="2400" i="1" dirty="0">
+                <a:solidFill>
+                  <a:schemeClr val="bg1"/>
+                </a:solidFill>
+              </a:rPr>
+            </a:br>
+            <a:r>
+              <a:rPr lang="en-US" sz="2400" i="1" dirty="0">
+                <a:solidFill>
+                  <a:schemeClr val="bg1"/>
+                </a:solidFill>
+              </a:rPr>
+              <a:t>- CharityNavigator.org</a:t>
+            </a:r>
+          </a:p>
+          <a:p>
+            <a:pPr marL="0" indent="0" algn="just">
+              <a:buNone/>
+            </a:pPr>
+            <a:endParaRPr lang="en-US" i="1" dirty="0">
+              <a:solidFill>
+                <a:schemeClr val="bg1"/>
+              </a:solidFill>
+            </a:endParaRPr>
+          </a:p>
+        </p:txBody>
+      </p:sp>
+      <p:sp>
+        <p:nvSpPr>
+          <p:cNvPr id="7" name="Rectangle 6"/>
+          <p:cNvSpPr/>
+          <p:nvPr/>
+        </p:nvSpPr>
+        <p:spPr>
+          <a:xfrm>
+            <a:off x="-1" y="6201415"/>
+            <a:ext cx="12192001" cy="792154"/>
+          </a:xfrm>
+          <a:prstGeom prst="rect">
+            <a:avLst/>
+          </a:prstGeom>
+          <a:solidFill>
+            <a:srgbClr val="BFBFBF">
+              <a:alpha val="50196"/>
+            </a:srgbClr>
+          </a:solidFill>
+          <a:ln>
+            <a:noFill/>
+          </a:ln>
+        </p:spPr>
+        <p:style>
+          <a:lnRef idx="2">
+            <a:schemeClr val="accent1">
+              <a:shade val="50000"/>
+            </a:schemeClr>
+          </a:lnRef>
+          <a:fillRef idx="1">
+            <a:schemeClr val="accent1"/>
+          </a:fillRef>
+          <a:effectRef idx="0">
+            <a:schemeClr val="accent1"/>
+          </a:effectRef>
+          <a:fontRef idx="minor">
+            <a:schemeClr val="lt1"/>
+          </a:fontRef>
+        </p:style>
+        <p:txBody>
+          <a:bodyPr rtlCol="0" anchor="ctr"/>
+          <a:lstStyle/>
+          <a:p>
+            <a:pPr algn="ctr"/>
+            <a:endParaRPr lang="en-US">
+              <a:solidFill>
+                <a:schemeClr val="bg1"/>
+              </a:solidFill>
+            </a:endParaRPr>
+          </a:p>
+        </p:txBody>
+      </p:sp>
+      <p:pic>
+        <p:nvPicPr>
+          <p:cNvPr id="8" name="Picture 8" descr="http://fortitudefoundation.org/wp-content/uploads/2014/06/charity_water.png"/>
+          <p:cNvPicPr>
+            <a:picLocks noChangeAspect="1" noChangeArrowheads="1"/>
+          </p:cNvPicPr>
+          <p:nvPr/>
+        </p:nvPicPr>
+        <p:blipFill>
+          <a:blip r:embed="rId3" cstate="print">
+            <a:extLst>
+              <a:ext uri="{28A0092B-C50C-407E-A947-70E740481C1C}">
+                <a14:useLocalDpi xmlns:a14="http://schemas.microsoft.com/office/drawing/2010/main" val="0"/>
+              </a:ext>
+            </a:extLst>
+          </a:blip>
+          <a:srcRect/>
+          <a:stretch>
+            <a:fillRect/>
+          </a:stretch>
+        </p:blipFill>
+        <p:spPr bwMode="auto">
+          <a:xfrm>
+            <a:off x="6429466" y="6310239"/>
+            <a:ext cx="4924334" cy="574506"/>
+          </a:xfrm>
+          <a:prstGeom prst="rect">
+            <a:avLst/>
+          </a:prstGeom>
+          <a:noFill/>
+          <a:extLst>
+            <a:ext uri="{909E8E84-426E-40DD-AFC4-6F175D3DCCD1}">
+              <a14:hiddenFill xmlns:a14="http://schemas.microsoft.com/office/drawing/2010/main">
+                <a:solidFill>
+                  <a:srgbClr val="FFFFFF"/>
+                </a:solidFill>
+              </a14:hiddenFill>
+            </a:ext>
+          </a:extLst>
+        </p:spPr>
+      </p:pic>
+    </p:spTree>
+    <p:extLst>
+      <p:ext uri="{BB962C8B-B14F-4D97-AF65-F5344CB8AC3E}">
+        <p14:creationId xmlns:p14="http://schemas.microsoft.com/office/powerpoint/2010/main" val="3613704512"/>
+      </p:ext>
+    </p:extLst>
+  </p:cSld>
+  <p:clrMapOvr>
+    <a:masterClrMapping/>
+  </p:clrMapOvr>
+</p:sld>
+</file>
+
+<file path=ppt/slides/slide30.xml><?xml version="1.0" encoding="utf-8"?>
 <p:sld xmlns:a="http://schemas.openxmlformats.org/drawingml/2006/main" xmlns:r="http://schemas.openxmlformats.org/officeDocument/2006/relationships" xmlns:p="http://schemas.openxmlformats.org/presentationml/2006/main">
   <p:cSld>
     <p:spTree>
@@ -31678,7 +32346,7 @@
 </p:sld>
 </file>
 
-<file path=ppt/slides/slide29.xml><?xml version="1.0" encoding="utf-8"?>
+<file path=ppt/slides/slide31.xml><?xml version="1.0" encoding="utf-8"?>
 <p:sld xmlns:a="http://schemas.openxmlformats.org/drawingml/2006/main" xmlns:r="http://schemas.openxmlformats.org/officeDocument/2006/relationships" xmlns:p="http://schemas.openxmlformats.org/presentationml/2006/main">
   <p:cSld>
     <p:spTree>
@@ -35297,404 +35965,7 @@
 </p:sld>
 </file>
 
-<file path=ppt/slides/slide3.xml><?xml version="1.0" encoding="utf-8"?>
-<p:sld xmlns:a="http://schemas.openxmlformats.org/drawingml/2006/main" xmlns:r="http://schemas.openxmlformats.org/officeDocument/2006/relationships" xmlns:p="http://schemas.openxmlformats.org/presentationml/2006/main">
-  <p:cSld>
-    <p:spTree>
-      <p:nvGrpSpPr>
-        <p:cNvPr id="1" name=""/>
-        <p:cNvGrpSpPr/>
-        <p:nvPr/>
-      </p:nvGrpSpPr>
-      <p:grpSpPr>
-        <a:xfrm>
-          <a:off x="0" y="0"/>
-          <a:ext cx="0" cy="0"/>
-          <a:chOff x="0" y="0"/>
-          <a:chExt cx="0" cy="0"/>
-        </a:xfrm>
-      </p:grpSpPr>
-      <p:pic>
-        <p:nvPicPr>
-          <p:cNvPr id="4" name="Picture 2" descr="http://www.runintoart.com/charitywater.jpg"/>
-          <p:cNvPicPr>
-            <a:picLocks noChangeAspect="1" noChangeArrowheads="1"/>
-          </p:cNvPicPr>
-          <p:nvPr/>
-        </p:nvPicPr>
-        <p:blipFill>
-          <a:blip r:embed="rId2">
-            <a:extLst>
-              <a:ext uri="{28A0092B-C50C-407E-A947-70E740481C1C}">
-                <a14:useLocalDpi xmlns:a14="http://schemas.microsoft.com/office/drawing/2010/main" val="0"/>
-              </a:ext>
-            </a:extLst>
-          </a:blip>
-          <a:srcRect/>
-          <a:stretch>
-            <a:fillRect/>
-          </a:stretch>
-        </p:blipFill>
-        <p:spPr bwMode="auto">
-          <a:xfrm>
-            <a:off x="-1" y="0"/>
-            <a:ext cx="12192000" cy="8124826"/>
-          </a:xfrm>
-          <a:prstGeom prst="rect">
-            <a:avLst/>
-          </a:prstGeom>
-          <a:noFill/>
-          <a:extLst>
-            <a:ext uri="{909E8E84-426E-40DD-AFC4-6F175D3DCCD1}">
-              <a14:hiddenFill xmlns:a14="http://schemas.microsoft.com/office/drawing/2010/main">
-                <a:solidFill>
-                  <a:srgbClr val="FFFFFF"/>
-                </a:solidFill>
-              </a14:hiddenFill>
-            </a:ext>
-          </a:extLst>
-        </p:spPr>
-      </p:pic>
-      <p:sp>
-        <p:nvSpPr>
-          <p:cNvPr id="5" name="Title 1"/>
-          <p:cNvSpPr>
-            <a:spLocks noGrp="1"/>
-          </p:cNvSpPr>
-          <p:nvPr>
-            <p:ph type="title"/>
-          </p:nvPr>
-        </p:nvSpPr>
-        <p:spPr>
-          <a:xfrm>
-            <a:off x="838200" y="96178"/>
-            <a:ext cx="10515600" cy="1325563"/>
-          </a:xfrm>
-        </p:spPr>
-        <p:txBody>
-          <a:bodyPr>
-            <a:normAutofit/>
-          </a:bodyPr>
-          <a:lstStyle/>
-          <a:p>
-            <a:pPr algn="ctr"/>
-            <a:r>
-              <a:rPr lang="en-US" dirty="0">
-                <a:solidFill>
-                  <a:schemeClr val="bg1"/>
-                </a:solidFill>
-              </a:rPr>
-              <a:t>If You Give $50, So Will I!</a:t>
-            </a:r>
-            <a:endParaRPr lang="en-US" sz="3600" i="1" dirty="0">
-              <a:solidFill>
-                <a:schemeClr val="bg1"/>
-              </a:solidFill>
-            </a:endParaRPr>
-          </a:p>
-        </p:txBody>
-      </p:sp>
-      <p:sp>
-        <p:nvSpPr>
-          <p:cNvPr id="6" name="Content Placeholder 2"/>
-          <p:cNvSpPr>
-            <a:spLocks noGrp="1"/>
-          </p:cNvSpPr>
-          <p:nvPr>
-            <p:ph idx="1"/>
-          </p:nvPr>
-        </p:nvSpPr>
-        <p:spPr>
-          <a:xfrm>
-            <a:off x="838200" y="1359366"/>
-            <a:ext cx="10515600" cy="4900718"/>
-          </a:xfrm>
-        </p:spPr>
-        <p:txBody>
-          <a:bodyPr>
-            <a:normAutofit/>
-          </a:bodyPr>
-          <a:lstStyle/>
-          <a:p>
-            <a:pPr marL="0" indent="0" algn="ctr">
-              <a:buNone/>
-            </a:pPr>
-            <a:br>
-              <a:rPr lang="en-US" sz="2000" b="1" dirty="0">
-                <a:solidFill>
-                  <a:schemeClr val="bg1"/>
-                </a:solidFill>
-                <a:effectLst>
-                  <a:outerShdw blurRad="50800" dist="38100" dir="2700000" algn="tl" rotWithShape="0">
-                    <a:prstClr val="black">
-                      <a:alpha val="40000"/>
-                    </a:prstClr>
-                  </a:outerShdw>
-                </a:effectLst>
-              </a:rPr>
-            </a:br>
-            <a:r>
-              <a:rPr lang="en-US" sz="4800" b="1" dirty="0">
-                <a:solidFill>
-                  <a:schemeClr val="bg1"/>
-                </a:solidFill>
-                <a:effectLst>
-                  <a:outerShdw blurRad="50800" dist="38100" dir="8100000" algn="tr" rotWithShape="0">
-                    <a:prstClr val="black">
-                      <a:alpha val="40000"/>
-                    </a:prstClr>
-                  </a:outerShdw>
-                </a:effectLst>
-              </a:rPr>
-              <a:t>bit.ly/</a:t>
-            </a:r>
-            <a:r>
-              <a:rPr lang="en-US" sz="4800" b="1" dirty="0" err="1">
-                <a:solidFill>
-                  <a:schemeClr val="bg1"/>
-                </a:solidFill>
-                <a:effectLst>
-                  <a:outerShdw blurRad="50800" dist="38100" dir="8100000" algn="tr" rotWithShape="0">
-                    <a:prstClr val="black">
-                      <a:alpha val="40000"/>
-                    </a:prstClr>
-                  </a:outerShdw>
-                </a:effectLst>
-              </a:rPr>
-              <a:t>dns</a:t>
-            </a:r>
-            <a:r>
-              <a:rPr lang="en-US" sz="4800" b="1" dirty="0">
-                <a:solidFill>
-                  <a:schemeClr val="bg1"/>
-                </a:solidFill>
-                <a:effectLst>
-                  <a:outerShdw blurRad="50800" dist="38100" dir="8100000" algn="tr" rotWithShape="0">
-                    <a:prstClr val="black">
-                      <a:alpha val="40000"/>
-                    </a:prstClr>
-                  </a:outerShdw>
-                </a:effectLst>
-              </a:rPr>
-              <a:t>-water</a:t>
-            </a:r>
-            <a:endParaRPr lang="en-US" sz="4400" b="1" dirty="0">
-              <a:solidFill>
-                <a:schemeClr val="bg1"/>
-              </a:solidFill>
-              <a:effectLst>
-                <a:outerShdw blurRad="50800" dist="38100" dir="8100000" algn="tr" rotWithShape="0">
-                  <a:prstClr val="black">
-                    <a:alpha val="40000"/>
-                  </a:prstClr>
-                </a:outerShdw>
-              </a:effectLst>
-            </a:endParaRPr>
-          </a:p>
-          <a:p>
-            <a:pPr marL="0" indent="0" algn="just">
-              <a:buNone/>
-            </a:pPr>
-            <a:endParaRPr lang="en-US" sz="2400" i="1" dirty="0">
-              <a:solidFill>
-                <a:schemeClr val="bg1"/>
-              </a:solidFill>
-            </a:endParaRPr>
-          </a:p>
-          <a:p>
-            <a:pPr marL="0" indent="0" algn="just">
-              <a:buNone/>
-            </a:pPr>
-            <a:r>
-              <a:rPr lang="en-US" i="1" dirty="0">
-                <a:solidFill>
-                  <a:schemeClr val="bg1"/>
-                </a:solidFill>
-              </a:rPr>
-              <a:t>“</a:t>
-            </a:r>
-            <a:r>
-              <a:rPr lang="en-US" i="1" dirty="0" err="1">
-                <a:solidFill>
-                  <a:schemeClr val="bg1"/>
-                </a:solidFill>
-              </a:rPr>
-              <a:t>charity:water</a:t>
-            </a:r>
-            <a:r>
-              <a:rPr lang="en-US" i="1" dirty="0">
-                <a:solidFill>
-                  <a:schemeClr val="bg1"/>
-                </a:solidFill>
-              </a:rPr>
-              <a:t> is a non-profit organization that provides clean and safe drinking water to people in developing nations. The organization was founded in 2006 and has helped fund 22,936 projects in 24 countries, benefiting over 4.6 million people.” </a:t>
-            </a:r>
-            <a:r>
-              <a:rPr lang="en-US" sz="2400" dirty="0">
-                <a:solidFill>
-                  <a:schemeClr val="bg1"/>
-                </a:solidFill>
-              </a:rPr>
-              <a:t>- Wikipedia</a:t>
-            </a:r>
-          </a:p>
-          <a:p>
-            <a:pPr marL="0" indent="0" algn="just">
-              <a:buNone/>
-            </a:pPr>
-            <a:endParaRPr lang="en-US" sz="2400" dirty="0">
-              <a:solidFill>
-                <a:schemeClr val="bg1"/>
-              </a:solidFill>
-            </a:endParaRPr>
-          </a:p>
-          <a:p>
-            <a:pPr marL="0" indent="0">
-              <a:buNone/>
-            </a:pPr>
-            <a:r>
-              <a:rPr lang="en-US" sz="2400" i="1" dirty="0">
-                <a:solidFill>
-                  <a:schemeClr val="bg1"/>
-                </a:solidFill>
-              </a:rPr>
-              <a:t>“4/4 Stars” </a:t>
-            </a:r>
-            <a:br>
-              <a:rPr lang="en-US" sz="2400" i="1" dirty="0">
-                <a:solidFill>
-                  <a:schemeClr val="bg1"/>
-                </a:solidFill>
-              </a:rPr>
-            </a:br>
-            <a:r>
-              <a:rPr lang="en-US" sz="2400" i="1" dirty="0">
-                <a:solidFill>
-                  <a:schemeClr val="bg1"/>
-                </a:solidFill>
-              </a:rPr>
-              <a:t>- CharityNavigator.org</a:t>
-            </a:r>
-          </a:p>
-          <a:p>
-            <a:pPr marL="0" indent="0" algn="just">
-              <a:buNone/>
-            </a:pPr>
-            <a:endParaRPr lang="en-US" i="1" dirty="0">
-              <a:solidFill>
-                <a:schemeClr val="bg1"/>
-              </a:solidFill>
-            </a:endParaRPr>
-          </a:p>
-        </p:txBody>
-      </p:sp>
-      <p:sp>
-        <p:nvSpPr>
-          <p:cNvPr id="7" name="Rectangle 6"/>
-          <p:cNvSpPr/>
-          <p:nvPr/>
-        </p:nvSpPr>
-        <p:spPr>
-          <a:xfrm>
-            <a:off x="-1" y="6201415"/>
-            <a:ext cx="12192001" cy="792154"/>
-          </a:xfrm>
-          <a:prstGeom prst="rect">
-            <a:avLst/>
-          </a:prstGeom>
-          <a:solidFill>
-            <a:srgbClr val="BFBFBF">
-              <a:alpha val="50196"/>
-            </a:srgbClr>
-          </a:solidFill>
-          <a:ln>
-            <a:noFill/>
-          </a:ln>
-        </p:spPr>
-        <p:style>
-          <a:lnRef idx="2">
-            <a:schemeClr val="accent1">
-              <a:shade val="50000"/>
-            </a:schemeClr>
-          </a:lnRef>
-          <a:fillRef idx="1">
-            <a:schemeClr val="accent1"/>
-          </a:fillRef>
-          <a:effectRef idx="0">
-            <a:schemeClr val="accent1"/>
-          </a:effectRef>
-          <a:fontRef idx="minor">
-            <a:schemeClr val="lt1"/>
-          </a:fontRef>
-        </p:style>
-        <p:txBody>
-          <a:bodyPr rtlCol="0" anchor="ctr"/>
-          <a:lstStyle/>
-          <a:p>
-            <a:pPr algn="ctr"/>
-            <a:endParaRPr lang="en-US">
-              <a:solidFill>
-                <a:schemeClr val="bg1"/>
-              </a:solidFill>
-            </a:endParaRPr>
-          </a:p>
-        </p:txBody>
-      </p:sp>
-      <p:pic>
-        <p:nvPicPr>
-          <p:cNvPr id="8" name="Picture 8" descr="http://fortitudefoundation.org/wp-content/uploads/2014/06/charity_water.png"/>
-          <p:cNvPicPr>
-            <a:picLocks noChangeAspect="1" noChangeArrowheads="1"/>
-          </p:cNvPicPr>
-          <p:nvPr/>
-        </p:nvPicPr>
-        <p:blipFill>
-          <a:blip r:embed="rId3" cstate="print">
-            <a:extLst>
-              <a:ext uri="{28A0092B-C50C-407E-A947-70E740481C1C}">
-                <a14:useLocalDpi xmlns:a14="http://schemas.microsoft.com/office/drawing/2010/main" val="0"/>
-              </a:ext>
-            </a:extLst>
-          </a:blip>
-          <a:srcRect/>
-          <a:stretch>
-            <a:fillRect/>
-          </a:stretch>
-        </p:blipFill>
-        <p:spPr bwMode="auto">
-          <a:xfrm>
-            <a:off x="6429466" y="6310239"/>
-            <a:ext cx="4924334" cy="574506"/>
-          </a:xfrm>
-          <a:prstGeom prst="rect">
-            <a:avLst/>
-          </a:prstGeom>
-          <a:noFill/>
-          <a:extLst>
-            <a:ext uri="{909E8E84-426E-40DD-AFC4-6F175D3DCCD1}">
-              <a14:hiddenFill xmlns:a14="http://schemas.microsoft.com/office/drawing/2010/main">
-                <a:solidFill>
-                  <a:srgbClr val="FFFFFF"/>
-                </a:solidFill>
-              </a14:hiddenFill>
-            </a:ext>
-          </a:extLst>
-        </p:spPr>
-      </p:pic>
-    </p:spTree>
-    <p:extLst>
-      <p:ext uri="{BB962C8B-B14F-4D97-AF65-F5344CB8AC3E}">
-        <p14:creationId xmlns:p14="http://schemas.microsoft.com/office/powerpoint/2010/main" val="3613704512"/>
-      </p:ext>
-    </p:extLst>
-  </p:cSld>
-  <p:clrMapOvr>
-    <a:masterClrMapping/>
-  </p:clrMapOvr>
-</p:sld>
-</file>
-
-<file path=ppt/slides/slide30.xml><?xml version="1.0" encoding="utf-8"?>
+<file path=ppt/slides/slide32.xml><?xml version="1.0" encoding="utf-8"?>
 <p:sld xmlns:a="http://schemas.openxmlformats.org/drawingml/2006/main" xmlns:r="http://schemas.openxmlformats.org/officeDocument/2006/relationships" xmlns:p="http://schemas.openxmlformats.org/presentationml/2006/main">
   <p:cSld>
     <p:spTree>
@@ -36641,7 +36912,7 @@
 </p:sld>
 </file>
 
-<file path=ppt/slides/slide31.xml><?xml version="1.0" encoding="utf-8"?>
+<file path=ppt/slides/slide33.xml><?xml version="1.0" encoding="utf-8"?>
 <p:sld xmlns:a="http://schemas.openxmlformats.org/drawingml/2006/main" xmlns:r="http://schemas.openxmlformats.org/officeDocument/2006/relationships" xmlns:p="http://schemas.openxmlformats.org/presentationml/2006/main">
   <p:cSld>
     <p:spTree>
@@ -36712,7 +36983,7 @@
 </p:sld>
 </file>
 
-<file path=ppt/slides/slide32.xml><?xml version="1.0" encoding="utf-8"?>
+<file path=ppt/slides/slide34.xml><?xml version="1.0" encoding="utf-8"?>
 <p:sld xmlns:a="http://schemas.openxmlformats.org/drawingml/2006/main" xmlns:r="http://schemas.openxmlformats.org/officeDocument/2006/relationships" xmlns:p="http://schemas.openxmlformats.org/presentationml/2006/main">
   <p:cSld>
     <p:spTree>
@@ -36789,6 +37060,15 @@
               <a:t>“Standard-based PCL” vs “profile-based PCL”</a:t>
             </a:r>
           </a:p>
+          <a:p>
+            <a:r>
+              <a:rPr lang="en-US" dirty="0"/>
+              <a:t>Soft reference through a go-between vs hard-coded reference</a:t>
+            </a:r>
+          </a:p>
+          <a:p>
+            <a:endParaRPr lang="en-US" dirty="0"/>
+          </a:p>
         </p:txBody>
       </p:sp>
     </p:spTree>
@@ -36804,7 +37084,7 @@
 </p:sld>
 </file>
 
-<file path=ppt/slides/slide33.xml><?xml version="1.0" encoding="utf-8"?>
+<file path=ppt/slides/slide35.xml><?xml version="1.0" encoding="utf-8"?>
 <p:sld xmlns:a="http://schemas.openxmlformats.org/drawingml/2006/main" xmlns:r="http://schemas.openxmlformats.org/officeDocument/2006/relationships" xmlns:p="http://schemas.openxmlformats.org/presentationml/2006/main">
   <p:cSld>
     <p:spTree>
@@ -36872,7 +37152,13 @@
             </a:br>
             <a:r>
               <a:rPr lang="en-US" dirty="0"/>
-              <a:t>Both define APIs shared across different platforms</a:t>
+              <a:t>Allow sharing library across platforms</a:t>
+            </a:r>
+          </a:p>
+          <a:p>
+            <a:r>
+              <a:rPr lang="en-US" dirty="0"/>
+              <a:t>Define APIs shared across different platforms</a:t>
             </a:r>
           </a:p>
           <a:p>
@@ -36893,7 +37179,7 @@
 </p:sld>
 </file>
 
-<file path=ppt/slides/slide34.xml><?xml version="1.0" encoding="utf-8"?>
+<file path=ppt/slides/slide36.xml><?xml version="1.0" encoding="utf-8"?>
 <p:sld xmlns:a="http://schemas.openxmlformats.org/drawingml/2006/main" xmlns:r="http://schemas.openxmlformats.org/officeDocument/2006/relationships" xmlns:p="http://schemas.openxmlformats.org/presentationml/2006/main">
   <p:cSld>
     <p:spTree>
@@ -37168,7 +37454,7 @@
 </p:sld>
 </file>
 
-<file path=ppt/slides/slide35.xml><?xml version="1.0" encoding="utf-8"?>
+<file path=ppt/slides/slide37.xml><?xml version="1.0" encoding="utf-8"?>
 <p:sld xmlns:a="http://schemas.openxmlformats.org/drawingml/2006/main" xmlns:r="http://schemas.openxmlformats.org/officeDocument/2006/relationships" xmlns:p="http://schemas.openxmlformats.org/presentationml/2006/main">
   <p:cSld>
     <p:spTree>
@@ -37224,7 +37510,7 @@
 </p:sld>
 </file>
 
-<file path=ppt/slides/slide36.xml><?xml version="1.0" encoding="utf-8"?>
+<file path=ppt/slides/slide38.xml><?xml version="1.0" encoding="utf-8"?>
 <p:sld xmlns:a="http://schemas.openxmlformats.org/drawingml/2006/main" xmlns:r="http://schemas.openxmlformats.org/officeDocument/2006/relationships" xmlns:p="http://schemas.openxmlformats.org/presentationml/2006/main">
   <p:cSld>
     <p:spTree>
@@ -37307,7 +37593,7 @@
 </p:sld>
 </file>
 
-<file path=ppt/slides/slide37.xml><?xml version="1.0" encoding="utf-8"?>
+<file path=ppt/slides/slide39.xml><?xml version="1.0" encoding="utf-8"?>
 <p:sld xmlns:a="http://schemas.openxmlformats.org/drawingml/2006/main" xmlns:r="http://schemas.openxmlformats.org/officeDocument/2006/relationships" xmlns:p="http://schemas.openxmlformats.org/presentationml/2006/main">
   <p:cSld>
     <p:spTree>
@@ -37372,148 +37658,6 @@
     <p:extLst>
       <p:ext uri="{BB962C8B-B14F-4D97-AF65-F5344CB8AC3E}">
         <p14:creationId xmlns:p14="http://schemas.microsoft.com/office/powerpoint/2010/main" val="1361528028"/>
-      </p:ext>
-    </p:extLst>
-  </p:cSld>
-  <p:clrMapOvr>
-    <a:masterClrMapping/>
-  </p:clrMapOvr>
-</p:sld>
-</file>
-
-<file path=ppt/slides/slide38.xml><?xml version="1.0" encoding="utf-8"?>
-<p:sld xmlns:a="http://schemas.openxmlformats.org/drawingml/2006/main" xmlns:r="http://schemas.openxmlformats.org/officeDocument/2006/relationships" xmlns:p="http://schemas.openxmlformats.org/presentationml/2006/main">
-  <p:cSld>
-    <p:spTree>
-      <p:nvGrpSpPr>
-        <p:cNvPr id="1" name=""/>
-        <p:cNvGrpSpPr/>
-        <p:nvPr/>
-      </p:nvGrpSpPr>
-      <p:grpSpPr>
-        <a:xfrm>
-          <a:off x="0" y="0"/>
-          <a:ext cx="0" cy="0"/>
-          <a:chOff x="0" y="0"/>
-          <a:chExt cx="0" cy="0"/>
-        </a:xfrm>
-      </p:grpSpPr>
-      <p:sp>
-        <p:nvSpPr>
-          <p:cNvPr id="4" name="Title 3"/>
-          <p:cNvSpPr>
-            <a:spLocks noGrp="1"/>
-          </p:cNvSpPr>
-          <p:nvPr>
-            <p:ph type="title"/>
-          </p:nvPr>
-        </p:nvSpPr>
-        <p:spPr/>
-        <p:txBody>
-          <a:bodyPr/>
-          <a:lstStyle/>
-          <a:p>
-            <a:r>
-              <a:rPr lang="en-US" dirty="0"/>
-              <a:t>.NET Standard 2.0</a:t>
-            </a:r>
-          </a:p>
-        </p:txBody>
-      </p:sp>
-      <p:sp>
-        <p:nvSpPr>
-          <p:cNvPr id="5" name="Text Placeholder 4"/>
-          <p:cNvSpPr>
-            <a:spLocks noGrp="1"/>
-          </p:cNvSpPr>
-          <p:nvPr>
-            <p:ph type="body" idx="1"/>
-          </p:nvPr>
-        </p:nvSpPr>
-        <p:spPr/>
-        <p:txBody>
-          <a:bodyPr/>
-          <a:lstStyle/>
-          <a:p>
-            <a:endParaRPr lang="en-US"/>
-          </a:p>
-        </p:txBody>
-      </p:sp>
-    </p:spTree>
-    <p:extLst>
-      <p:ext uri="{BB962C8B-B14F-4D97-AF65-F5344CB8AC3E}">
-        <p14:creationId xmlns:p14="http://schemas.microsoft.com/office/powerpoint/2010/main" val="97286911"/>
-      </p:ext>
-    </p:extLst>
-  </p:cSld>
-  <p:clrMapOvr>
-    <a:masterClrMapping/>
-  </p:clrMapOvr>
-</p:sld>
-</file>
-
-<file path=ppt/slides/slide39.xml><?xml version="1.0" encoding="utf-8"?>
-<p:sld xmlns:a="http://schemas.openxmlformats.org/drawingml/2006/main" xmlns:r="http://schemas.openxmlformats.org/officeDocument/2006/relationships" xmlns:p="http://schemas.openxmlformats.org/presentationml/2006/main">
-  <p:cSld>
-    <p:spTree>
-      <p:nvGrpSpPr>
-        <p:cNvPr id="1" name=""/>
-        <p:cNvGrpSpPr/>
-        <p:nvPr/>
-      </p:nvGrpSpPr>
-      <p:grpSpPr>
-        <a:xfrm>
-          <a:off x="0" y="0"/>
-          <a:ext cx="0" cy="0"/>
-          <a:chOff x="0" y="0"/>
-          <a:chExt cx="0" cy="0"/>
-        </a:xfrm>
-      </p:grpSpPr>
-      <p:pic>
-        <p:nvPicPr>
-          <p:cNvPr id="7170" name="Picture 2" descr="https://weblog.west-wind.com/images/2016/.NET%20Standard%202.0%20-%20Making%20Sense%20of%20.NET%20Again/NETStandard20Libraries.png"/>
-          <p:cNvPicPr>
-            <a:picLocks noChangeAspect="1" noChangeArrowheads="1"/>
-          </p:cNvPicPr>
-          <p:nvPr/>
-        </p:nvPicPr>
-        <p:blipFill>
-          <a:blip r:embed="rId2">
-            <a:extLst>
-              <a:ext uri="{28A0092B-C50C-407E-A947-70E740481C1C}">
-                <a14:useLocalDpi xmlns:a14="http://schemas.microsoft.com/office/drawing/2010/main" val="0"/>
-              </a:ext>
-            </a:extLst>
-          </a:blip>
-          <a:srcRect/>
-          <a:stretch>
-            <a:fillRect/>
-          </a:stretch>
-        </p:blipFill>
-        <p:spPr bwMode="auto">
-          <a:xfrm>
-            <a:off x="2286000" y="904875"/>
-            <a:ext cx="7620000" cy="5048250"/>
-          </a:xfrm>
-          <a:prstGeom prst="rect">
-            <a:avLst/>
-          </a:prstGeom>
-          <a:noFill/>
-          <a:extLst>
-            <a:ext uri="{909E8E84-426E-40DD-AFC4-6F175D3DCCD1}">
-              <a14:hiddenFill xmlns:a14="http://schemas.microsoft.com/office/drawing/2010/main">
-                <a:solidFill>
-                  <a:srgbClr val="FFFFFF"/>
-                </a:solidFill>
-              </a14:hiddenFill>
-            </a:ext>
-          </a:extLst>
-        </p:spPr>
-      </p:pic>
-    </p:spTree>
-    <p:extLst>
-      <p:ext uri="{BB962C8B-B14F-4D97-AF65-F5344CB8AC3E}">
-        <p14:creationId xmlns:p14="http://schemas.microsoft.com/office/powerpoint/2010/main" val="517825108"/>
       </p:ext>
     </p:extLst>
   </p:cSld>
@@ -37627,7 +37771,7 @@
           <a:p>
             <a:r>
               <a:rPr lang="en-US" dirty="0"/>
-              <a:t>.NET Standard v2.0</a:t>
+              <a:t>.NET Standard v2.0 &amp; v2.1</a:t>
             </a:r>
           </a:p>
         </p:txBody>
@@ -37664,7 +37808,7 @@
       </p:grpSpPr>
       <p:sp>
         <p:nvSpPr>
-          <p:cNvPr id="2" name="Title 1"/>
+          <p:cNvPr id="4" name="Title 3"/>
           <p:cNvSpPr>
             <a:spLocks noGrp="1"/>
           </p:cNvSpPr>
@@ -37679,19 +37823,19 @@
           <a:p>
             <a:r>
               <a:rPr lang="en-US" dirty="0"/>
-              <a:t>.NET Standard 1.6 -&gt; 2.0</a:t>
+              <a:t>.NET Standard 2.0</a:t>
             </a:r>
           </a:p>
         </p:txBody>
       </p:sp>
       <p:sp>
         <p:nvSpPr>
-          <p:cNvPr id="3" name="Content Placeholder 2"/>
+          <p:cNvPr id="5" name="Text Placeholder 4"/>
           <p:cNvSpPr>
             <a:spLocks noGrp="1"/>
           </p:cNvSpPr>
           <p:nvPr>
-            <p:ph idx="1"/>
+            <p:ph type="body" idx="1"/>
           </p:nvPr>
         </p:nvSpPr>
         <p:spPr/>
@@ -37699,82 +37843,6 @@
           <a:bodyPr/>
           <a:lstStyle/>
           <a:p>
-            <a:r>
-              <a:rPr lang="en-US" dirty="0"/>
-              <a:t>Huge (149%) increase in APIs</a:t>
-            </a:r>
-          </a:p>
-          <a:p>
-            <a:endParaRPr lang="en-US" dirty="0"/>
-          </a:p>
-        </p:txBody>
-      </p:sp>
-      <p:pic>
-        <p:nvPicPr>
-          <p:cNvPr id="4" name="Picture 3"/>
-          <p:cNvPicPr>
-            <a:picLocks noChangeAspect="1"/>
-          </p:cNvPicPr>
-          <p:nvPr/>
-        </p:nvPicPr>
-        <p:blipFill>
-          <a:blip r:embed="rId2"/>
-          <a:stretch>
-            <a:fillRect/>
-          </a:stretch>
-        </p:blipFill>
-        <p:spPr>
-          <a:xfrm>
-            <a:off x="676656" y="2658506"/>
-            <a:ext cx="7406818" cy="3119359"/>
-          </a:xfrm>
-          <a:prstGeom prst="rect">
-            <a:avLst/>
-          </a:prstGeom>
-        </p:spPr>
-      </p:pic>
-      <p:sp>
-        <p:nvSpPr>
-          <p:cNvPr id="5" name="Rectangle 4"/>
-          <p:cNvSpPr/>
-          <p:nvPr/>
-        </p:nvSpPr>
-        <p:spPr>
-          <a:xfrm>
-            <a:off x="731520" y="4698609"/>
-            <a:ext cx="7216726" cy="478302"/>
-          </a:xfrm>
-          <a:prstGeom prst="rect">
-            <a:avLst/>
-          </a:prstGeom>
-          <a:noFill/>
-          <a:ln w="38100">
-            <a:solidFill>
-              <a:srgbClr val="FF0000"/>
-            </a:solidFill>
-          </a:ln>
-        </p:spPr>
-        <p:style>
-          <a:lnRef idx="2">
-            <a:schemeClr val="accent1">
-              <a:shade val="50000"/>
-            </a:schemeClr>
-          </a:lnRef>
-          <a:fillRef idx="1">
-            <a:schemeClr val="accent1"/>
-          </a:fillRef>
-          <a:effectRef idx="0">
-            <a:schemeClr val="accent1"/>
-          </a:effectRef>
-          <a:fontRef idx="minor">
-            <a:schemeClr val="lt1"/>
-          </a:fontRef>
-        </p:style>
-        <p:txBody>
-          <a:bodyPr rtlCol="0" anchor="ctr"/>
-          <a:lstStyle/>
-          <a:p>
-            <a:pPr algn="ctr"/>
             <a:endParaRPr lang="en-US"/>
           </a:p>
         </p:txBody>
@@ -37782,7 +37850,7 @@
     </p:spTree>
     <p:extLst>
       <p:ext uri="{BB962C8B-B14F-4D97-AF65-F5344CB8AC3E}">
-        <p14:creationId xmlns:p14="http://schemas.microsoft.com/office/powerpoint/2010/main" val="1207639947"/>
+        <p14:creationId xmlns:p14="http://schemas.microsoft.com/office/powerpoint/2010/main" val="97286911"/>
       </p:ext>
     </p:extLst>
   </p:cSld>
@@ -37826,6 +37894,724 @@
           <a:p>
             <a:r>
               <a:rPr lang="en-US" dirty="0"/>
+              <a:t>.NET Standard 1.6 -&gt; 2.0</a:t>
+            </a:r>
+          </a:p>
+        </p:txBody>
+      </p:sp>
+      <p:sp>
+        <p:nvSpPr>
+          <p:cNvPr id="3" name="Content Placeholder 2"/>
+          <p:cNvSpPr>
+            <a:spLocks noGrp="1"/>
+          </p:cNvSpPr>
+          <p:nvPr>
+            <p:ph idx="1"/>
+          </p:nvPr>
+        </p:nvSpPr>
+        <p:spPr>
+          <a:xfrm>
+            <a:off x="657224" y="2157731"/>
+            <a:ext cx="4236104" cy="3766185"/>
+          </a:xfrm>
+        </p:spPr>
+        <p:txBody>
+          <a:bodyPr/>
+          <a:lstStyle/>
+          <a:p>
+            <a:r>
+              <a:rPr lang="en-US" dirty="0"/>
+              <a:t>Huge! </a:t>
+            </a:r>
+          </a:p>
+          <a:p>
+            <a:r>
+              <a:rPr lang="en-US" dirty="0"/>
+              <a:t>20k new APIs</a:t>
+            </a:r>
+          </a:p>
+          <a:p>
+            <a:r>
+              <a:rPr lang="en-US" dirty="0"/>
+              <a:t>(or 149% increase)</a:t>
+            </a:r>
+          </a:p>
+          <a:p>
+            <a:endParaRPr lang="en-US" dirty="0"/>
+          </a:p>
+        </p:txBody>
+      </p:sp>
+      <p:pic>
+        <p:nvPicPr>
+          <p:cNvPr id="8" name="Picture 2" descr="https://weblog.west-wind.com/images/2016/.NET%20Standard%202.0%20-%20Making%20Sense%20of%20.NET%20Again/NETStandard20Libraries.png">
+            <a:extLst>
+              <a:ext uri="{FF2B5EF4-FFF2-40B4-BE49-F238E27FC236}">
+                <a16:creationId xmlns:a16="http://schemas.microsoft.com/office/drawing/2014/main" id="{46AFFE10-A537-4CF2-8EF4-13BF7459F879}"/>
+              </a:ext>
+            </a:extLst>
+          </p:cNvPr>
+          <p:cNvPicPr>
+            <a:picLocks noChangeAspect="1" noChangeArrowheads="1"/>
+          </p:cNvPicPr>
+          <p:nvPr/>
+        </p:nvPicPr>
+        <p:blipFill>
+          <a:blip r:embed="rId2">
+            <a:extLst>
+              <a:ext uri="{28A0092B-C50C-407E-A947-70E740481C1C}">
+                <a14:useLocalDpi xmlns:a14="http://schemas.microsoft.com/office/drawing/2010/main" val="0"/>
+              </a:ext>
+            </a:extLst>
+          </a:blip>
+          <a:srcRect/>
+          <a:stretch>
+            <a:fillRect/>
+          </a:stretch>
+        </p:blipFill>
+        <p:spPr bwMode="auto">
+          <a:xfrm>
+            <a:off x="4893328" y="2157731"/>
+            <a:ext cx="6286288" cy="4164666"/>
+          </a:xfrm>
+          <a:prstGeom prst="rect">
+            <a:avLst/>
+          </a:prstGeom>
+          <a:noFill/>
+          <a:extLst>
+            <a:ext uri="{909E8E84-426E-40DD-AFC4-6F175D3DCCD1}">
+              <a14:hiddenFill xmlns:a14="http://schemas.microsoft.com/office/drawing/2010/main">
+                <a:solidFill>
+                  <a:srgbClr val="FFFFFF"/>
+                </a:solidFill>
+              </a14:hiddenFill>
+            </a:ext>
+          </a:extLst>
+        </p:spPr>
+      </p:pic>
+    </p:spTree>
+    <p:extLst>
+      <p:ext uri="{BB962C8B-B14F-4D97-AF65-F5344CB8AC3E}">
+        <p14:creationId xmlns:p14="http://schemas.microsoft.com/office/powerpoint/2010/main" val="1207639947"/>
+      </p:ext>
+    </p:extLst>
+  </p:cSld>
+  <p:clrMapOvr>
+    <a:masterClrMapping/>
+  </p:clrMapOvr>
+</p:sld>
+</file>
+
+<file path=ppt/slides/slide42.xml><?xml version="1.0" encoding="utf-8"?>
+<p:sld xmlns:a="http://schemas.openxmlformats.org/drawingml/2006/main" xmlns:r="http://schemas.openxmlformats.org/officeDocument/2006/relationships" xmlns:p="http://schemas.openxmlformats.org/presentationml/2006/main">
+  <p:cSld>
+    <p:spTree>
+      <p:nvGrpSpPr>
+        <p:cNvPr id="1" name=""/>
+        <p:cNvGrpSpPr/>
+        <p:nvPr/>
+      </p:nvGrpSpPr>
+      <p:grpSpPr>
+        <a:xfrm>
+          <a:off x="0" y="0"/>
+          <a:ext cx="0" cy="0"/>
+          <a:chOff x="0" y="0"/>
+          <a:chExt cx="0" cy="0"/>
+        </a:xfrm>
+      </p:grpSpPr>
+      <p:sp>
+        <p:nvSpPr>
+          <p:cNvPr id="4" name="Title 3"/>
+          <p:cNvSpPr>
+            <a:spLocks noGrp="1"/>
+          </p:cNvSpPr>
+          <p:nvPr>
+            <p:ph type="title"/>
+          </p:nvPr>
+        </p:nvSpPr>
+        <p:spPr/>
+        <p:txBody>
+          <a:bodyPr/>
+          <a:lstStyle/>
+          <a:p>
+            <a:r>
+              <a:rPr lang="en-US" dirty="0"/>
+              <a:t>.NET Standard 2.1</a:t>
+            </a:r>
+          </a:p>
+        </p:txBody>
+      </p:sp>
+      <p:sp>
+        <p:nvSpPr>
+          <p:cNvPr id="5" name="Text Placeholder 4"/>
+          <p:cNvSpPr>
+            <a:spLocks noGrp="1"/>
+          </p:cNvSpPr>
+          <p:nvPr>
+            <p:ph type="body" idx="1"/>
+          </p:nvPr>
+        </p:nvSpPr>
+        <p:spPr/>
+        <p:txBody>
+          <a:bodyPr/>
+          <a:lstStyle/>
+          <a:p>
+            <a:endParaRPr lang="en-US"/>
+          </a:p>
+        </p:txBody>
+      </p:sp>
+    </p:spTree>
+    <p:extLst>
+      <p:ext uri="{BB962C8B-B14F-4D97-AF65-F5344CB8AC3E}">
+        <p14:creationId xmlns:p14="http://schemas.microsoft.com/office/powerpoint/2010/main" val="1931928392"/>
+      </p:ext>
+    </p:extLst>
+  </p:cSld>
+  <p:clrMapOvr>
+    <a:masterClrMapping/>
+  </p:clrMapOvr>
+</p:sld>
+</file>
+
+<file path=ppt/slides/slide43.xml><?xml version="1.0" encoding="utf-8"?>
+<p:sld xmlns:a="http://schemas.openxmlformats.org/drawingml/2006/main" xmlns:r="http://schemas.openxmlformats.org/officeDocument/2006/relationships" xmlns:p="http://schemas.openxmlformats.org/presentationml/2006/main">
+  <p:cSld>
+    <p:spTree>
+      <p:nvGrpSpPr>
+        <p:cNvPr id="1" name=""/>
+        <p:cNvGrpSpPr/>
+        <p:nvPr/>
+      </p:nvGrpSpPr>
+      <p:grpSpPr>
+        <a:xfrm>
+          <a:off x="0" y="0"/>
+          <a:ext cx="0" cy="0"/>
+          <a:chOff x="0" y="0"/>
+          <a:chExt cx="0" cy="0"/>
+        </a:xfrm>
+      </p:grpSpPr>
+      <p:sp>
+        <p:nvSpPr>
+          <p:cNvPr id="2" name="Title 1">
+            <a:extLst>
+              <a:ext uri="{FF2B5EF4-FFF2-40B4-BE49-F238E27FC236}">
+                <a16:creationId xmlns:a16="http://schemas.microsoft.com/office/drawing/2014/main" id="{CE863345-0E20-456B-9073-F0B8761DB756}"/>
+              </a:ext>
+            </a:extLst>
+          </p:cNvPr>
+          <p:cNvSpPr>
+            <a:spLocks noGrp="1"/>
+          </p:cNvSpPr>
+          <p:nvPr>
+            <p:ph type="title"/>
+          </p:nvPr>
+        </p:nvSpPr>
+        <p:spPr/>
+        <p:txBody>
+          <a:bodyPr/>
+          <a:lstStyle/>
+          <a:p>
+            <a:r>
+              <a:rPr lang="en-US" dirty="0"/>
+              <a:t>.NET Standard 2.1</a:t>
+            </a:r>
+          </a:p>
+        </p:txBody>
+      </p:sp>
+      <p:sp>
+        <p:nvSpPr>
+          <p:cNvPr id="3" name="Content Placeholder 2">
+            <a:extLst>
+              <a:ext uri="{FF2B5EF4-FFF2-40B4-BE49-F238E27FC236}">
+                <a16:creationId xmlns:a16="http://schemas.microsoft.com/office/drawing/2014/main" id="{D3516423-874C-4D74-B7EC-62EEB7FD3C88}"/>
+              </a:ext>
+            </a:extLst>
+          </p:cNvPr>
+          <p:cNvSpPr>
+            <a:spLocks noGrp="1"/>
+          </p:cNvSpPr>
+          <p:nvPr>
+            <p:ph idx="1"/>
+          </p:nvPr>
+        </p:nvSpPr>
+        <p:spPr>
+          <a:xfrm>
+            <a:off x="682258" y="3294529"/>
+            <a:ext cx="10753725" cy="2953983"/>
+          </a:xfrm>
+        </p:spPr>
+        <p:txBody>
+          <a:bodyPr numCol="2">
+            <a:normAutofit/>
+          </a:bodyPr>
+          <a:lstStyle/>
+          <a:p>
+            <a:r>
+              <a:rPr lang="en-US" dirty="0"/>
+              <a:t>Span&lt;T&gt; and foundational-APIs working with spans</a:t>
+            </a:r>
+          </a:p>
+          <a:p>
+            <a:r>
+              <a:rPr lang="en-US" dirty="0"/>
+              <a:t>Reflection emit</a:t>
+            </a:r>
+          </a:p>
+          <a:p>
+            <a:r>
+              <a:rPr lang="en-US" dirty="0"/>
+              <a:t>SIMD</a:t>
+            </a:r>
+          </a:p>
+          <a:p>
+            <a:r>
+              <a:rPr lang="en-US" dirty="0" err="1"/>
+              <a:t>ValueTask</a:t>
+            </a:r>
+            <a:r>
+              <a:rPr lang="en-US" dirty="0"/>
+              <a:t> and </a:t>
+            </a:r>
+            <a:r>
+              <a:rPr lang="en-US" dirty="0" err="1"/>
+              <a:t>ValueTask</a:t>
+            </a:r>
+            <a:r>
+              <a:rPr lang="en-US" dirty="0"/>
+              <a:t>&lt;T&gt;</a:t>
+            </a:r>
+          </a:p>
+          <a:p>
+            <a:endParaRPr lang="en-US" dirty="0"/>
+          </a:p>
+          <a:p>
+            <a:r>
+              <a:rPr lang="en-US" dirty="0" err="1"/>
+              <a:t>DbProviderFactories</a:t>
+            </a:r>
+            <a:endParaRPr lang="en-US" dirty="0"/>
+          </a:p>
+          <a:p>
+            <a:r>
+              <a:rPr lang="en-US" dirty="0" err="1"/>
+              <a:t>System.HashCode</a:t>
+            </a:r>
+            <a:endParaRPr lang="en-US" dirty="0"/>
+          </a:p>
+          <a:p>
+            <a:r>
+              <a:rPr lang="en-US" dirty="0" err="1"/>
+              <a:t>System.String</a:t>
+            </a:r>
+            <a:r>
+              <a:rPr lang="en-US" dirty="0"/>
+              <a:t> overloads</a:t>
+            </a:r>
+          </a:p>
+        </p:txBody>
+      </p:sp>
+      <p:sp>
+        <p:nvSpPr>
+          <p:cNvPr id="6" name="Content Placeholder 2">
+            <a:extLst>
+              <a:ext uri="{FF2B5EF4-FFF2-40B4-BE49-F238E27FC236}">
+                <a16:creationId xmlns:a16="http://schemas.microsoft.com/office/drawing/2014/main" id="{9C924D7A-1816-497F-BF8B-6D8BA702A483}"/>
+              </a:ext>
+            </a:extLst>
+          </p:cNvPr>
+          <p:cNvSpPr txBox="1">
+            <a:spLocks/>
+          </p:cNvSpPr>
+          <p:nvPr/>
+        </p:nvSpPr>
+        <p:spPr>
+          <a:xfrm>
+            <a:off x="682258" y="2010220"/>
+            <a:ext cx="10753725" cy="1418779"/>
+          </a:xfrm>
+          <a:prstGeom prst="rect">
+            <a:avLst/>
+          </a:prstGeom>
+        </p:spPr>
+        <p:txBody>
+          <a:bodyPr vert="horz" lIns="91440" tIns="45720" rIns="91440" bIns="45720" numCol="1" rtlCol="0">
+            <a:normAutofit/>
+          </a:bodyPr>
+          <a:lstStyle>
+            <a:lvl1pPr marL="91440" indent="-91440" algn="l" defTabSz="914400" rtl="0" eaLnBrk="1" latinLnBrk="0" hangingPunct="1">
+              <a:lnSpc>
+                <a:spcPct val="85000"/>
+              </a:lnSpc>
+              <a:spcBef>
+                <a:spcPts val="1300"/>
+              </a:spcBef>
+              <a:buFont typeface="Arial" pitchFamily="34" charset="0"/>
+              <a:buChar char=" "/>
+              <a:defRPr sz="2400" kern="1200">
+                <a:solidFill>
+                  <a:schemeClr val="tx1">
+                    <a:lumMod val="85000"/>
+                    <a:lumOff val="15000"/>
+                  </a:schemeClr>
+                </a:solidFill>
+                <a:latin typeface="Segoe UI" panose="020B0502040204020203" pitchFamily="34" charset="0"/>
+                <a:ea typeface="+mn-ea"/>
+                <a:cs typeface="Segoe UI" panose="020B0502040204020203" pitchFamily="34" charset="0"/>
+              </a:defRPr>
+            </a:lvl1pPr>
+            <a:lvl2pPr marL="347472" indent="-342900" algn="l" defTabSz="914400" rtl="0" eaLnBrk="1" latinLnBrk="0" hangingPunct="1">
+              <a:lnSpc>
+                <a:spcPct val="85000"/>
+              </a:lnSpc>
+              <a:spcBef>
+                <a:spcPts val="600"/>
+              </a:spcBef>
+              <a:buFont typeface="Arial" pitchFamily="34" charset="0"/>
+              <a:buChar char=" "/>
+              <a:defRPr sz="2400" kern="1200">
+                <a:solidFill>
+                  <a:schemeClr val="tx1">
+                    <a:lumMod val="85000"/>
+                    <a:lumOff val="15000"/>
+                  </a:schemeClr>
+                </a:solidFill>
+                <a:latin typeface="Segoe UI" panose="020B0502040204020203" pitchFamily="34" charset="0"/>
+                <a:ea typeface="+mn-ea"/>
+                <a:cs typeface="Segoe UI" panose="020B0502040204020203" pitchFamily="34" charset="0"/>
+              </a:defRPr>
+            </a:lvl2pPr>
+            <a:lvl3pPr marL="548640" indent="-548640" algn="l" defTabSz="914400" rtl="0" eaLnBrk="1" latinLnBrk="0" hangingPunct="1">
+              <a:lnSpc>
+                <a:spcPct val="85000"/>
+              </a:lnSpc>
+              <a:spcBef>
+                <a:spcPts val="600"/>
+              </a:spcBef>
+              <a:buFont typeface="Arial" pitchFamily="34" charset="0"/>
+              <a:buChar char=" "/>
+              <a:defRPr sz="2000" i="1" kern="1200">
+                <a:solidFill>
+                  <a:schemeClr val="tx1">
+                    <a:lumMod val="85000"/>
+                    <a:lumOff val="15000"/>
+                  </a:schemeClr>
+                </a:solidFill>
+                <a:latin typeface="Segoe UI" panose="020B0502040204020203" pitchFamily="34" charset="0"/>
+                <a:ea typeface="+mn-ea"/>
+                <a:cs typeface="Segoe UI" panose="020B0502040204020203" pitchFamily="34" charset="0"/>
+              </a:defRPr>
+            </a:lvl3pPr>
+            <a:lvl4pPr marL="822960" indent="-822960" algn="l" defTabSz="914400" rtl="0" eaLnBrk="1" latinLnBrk="0" hangingPunct="1">
+              <a:lnSpc>
+                <a:spcPct val="85000"/>
+              </a:lnSpc>
+              <a:spcBef>
+                <a:spcPts val="600"/>
+              </a:spcBef>
+              <a:buFont typeface="Arial" pitchFamily="34" charset="0"/>
+              <a:buChar char=" "/>
+              <a:defRPr sz="1800" kern="1200">
+                <a:solidFill>
+                  <a:schemeClr val="tx1">
+                    <a:lumMod val="85000"/>
+                    <a:lumOff val="15000"/>
+                  </a:schemeClr>
+                </a:solidFill>
+                <a:latin typeface="Segoe UI" panose="020B0502040204020203" pitchFamily="34" charset="0"/>
+                <a:ea typeface="+mn-ea"/>
+                <a:cs typeface="Segoe UI" panose="020B0502040204020203" pitchFamily="34" charset="0"/>
+              </a:defRPr>
+            </a:lvl4pPr>
+            <a:lvl5pPr marL="1097280" indent="-1097280" algn="l" defTabSz="914400" rtl="0" eaLnBrk="1" latinLnBrk="0" hangingPunct="1">
+              <a:lnSpc>
+                <a:spcPct val="85000"/>
+              </a:lnSpc>
+              <a:spcBef>
+                <a:spcPts val="600"/>
+              </a:spcBef>
+              <a:buFont typeface="Arial" pitchFamily="34" charset="0"/>
+              <a:buChar char=" "/>
+              <a:defRPr sz="1800" kern="1200">
+                <a:solidFill>
+                  <a:schemeClr val="tx1">
+                    <a:lumMod val="85000"/>
+                    <a:lumOff val="15000"/>
+                  </a:schemeClr>
+                </a:solidFill>
+                <a:latin typeface="Segoe UI" panose="020B0502040204020203" pitchFamily="34" charset="0"/>
+                <a:ea typeface="+mn-ea"/>
+                <a:cs typeface="Segoe UI" panose="020B0502040204020203" pitchFamily="34" charset="0"/>
+              </a:defRPr>
+            </a:lvl5pPr>
+            <a:lvl6pPr marL="1200000" indent="-228600" algn="l" defTabSz="914400" rtl="0" eaLnBrk="1" latinLnBrk="0" hangingPunct="1">
+              <a:lnSpc>
+                <a:spcPct val="85000"/>
+              </a:lnSpc>
+              <a:spcBef>
+                <a:spcPts val="600"/>
+              </a:spcBef>
+              <a:buFont typeface="Arial" pitchFamily="34" charset="0"/>
+              <a:buChar char=" "/>
+              <a:defRPr sz="1800" kern="1200">
+                <a:solidFill>
+                  <a:schemeClr val="tx1">
+                    <a:lumMod val="85000"/>
+                    <a:lumOff val="15000"/>
+                  </a:schemeClr>
+                </a:solidFill>
+                <a:latin typeface="+mn-lt"/>
+                <a:ea typeface="+mn-ea"/>
+                <a:cs typeface="+mn-cs"/>
+              </a:defRPr>
+            </a:lvl6pPr>
+            <a:lvl7pPr marL="1400000" indent="-228600" algn="l" defTabSz="914400" rtl="0" eaLnBrk="1" latinLnBrk="0" hangingPunct="1">
+              <a:lnSpc>
+                <a:spcPct val="85000"/>
+              </a:lnSpc>
+              <a:spcBef>
+                <a:spcPts val="600"/>
+              </a:spcBef>
+              <a:buFont typeface="Arial" pitchFamily="34" charset="0"/>
+              <a:buChar char=" "/>
+              <a:defRPr sz="1800" kern="1200">
+                <a:solidFill>
+                  <a:schemeClr val="tx1">
+                    <a:lumMod val="85000"/>
+                    <a:lumOff val="15000"/>
+                  </a:schemeClr>
+                </a:solidFill>
+                <a:latin typeface="+mn-lt"/>
+                <a:ea typeface="+mn-ea"/>
+                <a:cs typeface="+mn-cs"/>
+              </a:defRPr>
+            </a:lvl7pPr>
+            <a:lvl8pPr marL="1600000" indent="-228600" algn="l" defTabSz="914400" rtl="0" eaLnBrk="1" latinLnBrk="0" hangingPunct="1">
+              <a:lnSpc>
+                <a:spcPct val="85000"/>
+              </a:lnSpc>
+              <a:spcBef>
+                <a:spcPts val="600"/>
+              </a:spcBef>
+              <a:buFont typeface="Arial" pitchFamily="34" charset="0"/>
+              <a:buChar char=" "/>
+              <a:defRPr sz="1800" kern="1200">
+                <a:solidFill>
+                  <a:schemeClr val="tx1">
+                    <a:lumMod val="85000"/>
+                    <a:lumOff val="15000"/>
+                  </a:schemeClr>
+                </a:solidFill>
+                <a:latin typeface="+mn-lt"/>
+                <a:ea typeface="+mn-ea"/>
+                <a:cs typeface="+mn-cs"/>
+              </a:defRPr>
+            </a:lvl8pPr>
+            <a:lvl9pPr marL="1800000" indent="-228600" algn="l" defTabSz="914400" rtl="0" eaLnBrk="1" latinLnBrk="0" hangingPunct="1">
+              <a:lnSpc>
+                <a:spcPct val="85000"/>
+              </a:lnSpc>
+              <a:spcBef>
+                <a:spcPts val="600"/>
+              </a:spcBef>
+              <a:buFont typeface="Arial" pitchFamily="34" charset="0"/>
+              <a:buChar char=" "/>
+              <a:defRPr sz="1800" kern="1200">
+                <a:solidFill>
+                  <a:schemeClr val="tx1">
+                    <a:lumMod val="85000"/>
+                    <a:lumOff val="15000"/>
+                  </a:schemeClr>
+                </a:solidFill>
+                <a:latin typeface="+mn-lt"/>
+                <a:ea typeface="+mn-ea"/>
+                <a:cs typeface="+mn-cs"/>
+              </a:defRPr>
+            </a:lvl9pPr>
+          </a:lstStyle>
+          <a:p>
+            <a:r>
+              <a:rPr lang="en-US" dirty="0"/>
+              <a:t>3k new APIs</a:t>
+            </a:r>
+          </a:p>
+          <a:p>
+            <a:r>
+              <a:rPr lang="en-US" dirty="0"/>
+              <a:t>800 new members in .NET Core</a:t>
+            </a:r>
+          </a:p>
+          <a:p>
+            <a:endParaRPr lang="en-US" dirty="0"/>
+          </a:p>
+        </p:txBody>
+      </p:sp>
+    </p:spTree>
+    <p:extLst>
+      <p:ext uri="{BB962C8B-B14F-4D97-AF65-F5344CB8AC3E}">
+        <p14:creationId xmlns:p14="http://schemas.microsoft.com/office/powerpoint/2010/main" val="273723444"/>
+      </p:ext>
+    </p:extLst>
+  </p:cSld>
+  <p:clrMapOvr>
+    <a:masterClrMapping/>
+  </p:clrMapOvr>
+</p:sld>
+</file>
+
+<file path=ppt/slides/slide44.xml><?xml version="1.0" encoding="utf-8"?>
+<p:sld xmlns:a="http://schemas.openxmlformats.org/drawingml/2006/main" xmlns:r="http://schemas.openxmlformats.org/officeDocument/2006/relationships" xmlns:p="http://schemas.openxmlformats.org/presentationml/2006/main">
+  <p:cSld>
+    <p:spTree>
+      <p:nvGrpSpPr>
+        <p:cNvPr id="1" name=""/>
+        <p:cNvGrpSpPr/>
+        <p:nvPr/>
+      </p:nvGrpSpPr>
+      <p:grpSpPr>
+        <a:xfrm>
+          <a:off x="0" y="0"/>
+          <a:ext cx="0" cy="0"/>
+          <a:chOff x="0" y="0"/>
+          <a:chExt cx="0" cy="0"/>
+        </a:xfrm>
+      </p:grpSpPr>
+      <p:sp>
+        <p:nvSpPr>
+          <p:cNvPr id="2" name="Title 1">
+            <a:extLst>
+              <a:ext uri="{FF2B5EF4-FFF2-40B4-BE49-F238E27FC236}">
+                <a16:creationId xmlns:a16="http://schemas.microsoft.com/office/drawing/2014/main" id="{B3B36957-2401-4130-978D-D35058103D7C}"/>
+              </a:ext>
+            </a:extLst>
+          </p:cNvPr>
+          <p:cNvSpPr>
+            <a:spLocks noGrp="1"/>
+          </p:cNvSpPr>
+          <p:nvPr>
+            <p:ph type="title"/>
+          </p:nvPr>
+        </p:nvSpPr>
+        <p:spPr/>
+        <p:txBody>
+          <a:bodyPr/>
+          <a:lstStyle/>
+          <a:p>
+            <a:r>
+              <a:rPr lang="en-US" dirty="0"/>
+              <a:t>.NET Standard 2.1</a:t>
+            </a:r>
+          </a:p>
+        </p:txBody>
+      </p:sp>
+      <p:sp>
+        <p:nvSpPr>
+          <p:cNvPr id="3" name="Content Placeholder 2">
+            <a:extLst>
+              <a:ext uri="{FF2B5EF4-FFF2-40B4-BE49-F238E27FC236}">
+                <a16:creationId xmlns:a16="http://schemas.microsoft.com/office/drawing/2014/main" id="{06E44E45-4C64-4EB7-8761-8A5D40A4D0DB}"/>
+              </a:ext>
+            </a:extLst>
+          </p:cNvPr>
+          <p:cNvSpPr>
+            <a:spLocks noGrp="1"/>
+          </p:cNvSpPr>
+          <p:nvPr>
+            <p:ph idx="1"/>
+          </p:nvPr>
+        </p:nvSpPr>
+        <p:spPr/>
+        <p:txBody>
+          <a:bodyPr>
+            <a:normAutofit/>
+          </a:bodyPr>
+          <a:lstStyle/>
+          <a:p>
+            <a:r>
+              <a:rPr lang="en-US" dirty="0"/>
+              <a:t>Currently 83% complete</a:t>
+            </a:r>
+          </a:p>
+          <a:p>
+            <a:r>
+              <a:rPr lang="en-US" dirty="0"/>
+              <a:t>Released with .NET Core 3.0 in 2019</a:t>
+            </a:r>
+          </a:p>
+          <a:p>
+            <a:r>
+              <a:rPr lang="en-US" dirty="0"/>
+              <a:t>.NET Standard 2.1 Support</a:t>
+            </a:r>
+          </a:p>
+          <a:p>
+            <a:pPr lvl="1"/>
+            <a:r>
+              <a:rPr lang="en-US" dirty="0"/>
+              <a:t>.NET Core 3.0 </a:t>
+            </a:r>
+          </a:p>
+          <a:p>
+            <a:pPr lvl="1"/>
+            <a:r>
+              <a:rPr lang="en-US" dirty="0"/>
+              <a:t>Future versions of Xamarin, Mono, and Unity</a:t>
+            </a:r>
+          </a:p>
+          <a:p>
+            <a:pPr lvl="1"/>
+            <a:r>
+              <a:rPr lang="en-US" dirty="0"/>
+              <a:t>Note: .NET Framework 4.8 remains on .NET Standard 2.0</a:t>
+            </a:r>
+          </a:p>
+        </p:txBody>
+      </p:sp>
+    </p:spTree>
+    <p:extLst>
+      <p:ext uri="{BB962C8B-B14F-4D97-AF65-F5344CB8AC3E}">
+        <p14:creationId xmlns:p14="http://schemas.microsoft.com/office/powerpoint/2010/main" val="543728222"/>
+      </p:ext>
+    </p:extLst>
+  </p:cSld>
+  <p:clrMapOvr>
+    <a:masterClrMapping/>
+  </p:clrMapOvr>
+</p:sld>
+</file>
+
+<file path=ppt/slides/slide45.xml><?xml version="1.0" encoding="utf-8"?>
+<p:sld xmlns:a="http://schemas.openxmlformats.org/drawingml/2006/main" xmlns:r="http://schemas.openxmlformats.org/officeDocument/2006/relationships" xmlns:p="http://schemas.openxmlformats.org/presentationml/2006/main">
+  <p:cSld>
+    <p:spTree>
+      <p:nvGrpSpPr>
+        <p:cNvPr id="1" name=""/>
+        <p:cNvGrpSpPr/>
+        <p:nvPr/>
+      </p:nvGrpSpPr>
+      <p:grpSpPr>
+        <a:xfrm>
+          <a:off x="0" y="0"/>
+          <a:ext cx="0" cy="0"/>
+          <a:chOff x="0" y="0"/>
+          <a:chExt cx="0" cy="0"/>
+        </a:xfrm>
+      </p:grpSpPr>
+      <p:sp>
+        <p:nvSpPr>
+          <p:cNvPr id="2" name="Title 1"/>
+          <p:cNvSpPr>
+            <a:spLocks noGrp="1"/>
+          </p:cNvSpPr>
+          <p:nvPr>
+            <p:ph type="title"/>
+          </p:nvPr>
+        </p:nvSpPr>
+        <p:spPr/>
+        <p:txBody>
+          <a:bodyPr/>
+          <a:lstStyle/>
+          <a:p>
+            <a:r>
+              <a:rPr lang="en-US" dirty="0"/>
               <a:t>Recap</a:t>
             </a:r>
           </a:p>
@@ -37896,7 +38682,7 @@
           <a:p>
             <a:r>
               <a:rPr lang="en-US" dirty="0"/>
-              <a:t>.NET Standard v2.0</a:t>
+              <a:t>.NET Standard v2.0 &amp; v2.1</a:t>
             </a:r>
           </a:p>
           <a:p>
@@ -37917,7 +38703,7 @@
 </p:sld>
 </file>
 
-<file path=ppt/slides/slide42.xml><?xml version="1.0" encoding="utf-8"?>
+<file path=ppt/slides/slide46.xml><?xml version="1.0" encoding="utf-8"?>
 <p:sld xmlns:a="http://schemas.openxmlformats.org/drawingml/2006/main" xmlns:r="http://schemas.openxmlformats.org/officeDocument/2006/relationships" xmlns:p="http://schemas.openxmlformats.org/presentationml/2006/main">
   <p:cSld>
     <p:spTree>
@@ -38086,577 +38872,6 @@
       </p:sp>
       <p:sp>
         <p:nvSpPr>
-          <p:cNvPr id="6" name="Content Placeholder 2"/>
-          <p:cNvSpPr txBox="1">
-            <a:spLocks/>
-          </p:cNvSpPr>
-          <p:nvPr/>
-        </p:nvSpPr>
-        <p:spPr>
-          <a:xfrm>
-            <a:off x="6136234" y="4333247"/>
-            <a:ext cx="5293765" cy="1345294"/>
-          </a:xfrm>
-          <a:prstGeom prst="rect">
-            <a:avLst/>
-          </a:prstGeom>
-        </p:spPr>
-        <p:txBody>
-          <a:bodyPr vert="horz" lIns="91440" tIns="45720" rIns="91440" bIns="45720" rtlCol="0">
-            <a:normAutofit/>
-          </a:bodyPr>
-          <a:lstStyle>
-            <a:lvl1pPr marL="91440" indent="-91440" algn="l" defTabSz="914400" rtl="0" eaLnBrk="1" latinLnBrk="0" hangingPunct="1">
-              <a:lnSpc>
-                <a:spcPct val="85000"/>
-              </a:lnSpc>
-              <a:spcBef>
-                <a:spcPts val="1300"/>
-              </a:spcBef>
-              <a:buFont typeface="Arial" pitchFamily="34" charset="0"/>
-              <a:buChar char=" "/>
-              <a:defRPr sz="2400" kern="1200">
-                <a:solidFill>
-                  <a:schemeClr val="tx1">
-                    <a:lumMod val="85000"/>
-                    <a:lumOff val="15000"/>
-                  </a:schemeClr>
-                </a:solidFill>
-                <a:latin typeface="Segoe UI" panose="020B0502040204020203" pitchFamily="34" charset="0"/>
-                <a:ea typeface="+mn-ea"/>
-                <a:cs typeface="Segoe UI" panose="020B0502040204020203" pitchFamily="34" charset="0"/>
-              </a:defRPr>
-            </a:lvl1pPr>
-            <a:lvl2pPr marL="347472" indent="-342900" algn="l" defTabSz="914400" rtl="0" eaLnBrk="1" latinLnBrk="0" hangingPunct="1">
-              <a:lnSpc>
-                <a:spcPct val="85000"/>
-              </a:lnSpc>
-              <a:spcBef>
-                <a:spcPts val="600"/>
-              </a:spcBef>
-              <a:buFont typeface="Arial" pitchFamily="34" charset="0"/>
-              <a:buChar char=" "/>
-              <a:defRPr sz="2400" kern="1200">
-                <a:solidFill>
-                  <a:schemeClr val="tx1">
-                    <a:lumMod val="85000"/>
-                    <a:lumOff val="15000"/>
-                  </a:schemeClr>
-                </a:solidFill>
-                <a:latin typeface="Segoe UI" panose="020B0502040204020203" pitchFamily="34" charset="0"/>
-                <a:ea typeface="+mn-ea"/>
-                <a:cs typeface="Segoe UI" panose="020B0502040204020203" pitchFamily="34" charset="0"/>
-              </a:defRPr>
-            </a:lvl2pPr>
-            <a:lvl3pPr marL="548640" indent="-548640" algn="l" defTabSz="914400" rtl="0" eaLnBrk="1" latinLnBrk="0" hangingPunct="1">
-              <a:lnSpc>
-                <a:spcPct val="85000"/>
-              </a:lnSpc>
-              <a:spcBef>
-                <a:spcPts val="600"/>
-              </a:spcBef>
-              <a:buFont typeface="Arial" pitchFamily="34" charset="0"/>
-              <a:buChar char=" "/>
-              <a:defRPr sz="2000" i="1" kern="1200">
-                <a:solidFill>
-                  <a:schemeClr val="tx1">
-                    <a:lumMod val="85000"/>
-                    <a:lumOff val="15000"/>
-                  </a:schemeClr>
-                </a:solidFill>
-                <a:latin typeface="Segoe UI" panose="020B0502040204020203" pitchFamily="34" charset="0"/>
-                <a:ea typeface="+mn-ea"/>
-                <a:cs typeface="Segoe UI" panose="020B0502040204020203" pitchFamily="34" charset="0"/>
-              </a:defRPr>
-            </a:lvl3pPr>
-            <a:lvl4pPr marL="822960" indent="-822960" algn="l" defTabSz="914400" rtl="0" eaLnBrk="1" latinLnBrk="0" hangingPunct="1">
-              <a:lnSpc>
-                <a:spcPct val="85000"/>
-              </a:lnSpc>
-              <a:spcBef>
-                <a:spcPts val="600"/>
-              </a:spcBef>
-              <a:buFont typeface="Arial" pitchFamily="34" charset="0"/>
-              <a:buChar char=" "/>
-              <a:defRPr sz="1800" kern="1200">
-                <a:solidFill>
-                  <a:schemeClr val="tx1">
-                    <a:lumMod val="85000"/>
-                    <a:lumOff val="15000"/>
-                  </a:schemeClr>
-                </a:solidFill>
-                <a:latin typeface="Segoe UI" panose="020B0502040204020203" pitchFamily="34" charset="0"/>
-                <a:ea typeface="+mn-ea"/>
-                <a:cs typeface="Segoe UI" panose="020B0502040204020203" pitchFamily="34" charset="0"/>
-              </a:defRPr>
-            </a:lvl4pPr>
-            <a:lvl5pPr marL="1097280" indent="-1097280" algn="l" defTabSz="914400" rtl="0" eaLnBrk="1" latinLnBrk="0" hangingPunct="1">
-              <a:lnSpc>
-                <a:spcPct val="85000"/>
-              </a:lnSpc>
-              <a:spcBef>
-                <a:spcPts val="600"/>
-              </a:spcBef>
-              <a:buFont typeface="Arial" pitchFamily="34" charset="0"/>
-              <a:buChar char=" "/>
-              <a:defRPr sz="1800" kern="1200">
-                <a:solidFill>
-                  <a:schemeClr val="tx1">
-                    <a:lumMod val="85000"/>
-                    <a:lumOff val="15000"/>
-                  </a:schemeClr>
-                </a:solidFill>
-                <a:latin typeface="Segoe UI" panose="020B0502040204020203" pitchFamily="34" charset="0"/>
-                <a:ea typeface="+mn-ea"/>
-                <a:cs typeface="Segoe UI" panose="020B0502040204020203" pitchFamily="34" charset="0"/>
-              </a:defRPr>
-            </a:lvl5pPr>
-            <a:lvl6pPr marL="1200000" indent="-228600" algn="l" defTabSz="914400" rtl="0" eaLnBrk="1" latinLnBrk="0" hangingPunct="1">
-              <a:lnSpc>
-                <a:spcPct val="85000"/>
-              </a:lnSpc>
-              <a:spcBef>
-                <a:spcPts val="600"/>
-              </a:spcBef>
-              <a:buFont typeface="Arial" pitchFamily="34" charset="0"/>
-              <a:buChar char=" "/>
-              <a:defRPr sz="1800" kern="1200">
-                <a:solidFill>
-                  <a:schemeClr val="tx1">
-                    <a:lumMod val="85000"/>
-                    <a:lumOff val="15000"/>
-                  </a:schemeClr>
-                </a:solidFill>
-                <a:latin typeface="+mn-lt"/>
-                <a:ea typeface="+mn-ea"/>
-                <a:cs typeface="+mn-cs"/>
-              </a:defRPr>
-            </a:lvl6pPr>
-            <a:lvl7pPr marL="1400000" indent="-228600" algn="l" defTabSz="914400" rtl="0" eaLnBrk="1" latinLnBrk="0" hangingPunct="1">
-              <a:lnSpc>
-                <a:spcPct val="85000"/>
-              </a:lnSpc>
-              <a:spcBef>
-                <a:spcPts val="600"/>
-              </a:spcBef>
-              <a:buFont typeface="Arial" pitchFamily="34" charset="0"/>
-              <a:buChar char=" "/>
-              <a:defRPr sz="1800" kern="1200">
-                <a:solidFill>
-                  <a:schemeClr val="tx1">
-                    <a:lumMod val="85000"/>
-                    <a:lumOff val="15000"/>
-                  </a:schemeClr>
-                </a:solidFill>
-                <a:latin typeface="+mn-lt"/>
-                <a:ea typeface="+mn-ea"/>
-                <a:cs typeface="+mn-cs"/>
-              </a:defRPr>
-            </a:lvl7pPr>
-            <a:lvl8pPr marL="1600000" indent="-228600" algn="l" defTabSz="914400" rtl="0" eaLnBrk="1" latinLnBrk="0" hangingPunct="1">
-              <a:lnSpc>
-                <a:spcPct val="85000"/>
-              </a:lnSpc>
-              <a:spcBef>
-                <a:spcPts val="600"/>
-              </a:spcBef>
-              <a:buFont typeface="Arial" pitchFamily="34" charset="0"/>
-              <a:buChar char=" "/>
-              <a:defRPr sz="1800" kern="1200">
-                <a:solidFill>
-                  <a:schemeClr val="tx1">
-                    <a:lumMod val="85000"/>
-                    <a:lumOff val="15000"/>
-                  </a:schemeClr>
-                </a:solidFill>
-                <a:latin typeface="+mn-lt"/>
-                <a:ea typeface="+mn-ea"/>
-                <a:cs typeface="+mn-cs"/>
-              </a:defRPr>
-            </a:lvl8pPr>
-            <a:lvl9pPr marL="1800000" indent="-228600" algn="l" defTabSz="914400" rtl="0" eaLnBrk="1" latinLnBrk="0" hangingPunct="1">
-              <a:lnSpc>
-                <a:spcPct val="85000"/>
-              </a:lnSpc>
-              <a:spcBef>
-                <a:spcPts val="600"/>
-              </a:spcBef>
-              <a:buFont typeface="Arial" pitchFamily="34" charset="0"/>
-              <a:buChar char=" "/>
-              <a:defRPr sz="1800" kern="1200">
-                <a:solidFill>
-                  <a:schemeClr val="tx1">
-                    <a:lumMod val="85000"/>
-                    <a:lumOff val="15000"/>
-                  </a:schemeClr>
-                </a:solidFill>
-                <a:latin typeface="+mn-lt"/>
-                <a:ea typeface="+mn-ea"/>
-                <a:cs typeface="+mn-cs"/>
-              </a:defRPr>
-            </a:lvl9pPr>
-          </a:lstStyle>
-          <a:p>
-            <a:pPr marL="0" indent="0">
-              <a:buNone/>
-              <a:tabLst>
-                <a:tab pos="233363" algn="ctr"/>
-                <a:tab pos="457200" algn="l"/>
-              </a:tabLst>
-            </a:pPr>
-            <a:r>
-              <a:rPr lang="en-US" sz="2000" dirty="0">
-                <a:solidFill>
-                  <a:srgbClr val="333333"/>
-                </a:solidFill>
-                <a:latin typeface="FontAwesome" pitchFamily="2" charset="0"/>
-              </a:rPr>
-              <a:t>	</a:t>
-            </a:r>
-            <a:r>
-              <a:rPr lang="en-US" sz="2000" dirty="0">
-                <a:latin typeface="FontAwesome" pitchFamily="2" charset="0"/>
-              </a:rPr>
-              <a:t>	</a:t>
-            </a:r>
-            <a:r>
-              <a:rPr lang="en-US" sz="2000" dirty="0"/>
-              <a:t>jtower@trailheadtechnology.com</a:t>
-            </a:r>
-          </a:p>
-          <a:p>
-            <a:pPr marL="0" indent="0">
-              <a:buNone/>
-              <a:tabLst>
-                <a:tab pos="233363" algn="ctr"/>
-                <a:tab pos="457200" algn="l"/>
-              </a:tabLst>
-            </a:pPr>
-            <a:r>
-              <a:rPr lang="en-US" sz="2000" dirty="0">
-                <a:latin typeface="FontAwesome" pitchFamily="2" charset="0"/>
-              </a:rPr>
-              <a:t>		</a:t>
-            </a:r>
-            <a:r>
-              <a:rPr lang="en-US" sz="2000" dirty="0"/>
-              <a:t>trailheadtechnology.com/blog</a:t>
-            </a:r>
-          </a:p>
-          <a:p>
-            <a:pPr marL="0" indent="0">
-              <a:buNone/>
-              <a:tabLst>
-                <a:tab pos="233363" algn="ctr"/>
-                <a:tab pos="457200" algn="l"/>
-              </a:tabLst>
-            </a:pPr>
-            <a:r>
-              <a:rPr lang="en-US" sz="2000" dirty="0">
-                <a:latin typeface="FontAwesome" pitchFamily="2" charset="0"/>
-              </a:rPr>
-              <a:t>		</a:t>
-            </a:r>
-            <a:r>
-              <a:rPr lang="en-US" sz="2000" dirty="0" err="1"/>
-              <a:t>jtowermi</a:t>
-            </a:r>
-            <a:endParaRPr lang="en-US" sz="2000" dirty="0"/>
-          </a:p>
-          <a:p>
-            <a:pPr>
-              <a:tabLst>
-                <a:tab pos="233363" algn="ctr"/>
-                <a:tab pos="457200" algn="l"/>
-              </a:tabLst>
-            </a:pPr>
-            <a:endParaRPr lang="en-US" sz="2000" dirty="0"/>
-          </a:p>
-        </p:txBody>
-      </p:sp>
-      <p:sp>
-        <p:nvSpPr>
-          <p:cNvPr id="7" name="Content Placeholder 2"/>
-          <p:cNvSpPr txBox="1">
-            <a:spLocks/>
-          </p:cNvSpPr>
-          <p:nvPr/>
-        </p:nvSpPr>
-        <p:spPr>
-          <a:xfrm>
-            <a:off x="657224" y="4333247"/>
-            <a:ext cx="5293765" cy="1345294"/>
-          </a:xfrm>
-          <a:prstGeom prst="rect">
-            <a:avLst/>
-          </a:prstGeom>
-        </p:spPr>
-        <p:txBody>
-          <a:bodyPr vert="horz" lIns="91440" tIns="45720" rIns="91440" bIns="45720" rtlCol="0">
-            <a:normAutofit/>
-          </a:bodyPr>
-          <a:lstStyle>
-            <a:lvl1pPr marL="91440" indent="-91440" algn="l" defTabSz="914400" rtl="0" eaLnBrk="1" latinLnBrk="0" hangingPunct="1">
-              <a:lnSpc>
-                <a:spcPct val="85000"/>
-              </a:lnSpc>
-              <a:spcBef>
-                <a:spcPts val="1300"/>
-              </a:spcBef>
-              <a:buFont typeface="Arial" pitchFamily="34" charset="0"/>
-              <a:buChar char=" "/>
-              <a:defRPr sz="2400" kern="1200">
-                <a:solidFill>
-                  <a:schemeClr val="tx1">
-                    <a:lumMod val="85000"/>
-                    <a:lumOff val="15000"/>
-                  </a:schemeClr>
-                </a:solidFill>
-                <a:latin typeface="Segoe UI" panose="020B0502040204020203" pitchFamily="34" charset="0"/>
-                <a:ea typeface="+mn-ea"/>
-                <a:cs typeface="Segoe UI" panose="020B0502040204020203" pitchFamily="34" charset="0"/>
-              </a:defRPr>
-            </a:lvl1pPr>
-            <a:lvl2pPr marL="347472" indent="-342900" algn="l" defTabSz="914400" rtl="0" eaLnBrk="1" latinLnBrk="0" hangingPunct="1">
-              <a:lnSpc>
-                <a:spcPct val="85000"/>
-              </a:lnSpc>
-              <a:spcBef>
-                <a:spcPts val="600"/>
-              </a:spcBef>
-              <a:buFont typeface="Arial" pitchFamily="34" charset="0"/>
-              <a:buChar char=" "/>
-              <a:defRPr sz="2400" kern="1200">
-                <a:solidFill>
-                  <a:schemeClr val="tx1">
-                    <a:lumMod val="85000"/>
-                    <a:lumOff val="15000"/>
-                  </a:schemeClr>
-                </a:solidFill>
-                <a:latin typeface="Segoe UI" panose="020B0502040204020203" pitchFamily="34" charset="0"/>
-                <a:ea typeface="+mn-ea"/>
-                <a:cs typeface="Segoe UI" panose="020B0502040204020203" pitchFamily="34" charset="0"/>
-              </a:defRPr>
-            </a:lvl2pPr>
-            <a:lvl3pPr marL="548640" indent="-548640" algn="l" defTabSz="914400" rtl="0" eaLnBrk="1" latinLnBrk="0" hangingPunct="1">
-              <a:lnSpc>
-                <a:spcPct val="85000"/>
-              </a:lnSpc>
-              <a:spcBef>
-                <a:spcPts val="600"/>
-              </a:spcBef>
-              <a:buFont typeface="Arial" pitchFamily="34" charset="0"/>
-              <a:buChar char=" "/>
-              <a:defRPr sz="2000" i="1" kern="1200">
-                <a:solidFill>
-                  <a:schemeClr val="tx1">
-                    <a:lumMod val="85000"/>
-                    <a:lumOff val="15000"/>
-                  </a:schemeClr>
-                </a:solidFill>
-                <a:latin typeface="Segoe UI" panose="020B0502040204020203" pitchFamily="34" charset="0"/>
-                <a:ea typeface="+mn-ea"/>
-                <a:cs typeface="Segoe UI" panose="020B0502040204020203" pitchFamily="34" charset="0"/>
-              </a:defRPr>
-            </a:lvl3pPr>
-            <a:lvl4pPr marL="822960" indent="-822960" algn="l" defTabSz="914400" rtl="0" eaLnBrk="1" latinLnBrk="0" hangingPunct="1">
-              <a:lnSpc>
-                <a:spcPct val="85000"/>
-              </a:lnSpc>
-              <a:spcBef>
-                <a:spcPts val="600"/>
-              </a:spcBef>
-              <a:buFont typeface="Arial" pitchFamily="34" charset="0"/>
-              <a:buChar char=" "/>
-              <a:defRPr sz="1800" kern="1200">
-                <a:solidFill>
-                  <a:schemeClr val="tx1">
-                    <a:lumMod val="85000"/>
-                    <a:lumOff val="15000"/>
-                  </a:schemeClr>
-                </a:solidFill>
-                <a:latin typeface="Segoe UI" panose="020B0502040204020203" pitchFamily="34" charset="0"/>
-                <a:ea typeface="+mn-ea"/>
-                <a:cs typeface="Segoe UI" panose="020B0502040204020203" pitchFamily="34" charset="0"/>
-              </a:defRPr>
-            </a:lvl4pPr>
-            <a:lvl5pPr marL="1097280" indent="-1097280" algn="l" defTabSz="914400" rtl="0" eaLnBrk="1" latinLnBrk="0" hangingPunct="1">
-              <a:lnSpc>
-                <a:spcPct val="85000"/>
-              </a:lnSpc>
-              <a:spcBef>
-                <a:spcPts val="600"/>
-              </a:spcBef>
-              <a:buFont typeface="Arial" pitchFamily="34" charset="0"/>
-              <a:buChar char=" "/>
-              <a:defRPr sz="1800" kern="1200">
-                <a:solidFill>
-                  <a:schemeClr val="tx1">
-                    <a:lumMod val="85000"/>
-                    <a:lumOff val="15000"/>
-                  </a:schemeClr>
-                </a:solidFill>
-                <a:latin typeface="Segoe UI" panose="020B0502040204020203" pitchFamily="34" charset="0"/>
-                <a:ea typeface="+mn-ea"/>
-                <a:cs typeface="Segoe UI" panose="020B0502040204020203" pitchFamily="34" charset="0"/>
-              </a:defRPr>
-            </a:lvl5pPr>
-            <a:lvl6pPr marL="1200000" indent="-228600" algn="l" defTabSz="914400" rtl="0" eaLnBrk="1" latinLnBrk="0" hangingPunct="1">
-              <a:lnSpc>
-                <a:spcPct val="85000"/>
-              </a:lnSpc>
-              <a:spcBef>
-                <a:spcPts val="600"/>
-              </a:spcBef>
-              <a:buFont typeface="Arial" pitchFamily="34" charset="0"/>
-              <a:buChar char=" "/>
-              <a:defRPr sz="1800" kern="1200">
-                <a:solidFill>
-                  <a:schemeClr val="tx1">
-                    <a:lumMod val="85000"/>
-                    <a:lumOff val="15000"/>
-                  </a:schemeClr>
-                </a:solidFill>
-                <a:latin typeface="+mn-lt"/>
-                <a:ea typeface="+mn-ea"/>
-                <a:cs typeface="+mn-cs"/>
-              </a:defRPr>
-            </a:lvl6pPr>
-            <a:lvl7pPr marL="1400000" indent="-228600" algn="l" defTabSz="914400" rtl="0" eaLnBrk="1" latinLnBrk="0" hangingPunct="1">
-              <a:lnSpc>
-                <a:spcPct val="85000"/>
-              </a:lnSpc>
-              <a:spcBef>
-                <a:spcPts val="600"/>
-              </a:spcBef>
-              <a:buFont typeface="Arial" pitchFamily="34" charset="0"/>
-              <a:buChar char=" "/>
-              <a:defRPr sz="1800" kern="1200">
-                <a:solidFill>
-                  <a:schemeClr val="tx1">
-                    <a:lumMod val="85000"/>
-                    <a:lumOff val="15000"/>
-                  </a:schemeClr>
-                </a:solidFill>
-                <a:latin typeface="+mn-lt"/>
-                <a:ea typeface="+mn-ea"/>
-                <a:cs typeface="+mn-cs"/>
-              </a:defRPr>
-            </a:lvl7pPr>
-            <a:lvl8pPr marL="1600000" indent="-228600" algn="l" defTabSz="914400" rtl="0" eaLnBrk="1" latinLnBrk="0" hangingPunct="1">
-              <a:lnSpc>
-                <a:spcPct val="85000"/>
-              </a:lnSpc>
-              <a:spcBef>
-                <a:spcPts val="600"/>
-              </a:spcBef>
-              <a:buFont typeface="Arial" pitchFamily="34" charset="0"/>
-              <a:buChar char=" "/>
-              <a:defRPr sz="1800" kern="1200">
-                <a:solidFill>
-                  <a:schemeClr val="tx1">
-                    <a:lumMod val="85000"/>
-                    <a:lumOff val="15000"/>
-                  </a:schemeClr>
-                </a:solidFill>
-                <a:latin typeface="+mn-lt"/>
-                <a:ea typeface="+mn-ea"/>
-                <a:cs typeface="+mn-cs"/>
-              </a:defRPr>
-            </a:lvl8pPr>
-            <a:lvl9pPr marL="1800000" indent="-228600" algn="l" defTabSz="914400" rtl="0" eaLnBrk="1" latinLnBrk="0" hangingPunct="1">
-              <a:lnSpc>
-                <a:spcPct val="85000"/>
-              </a:lnSpc>
-              <a:spcBef>
-                <a:spcPts val="600"/>
-              </a:spcBef>
-              <a:buFont typeface="Arial" pitchFamily="34" charset="0"/>
-              <a:buChar char=" "/>
-              <a:defRPr sz="1800" kern="1200">
-                <a:solidFill>
-                  <a:schemeClr val="tx1">
-                    <a:lumMod val="85000"/>
-                    <a:lumOff val="15000"/>
-                  </a:schemeClr>
-                </a:solidFill>
-                <a:latin typeface="+mn-lt"/>
-                <a:ea typeface="+mn-ea"/>
-                <a:cs typeface="+mn-cs"/>
-              </a:defRPr>
-            </a:lvl9pPr>
-          </a:lstStyle>
-          <a:p>
-            <a:pPr marL="4572" lvl="1" indent="0">
-              <a:spcBef>
-                <a:spcPts val="1300"/>
-              </a:spcBef>
-              <a:buNone/>
-              <a:tabLst>
-                <a:tab pos="233363" algn="ctr"/>
-                <a:tab pos="457200" algn="l"/>
-              </a:tabLst>
-            </a:pPr>
-            <a:r>
-              <a:rPr lang="en-US" sz="2000" dirty="0">
-                <a:latin typeface="FontAwesome" pitchFamily="2" charset="0"/>
-              </a:rPr>
-              <a:t>		</a:t>
-            </a:r>
-            <a:r>
-              <a:rPr lang="en-US" sz="2000" dirty="0"/>
-              <a:t>Microsoft MVP in ASP.NET</a:t>
-            </a:r>
-          </a:p>
-          <a:p>
-            <a:pPr marL="4572" lvl="1" indent="0">
-              <a:spcBef>
-                <a:spcPts val="1300"/>
-              </a:spcBef>
-              <a:buNone/>
-              <a:tabLst>
-                <a:tab pos="233363" algn="ctr"/>
-                <a:tab pos="457200" algn="l"/>
-              </a:tabLst>
-            </a:pPr>
-            <a:r>
-              <a:rPr lang="en-US" sz="2000" dirty="0">
-                <a:latin typeface="FontAwesome" pitchFamily="2" charset="0"/>
-              </a:rPr>
-              <a:t>		</a:t>
-            </a:r>
-            <a:r>
-              <a:rPr lang="en-US" sz="2000" dirty="0" err="1"/>
-              <a:t>Telerik</a:t>
-            </a:r>
-            <a:r>
-              <a:rPr lang="en-US" sz="2000" dirty="0"/>
-              <a:t>/Progress Developer Expert</a:t>
-            </a:r>
-          </a:p>
-          <a:p>
-            <a:pPr marL="0" indent="0">
-              <a:buNone/>
-              <a:tabLst>
-                <a:tab pos="233363" algn="ctr"/>
-                <a:tab pos="457200" algn="l"/>
-              </a:tabLst>
-            </a:pPr>
-            <a:r>
-              <a:rPr lang="en-US" sz="2000" dirty="0">
-                <a:latin typeface="FontAwesome" pitchFamily="2" charset="0"/>
-              </a:rPr>
-              <a:t>		</a:t>
-            </a:r>
-            <a:r>
-              <a:rPr lang="en-US" sz="2000" dirty="0"/>
-              <a:t>Organizer of Beer City Code</a:t>
-            </a:r>
-          </a:p>
-        </p:txBody>
-      </p:sp>
-      <p:sp>
-        <p:nvSpPr>
           <p:cNvPr id="8" name="Title 1"/>
           <p:cNvSpPr txBox="1">
             <a:spLocks/>
@@ -38696,6 +38911,7 @@
             </a:lvl1pPr>
           </a:lstStyle>
           <a:p>
+            <a:pPr algn="ctr"/>
             <a:r>
               <a:rPr lang="en-US" sz="3200" dirty="0"/>
               <a:t>github.com/</a:t>
@@ -38710,11 +38926,663 @@
             </a:r>
             <a:r>
               <a:rPr lang="en-US" sz="3200" dirty="0" err="1"/>
-              <a:t>aspnet</a:t>
+              <a:t>dotnet</a:t>
             </a:r>
             <a:r>
               <a:rPr lang="en-US" sz="3200" dirty="0"/>
-              <a:t>-core-di</a:t>
+              <a:t>-standard</a:t>
+            </a:r>
+          </a:p>
+        </p:txBody>
+      </p:sp>
+      <p:sp>
+        <p:nvSpPr>
+          <p:cNvPr id="9" name="Content Placeholder 2">
+            <a:extLst>
+              <a:ext uri="{FF2B5EF4-FFF2-40B4-BE49-F238E27FC236}">
+                <a16:creationId xmlns:a16="http://schemas.microsoft.com/office/drawing/2014/main" id="{C832F28C-B428-4F0C-B7FD-F434DD7C9BF2}"/>
+              </a:ext>
+            </a:extLst>
+          </p:cNvPr>
+          <p:cNvSpPr txBox="1">
+            <a:spLocks/>
+          </p:cNvSpPr>
+          <p:nvPr/>
+        </p:nvSpPr>
+        <p:spPr>
+          <a:xfrm>
+            <a:off x="6102614" y="4172089"/>
+            <a:ext cx="5293765" cy="1345294"/>
+          </a:xfrm>
+          <a:prstGeom prst="rect">
+            <a:avLst/>
+          </a:prstGeom>
+        </p:spPr>
+        <p:txBody>
+          <a:bodyPr vert="horz" lIns="91440" tIns="45720" rIns="91440" bIns="45720" rtlCol="0">
+            <a:normAutofit/>
+          </a:bodyPr>
+          <a:lstStyle>
+            <a:lvl1pPr marL="91440" indent="-91440" algn="l" defTabSz="914400" rtl="0" eaLnBrk="1" latinLnBrk="0" hangingPunct="1">
+              <a:lnSpc>
+                <a:spcPct val="85000"/>
+              </a:lnSpc>
+              <a:spcBef>
+                <a:spcPts val="1300"/>
+              </a:spcBef>
+              <a:buFont typeface="Arial" pitchFamily="34" charset="0"/>
+              <a:buChar char=" "/>
+              <a:defRPr sz="2400" kern="1200">
+                <a:solidFill>
+                  <a:schemeClr val="tx1">
+                    <a:lumMod val="85000"/>
+                    <a:lumOff val="15000"/>
+                  </a:schemeClr>
+                </a:solidFill>
+                <a:latin typeface="Segoe UI" panose="020B0502040204020203" pitchFamily="34" charset="0"/>
+                <a:ea typeface="+mn-ea"/>
+                <a:cs typeface="Segoe UI" panose="020B0502040204020203" pitchFamily="34" charset="0"/>
+              </a:defRPr>
+            </a:lvl1pPr>
+            <a:lvl2pPr marL="347472" indent="-342900" algn="l" defTabSz="914400" rtl="0" eaLnBrk="1" latinLnBrk="0" hangingPunct="1">
+              <a:lnSpc>
+                <a:spcPct val="85000"/>
+              </a:lnSpc>
+              <a:spcBef>
+                <a:spcPts val="600"/>
+              </a:spcBef>
+              <a:buFont typeface="Arial" pitchFamily="34" charset="0"/>
+              <a:buChar char=" "/>
+              <a:defRPr sz="2400" kern="1200">
+                <a:solidFill>
+                  <a:schemeClr val="tx1">
+                    <a:lumMod val="85000"/>
+                    <a:lumOff val="15000"/>
+                  </a:schemeClr>
+                </a:solidFill>
+                <a:latin typeface="Segoe UI" panose="020B0502040204020203" pitchFamily="34" charset="0"/>
+                <a:ea typeface="+mn-ea"/>
+                <a:cs typeface="Segoe UI" panose="020B0502040204020203" pitchFamily="34" charset="0"/>
+              </a:defRPr>
+            </a:lvl2pPr>
+            <a:lvl3pPr marL="548640" indent="-548640" algn="l" defTabSz="914400" rtl="0" eaLnBrk="1" latinLnBrk="0" hangingPunct="1">
+              <a:lnSpc>
+                <a:spcPct val="85000"/>
+              </a:lnSpc>
+              <a:spcBef>
+                <a:spcPts val="600"/>
+              </a:spcBef>
+              <a:buFont typeface="Arial" pitchFamily="34" charset="0"/>
+              <a:buChar char=" "/>
+              <a:defRPr sz="2000" i="1" kern="1200">
+                <a:solidFill>
+                  <a:schemeClr val="tx1">
+                    <a:lumMod val="85000"/>
+                    <a:lumOff val="15000"/>
+                  </a:schemeClr>
+                </a:solidFill>
+                <a:latin typeface="Segoe UI" panose="020B0502040204020203" pitchFamily="34" charset="0"/>
+                <a:ea typeface="+mn-ea"/>
+                <a:cs typeface="Segoe UI" panose="020B0502040204020203" pitchFamily="34" charset="0"/>
+              </a:defRPr>
+            </a:lvl3pPr>
+            <a:lvl4pPr marL="822960" indent="-822960" algn="l" defTabSz="914400" rtl="0" eaLnBrk="1" latinLnBrk="0" hangingPunct="1">
+              <a:lnSpc>
+                <a:spcPct val="85000"/>
+              </a:lnSpc>
+              <a:spcBef>
+                <a:spcPts val="600"/>
+              </a:spcBef>
+              <a:buFont typeface="Arial" pitchFamily="34" charset="0"/>
+              <a:buChar char=" "/>
+              <a:defRPr sz="1800" kern="1200">
+                <a:solidFill>
+                  <a:schemeClr val="tx1">
+                    <a:lumMod val="85000"/>
+                    <a:lumOff val="15000"/>
+                  </a:schemeClr>
+                </a:solidFill>
+                <a:latin typeface="Segoe UI" panose="020B0502040204020203" pitchFamily="34" charset="0"/>
+                <a:ea typeface="+mn-ea"/>
+                <a:cs typeface="Segoe UI" panose="020B0502040204020203" pitchFamily="34" charset="0"/>
+              </a:defRPr>
+            </a:lvl4pPr>
+            <a:lvl5pPr marL="1097280" indent="-1097280" algn="l" defTabSz="914400" rtl="0" eaLnBrk="1" latinLnBrk="0" hangingPunct="1">
+              <a:lnSpc>
+                <a:spcPct val="85000"/>
+              </a:lnSpc>
+              <a:spcBef>
+                <a:spcPts val="600"/>
+              </a:spcBef>
+              <a:buFont typeface="Arial" pitchFamily="34" charset="0"/>
+              <a:buChar char=" "/>
+              <a:defRPr sz="1800" kern="1200">
+                <a:solidFill>
+                  <a:schemeClr val="tx1">
+                    <a:lumMod val="85000"/>
+                    <a:lumOff val="15000"/>
+                  </a:schemeClr>
+                </a:solidFill>
+                <a:latin typeface="Segoe UI" panose="020B0502040204020203" pitchFamily="34" charset="0"/>
+                <a:ea typeface="+mn-ea"/>
+                <a:cs typeface="Segoe UI" panose="020B0502040204020203" pitchFamily="34" charset="0"/>
+              </a:defRPr>
+            </a:lvl5pPr>
+            <a:lvl6pPr marL="1200000" indent="-228600" algn="l" defTabSz="914400" rtl="0" eaLnBrk="1" latinLnBrk="0" hangingPunct="1">
+              <a:lnSpc>
+                <a:spcPct val="85000"/>
+              </a:lnSpc>
+              <a:spcBef>
+                <a:spcPts val="600"/>
+              </a:spcBef>
+              <a:buFont typeface="Arial" pitchFamily="34" charset="0"/>
+              <a:buChar char=" "/>
+              <a:defRPr sz="1800" kern="1200">
+                <a:solidFill>
+                  <a:schemeClr val="tx1">
+                    <a:lumMod val="85000"/>
+                    <a:lumOff val="15000"/>
+                  </a:schemeClr>
+                </a:solidFill>
+                <a:latin typeface="+mn-lt"/>
+                <a:ea typeface="+mn-ea"/>
+                <a:cs typeface="+mn-cs"/>
+              </a:defRPr>
+            </a:lvl6pPr>
+            <a:lvl7pPr marL="1400000" indent="-228600" algn="l" defTabSz="914400" rtl="0" eaLnBrk="1" latinLnBrk="0" hangingPunct="1">
+              <a:lnSpc>
+                <a:spcPct val="85000"/>
+              </a:lnSpc>
+              <a:spcBef>
+                <a:spcPts val="600"/>
+              </a:spcBef>
+              <a:buFont typeface="Arial" pitchFamily="34" charset="0"/>
+              <a:buChar char=" "/>
+              <a:defRPr sz="1800" kern="1200">
+                <a:solidFill>
+                  <a:schemeClr val="tx1">
+                    <a:lumMod val="85000"/>
+                    <a:lumOff val="15000"/>
+                  </a:schemeClr>
+                </a:solidFill>
+                <a:latin typeface="+mn-lt"/>
+                <a:ea typeface="+mn-ea"/>
+                <a:cs typeface="+mn-cs"/>
+              </a:defRPr>
+            </a:lvl7pPr>
+            <a:lvl8pPr marL="1600000" indent="-228600" algn="l" defTabSz="914400" rtl="0" eaLnBrk="1" latinLnBrk="0" hangingPunct="1">
+              <a:lnSpc>
+                <a:spcPct val="85000"/>
+              </a:lnSpc>
+              <a:spcBef>
+                <a:spcPts val="600"/>
+              </a:spcBef>
+              <a:buFont typeface="Arial" pitchFamily="34" charset="0"/>
+              <a:buChar char=" "/>
+              <a:defRPr sz="1800" kern="1200">
+                <a:solidFill>
+                  <a:schemeClr val="tx1">
+                    <a:lumMod val="85000"/>
+                    <a:lumOff val="15000"/>
+                  </a:schemeClr>
+                </a:solidFill>
+                <a:latin typeface="+mn-lt"/>
+                <a:ea typeface="+mn-ea"/>
+                <a:cs typeface="+mn-cs"/>
+              </a:defRPr>
+            </a:lvl8pPr>
+            <a:lvl9pPr marL="1800000" indent="-228600" algn="l" defTabSz="914400" rtl="0" eaLnBrk="1" latinLnBrk="0" hangingPunct="1">
+              <a:lnSpc>
+                <a:spcPct val="85000"/>
+              </a:lnSpc>
+              <a:spcBef>
+                <a:spcPts val="600"/>
+              </a:spcBef>
+              <a:buFont typeface="Arial" pitchFamily="34" charset="0"/>
+              <a:buChar char=" "/>
+              <a:defRPr sz="1800" kern="1200">
+                <a:solidFill>
+                  <a:schemeClr val="tx1">
+                    <a:lumMod val="85000"/>
+                    <a:lumOff val="15000"/>
+                  </a:schemeClr>
+                </a:solidFill>
+                <a:latin typeface="+mn-lt"/>
+                <a:ea typeface="+mn-ea"/>
+                <a:cs typeface="+mn-cs"/>
+              </a:defRPr>
+            </a:lvl9pPr>
+          </a:lstStyle>
+          <a:p>
+            <a:pPr marL="0" indent="0">
+              <a:buNone/>
+              <a:tabLst>
+                <a:tab pos="233363" algn="ctr"/>
+                <a:tab pos="457200" algn="l"/>
+              </a:tabLst>
+            </a:pPr>
+            <a:r>
+              <a:rPr lang="en-US" sz="2000" dirty="0">
+                <a:solidFill>
+                  <a:srgbClr val="333333"/>
+                </a:solidFill>
+                <a:latin typeface="FontAwesome" pitchFamily="2" charset="0"/>
+              </a:rPr>
+              <a:t>	</a:t>
+            </a:r>
+            <a:r>
+              <a:rPr lang="en-US" sz="2000" dirty="0">
+                <a:solidFill>
+                  <a:srgbClr val="333333"/>
+                </a:solidFill>
+                <a:latin typeface="Font Awesome 5 Free Solid" panose="02000503000000000000" pitchFamily="50" charset="0"/>
+              </a:rPr>
+              <a:t></a:t>
+            </a:r>
+            <a:r>
+              <a:rPr lang="en-US" sz="2000" dirty="0">
+                <a:latin typeface="FontAwesome" pitchFamily="2" charset="0"/>
+              </a:rPr>
+              <a:t>	</a:t>
+            </a:r>
+            <a:r>
+              <a:rPr lang="en-US" sz="2000" dirty="0"/>
+              <a:t>jtower@trailheadtechnology.com</a:t>
+            </a:r>
+          </a:p>
+          <a:p>
+            <a:pPr marL="0" indent="0">
+              <a:buNone/>
+              <a:tabLst>
+                <a:tab pos="233363" algn="ctr"/>
+                <a:tab pos="457200" algn="l"/>
+              </a:tabLst>
+            </a:pPr>
+            <a:r>
+              <a:rPr lang="en-US" sz="2000" dirty="0">
+                <a:latin typeface="FontAwesome" pitchFamily="2" charset="0"/>
+              </a:rPr>
+              <a:t>	</a:t>
+            </a:r>
+            <a:r>
+              <a:rPr lang="en-US" sz="2000" dirty="0">
+                <a:latin typeface="Font Awesome 5 Free Solid" panose="02000503000000000000" pitchFamily="50" charset="0"/>
+              </a:rPr>
+              <a:t></a:t>
+            </a:r>
+            <a:r>
+              <a:rPr lang="en-US" sz="2000" dirty="0">
+                <a:latin typeface="FontAwesome" pitchFamily="2" charset="0"/>
+              </a:rPr>
+              <a:t>	</a:t>
+            </a:r>
+            <a:r>
+              <a:rPr lang="en-US" sz="2000" dirty="0"/>
+              <a:t>trailheadtechnology.com/blog</a:t>
+            </a:r>
+          </a:p>
+          <a:p>
+            <a:pPr marL="0" indent="0">
+              <a:buNone/>
+              <a:tabLst>
+                <a:tab pos="233363" algn="ctr"/>
+                <a:tab pos="457200" algn="l"/>
+              </a:tabLst>
+            </a:pPr>
+            <a:r>
+              <a:rPr lang="en-US" sz="2000" dirty="0">
+                <a:latin typeface="FontAwesome" pitchFamily="2" charset="0"/>
+              </a:rPr>
+              <a:t>	</a:t>
+            </a:r>
+            <a:r>
+              <a:rPr lang="en-US" sz="2000" dirty="0">
+                <a:latin typeface="Font Awesome 5 Brands Regular" panose="02000503000000000000" pitchFamily="50" charset="0"/>
+              </a:rPr>
+              <a:t></a:t>
+            </a:r>
+            <a:r>
+              <a:rPr lang="en-US" sz="2000" dirty="0">
+                <a:latin typeface="FontAwesome" pitchFamily="2" charset="0"/>
+              </a:rPr>
+              <a:t>	</a:t>
+            </a:r>
+            <a:r>
+              <a:rPr lang="en-US" sz="2000" dirty="0" err="1"/>
+              <a:t>jtowermi</a:t>
+            </a:r>
+            <a:endParaRPr lang="en-US" sz="2000" dirty="0"/>
+          </a:p>
+          <a:p>
+            <a:pPr>
+              <a:tabLst>
+                <a:tab pos="233363" algn="ctr"/>
+                <a:tab pos="457200" algn="l"/>
+              </a:tabLst>
+            </a:pPr>
+            <a:endParaRPr lang="en-US" sz="2000" dirty="0"/>
+          </a:p>
+        </p:txBody>
+      </p:sp>
+      <p:sp>
+        <p:nvSpPr>
+          <p:cNvPr id="10" name="Content Placeholder 2">
+            <a:extLst>
+              <a:ext uri="{FF2B5EF4-FFF2-40B4-BE49-F238E27FC236}">
+                <a16:creationId xmlns:a16="http://schemas.microsoft.com/office/drawing/2014/main" id="{77D62EA2-68FC-4297-95D8-1E14238444F9}"/>
+              </a:ext>
+            </a:extLst>
+          </p:cNvPr>
+          <p:cNvSpPr txBox="1">
+            <a:spLocks/>
+          </p:cNvSpPr>
+          <p:nvPr/>
+        </p:nvSpPr>
+        <p:spPr>
+          <a:xfrm>
+            <a:off x="623604" y="4172089"/>
+            <a:ext cx="5293765" cy="1345294"/>
+          </a:xfrm>
+          <a:prstGeom prst="rect">
+            <a:avLst/>
+          </a:prstGeom>
+        </p:spPr>
+        <p:txBody>
+          <a:bodyPr vert="horz" lIns="91440" tIns="45720" rIns="91440" bIns="45720" rtlCol="0">
+            <a:normAutofit/>
+          </a:bodyPr>
+          <a:lstStyle>
+            <a:lvl1pPr marL="91440" indent="-91440" algn="l" defTabSz="914400" rtl="0" eaLnBrk="1" latinLnBrk="0" hangingPunct="1">
+              <a:lnSpc>
+                <a:spcPct val="85000"/>
+              </a:lnSpc>
+              <a:spcBef>
+                <a:spcPts val="1300"/>
+              </a:spcBef>
+              <a:buFont typeface="Arial" pitchFamily="34" charset="0"/>
+              <a:buChar char=" "/>
+              <a:defRPr sz="2400" kern="1200">
+                <a:solidFill>
+                  <a:schemeClr val="tx1">
+                    <a:lumMod val="85000"/>
+                    <a:lumOff val="15000"/>
+                  </a:schemeClr>
+                </a:solidFill>
+                <a:latin typeface="Segoe UI" panose="020B0502040204020203" pitchFamily="34" charset="0"/>
+                <a:ea typeface="+mn-ea"/>
+                <a:cs typeface="Segoe UI" panose="020B0502040204020203" pitchFamily="34" charset="0"/>
+              </a:defRPr>
+            </a:lvl1pPr>
+            <a:lvl2pPr marL="347472" indent="-342900" algn="l" defTabSz="914400" rtl="0" eaLnBrk="1" latinLnBrk="0" hangingPunct="1">
+              <a:lnSpc>
+                <a:spcPct val="85000"/>
+              </a:lnSpc>
+              <a:spcBef>
+                <a:spcPts val="600"/>
+              </a:spcBef>
+              <a:buFont typeface="Arial" pitchFamily="34" charset="0"/>
+              <a:buChar char=" "/>
+              <a:defRPr sz="2400" kern="1200">
+                <a:solidFill>
+                  <a:schemeClr val="tx1">
+                    <a:lumMod val="85000"/>
+                    <a:lumOff val="15000"/>
+                  </a:schemeClr>
+                </a:solidFill>
+                <a:latin typeface="Segoe UI" panose="020B0502040204020203" pitchFamily="34" charset="0"/>
+                <a:ea typeface="+mn-ea"/>
+                <a:cs typeface="Segoe UI" panose="020B0502040204020203" pitchFamily="34" charset="0"/>
+              </a:defRPr>
+            </a:lvl2pPr>
+            <a:lvl3pPr marL="548640" indent="-548640" algn="l" defTabSz="914400" rtl="0" eaLnBrk="1" latinLnBrk="0" hangingPunct="1">
+              <a:lnSpc>
+                <a:spcPct val="85000"/>
+              </a:lnSpc>
+              <a:spcBef>
+                <a:spcPts val="600"/>
+              </a:spcBef>
+              <a:buFont typeface="Arial" pitchFamily="34" charset="0"/>
+              <a:buChar char=" "/>
+              <a:defRPr sz="2000" i="1" kern="1200">
+                <a:solidFill>
+                  <a:schemeClr val="tx1">
+                    <a:lumMod val="85000"/>
+                    <a:lumOff val="15000"/>
+                  </a:schemeClr>
+                </a:solidFill>
+                <a:latin typeface="Segoe UI" panose="020B0502040204020203" pitchFamily="34" charset="0"/>
+                <a:ea typeface="+mn-ea"/>
+                <a:cs typeface="Segoe UI" panose="020B0502040204020203" pitchFamily="34" charset="0"/>
+              </a:defRPr>
+            </a:lvl3pPr>
+            <a:lvl4pPr marL="822960" indent="-822960" algn="l" defTabSz="914400" rtl="0" eaLnBrk="1" latinLnBrk="0" hangingPunct="1">
+              <a:lnSpc>
+                <a:spcPct val="85000"/>
+              </a:lnSpc>
+              <a:spcBef>
+                <a:spcPts val="600"/>
+              </a:spcBef>
+              <a:buFont typeface="Arial" pitchFamily="34" charset="0"/>
+              <a:buChar char=" "/>
+              <a:defRPr sz="1800" kern="1200">
+                <a:solidFill>
+                  <a:schemeClr val="tx1">
+                    <a:lumMod val="85000"/>
+                    <a:lumOff val="15000"/>
+                  </a:schemeClr>
+                </a:solidFill>
+                <a:latin typeface="Segoe UI" panose="020B0502040204020203" pitchFamily="34" charset="0"/>
+                <a:ea typeface="+mn-ea"/>
+                <a:cs typeface="Segoe UI" panose="020B0502040204020203" pitchFamily="34" charset="0"/>
+              </a:defRPr>
+            </a:lvl4pPr>
+            <a:lvl5pPr marL="1097280" indent="-1097280" algn="l" defTabSz="914400" rtl="0" eaLnBrk="1" latinLnBrk="0" hangingPunct="1">
+              <a:lnSpc>
+                <a:spcPct val="85000"/>
+              </a:lnSpc>
+              <a:spcBef>
+                <a:spcPts val="600"/>
+              </a:spcBef>
+              <a:buFont typeface="Arial" pitchFamily="34" charset="0"/>
+              <a:buChar char=" "/>
+              <a:defRPr sz="1800" kern="1200">
+                <a:solidFill>
+                  <a:schemeClr val="tx1">
+                    <a:lumMod val="85000"/>
+                    <a:lumOff val="15000"/>
+                  </a:schemeClr>
+                </a:solidFill>
+                <a:latin typeface="Segoe UI" panose="020B0502040204020203" pitchFamily="34" charset="0"/>
+                <a:ea typeface="+mn-ea"/>
+                <a:cs typeface="Segoe UI" panose="020B0502040204020203" pitchFamily="34" charset="0"/>
+              </a:defRPr>
+            </a:lvl5pPr>
+            <a:lvl6pPr marL="1200000" indent="-228600" algn="l" defTabSz="914400" rtl="0" eaLnBrk="1" latinLnBrk="0" hangingPunct="1">
+              <a:lnSpc>
+                <a:spcPct val="85000"/>
+              </a:lnSpc>
+              <a:spcBef>
+                <a:spcPts val="600"/>
+              </a:spcBef>
+              <a:buFont typeface="Arial" pitchFamily="34" charset="0"/>
+              <a:buChar char=" "/>
+              <a:defRPr sz="1800" kern="1200">
+                <a:solidFill>
+                  <a:schemeClr val="tx1">
+                    <a:lumMod val="85000"/>
+                    <a:lumOff val="15000"/>
+                  </a:schemeClr>
+                </a:solidFill>
+                <a:latin typeface="+mn-lt"/>
+                <a:ea typeface="+mn-ea"/>
+                <a:cs typeface="+mn-cs"/>
+              </a:defRPr>
+            </a:lvl6pPr>
+            <a:lvl7pPr marL="1400000" indent="-228600" algn="l" defTabSz="914400" rtl="0" eaLnBrk="1" latinLnBrk="0" hangingPunct="1">
+              <a:lnSpc>
+                <a:spcPct val="85000"/>
+              </a:lnSpc>
+              <a:spcBef>
+                <a:spcPts val="600"/>
+              </a:spcBef>
+              <a:buFont typeface="Arial" pitchFamily="34" charset="0"/>
+              <a:buChar char=" "/>
+              <a:defRPr sz="1800" kern="1200">
+                <a:solidFill>
+                  <a:schemeClr val="tx1">
+                    <a:lumMod val="85000"/>
+                    <a:lumOff val="15000"/>
+                  </a:schemeClr>
+                </a:solidFill>
+                <a:latin typeface="+mn-lt"/>
+                <a:ea typeface="+mn-ea"/>
+                <a:cs typeface="+mn-cs"/>
+              </a:defRPr>
+            </a:lvl7pPr>
+            <a:lvl8pPr marL="1600000" indent="-228600" algn="l" defTabSz="914400" rtl="0" eaLnBrk="1" latinLnBrk="0" hangingPunct="1">
+              <a:lnSpc>
+                <a:spcPct val="85000"/>
+              </a:lnSpc>
+              <a:spcBef>
+                <a:spcPts val="600"/>
+              </a:spcBef>
+              <a:buFont typeface="Arial" pitchFamily="34" charset="0"/>
+              <a:buChar char=" "/>
+              <a:defRPr sz="1800" kern="1200">
+                <a:solidFill>
+                  <a:schemeClr val="tx1">
+                    <a:lumMod val="85000"/>
+                    <a:lumOff val="15000"/>
+                  </a:schemeClr>
+                </a:solidFill>
+                <a:latin typeface="+mn-lt"/>
+                <a:ea typeface="+mn-ea"/>
+                <a:cs typeface="+mn-cs"/>
+              </a:defRPr>
+            </a:lvl8pPr>
+            <a:lvl9pPr marL="1800000" indent="-228600" algn="l" defTabSz="914400" rtl="0" eaLnBrk="1" latinLnBrk="0" hangingPunct="1">
+              <a:lnSpc>
+                <a:spcPct val="85000"/>
+              </a:lnSpc>
+              <a:spcBef>
+                <a:spcPts val="600"/>
+              </a:spcBef>
+              <a:buFont typeface="Arial" pitchFamily="34" charset="0"/>
+              <a:buChar char=" "/>
+              <a:defRPr sz="1800" kern="1200">
+                <a:solidFill>
+                  <a:schemeClr val="tx1">
+                    <a:lumMod val="85000"/>
+                    <a:lumOff val="15000"/>
+                  </a:schemeClr>
+                </a:solidFill>
+                <a:latin typeface="+mn-lt"/>
+                <a:ea typeface="+mn-ea"/>
+                <a:cs typeface="+mn-cs"/>
+              </a:defRPr>
+            </a:lvl9pPr>
+          </a:lstStyle>
+          <a:p>
+            <a:pPr marL="4572" lvl="1" indent="0">
+              <a:spcBef>
+                <a:spcPts val="1300"/>
+              </a:spcBef>
+              <a:buNone/>
+              <a:tabLst>
+                <a:tab pos="233363" algn="ctr"/>
+                <a:tab pos="457200" algn="l"/>
+              </a:tabLst>
+            </a:pPr>
+            <a:r>
+              <a:rPr lang="en-US" sz="2000" dirty="0">
+                <a:latin typeface="FontAwesome" pitchFamily="2" charset="0"/>
+              </a:rPr>
+              <a:t>	</a:t>
+            </a:r>
+            <a:r>
+              <a:rPr lang="en-US" sz="2000" dirty="0">
+                <a:latin typeface="Font Awesome 5 Free Solid" panose="02000503000000000000" pitchFamily="50" charset="0"/>
+              </a:rPr>
+              <a:t></a:t>
+            </a:r>
+            <a:r>
+              <a:rPr lang="en-US" sz="2000" dirty="0">
+                <a:latin typeface="FontAwesome" pitchFamily="2" charset="0"/>
+              </a:rPr>
+              <a:t>	</a:t>
+            </a:r>
+            <a:r>
+              <a:rPr lang="en-US" sz="2000" dirty="0"/>
+              <a:t>Microsoft MVP in ASP.NET</a:t>
+            </a:r>
+          </a:p>
+          <a:p>
+            <a:pPr marL="4572" lvl="1" indent="0">
+              <a:spcBef>
+                <a:spcPts val="1300"/>
+              </a:spcBef>
+              <a:buNone/>
+              <a:tabLst>
+                <a:tab pos="233363" algn="ctr"/>
+                <a:tab pos="457200" algn="l"/>
+              </a:tabLst>
+            </a:pPr>
+            <a:r>
+              <a:rPr lang="en-US" sz="2000" dirty="0">
+                <a:latin typeface="FontAwesome" pitchFamily="2" charset="0"/>
+              </a:rPr>
+              <a:t>	</a:t>
+            </a:r>
+            <a:r>
+              <a:rPr lang="en-US" sz="2000" dirty="0">
+                <a:latin typeface="Font Awesome 5 Free Solid" panose="02000503000000000000" pitchFamily="50" charset="0"/>
+              </a:rPr>
+              <a:t></a:t>
+            </a:r>
+            <a:r>
+              <a:rPr lang="en-US" sz="2000" dirty="0">
+                <a:latin typeface="FontAwesome" pitchFamily="2" charset="0"/>
+              </a:rPr>
+              <a:t>	</a:t>
+            </a:r>
+            <a:r>
+              <a:rPr lang="en-US" sz="2000" dirty="0" err="1"/>
+              <a:t>Telerik</a:t>
+            </a:r>
+            <a:r>
+              <a:rPr lang="en-US" sz="2000" dirty="0"/>
+              <a:t>/Progress Developer Expert</a:t>
+            </a:r>
+          </a:p>
+          <a:p>
+            <a:pPr marL="0" indent="0">
+              <a:buNone/>
+              <a:tabLst>
+                <a:tab pos="233363" algn="ctr"/>
+                <a:tab pos="457200" algn="l"/>
+              </a:tabLst>
+            </a:pPr>
+            <a:r>
+              <a:rPr lang="en-US" sz="2000" dirty="0">
+                <a:latin typeface="FontAwesome" pitchFamily="2" charset="0"/>
+              </a:rPr>
+              <a:t>	</a:t>
+            </a:r>
+            <a:r>
+              <a:rPr lang="en-US" sz="2000" dirty="0">
+                <a:latin typeface="Font Awesome 5 Free Solid" panose="02000503000000000000" pitchFamily="50" charset="0"/>
+              </a:rPr>
+              <a:t></a:t>
+            </a:r>
+            <a:r>
+              <a:rPr lang="en-US" sz="2000" dirty="0">
+                <a:latin typeface="FontAwesome" pitchFamily="2" charset="0"/>
+              </a:rPr>
+              <a:t>	</a:t>
+            </a:r>
+            <a:r>
+              <a:rPr lang="en-US" sz="2000" dirty="0"/>
+              <a:t>Organizer of Beer City Code</a:t>
             </a:r>
           </a:p>
         </p:txBody>
@@ -38722,7 +39590,7 @@
     </p:spTree>
     <p:extLst>
       <p:ext uri="{BB962C8B-B14F-4D97-AF65-F5344CB8AC3E}">
-        <p14:creationId xmlns:p14="http://schemas.microsoft.com/office/powerpoint/2010/main" val="1681186945"/>
+        <p14:creationId xmlns:p14="http://schemas.microsoft.com/office/powerpoint/2010/main" val="898424090"/>
       </p:ext>
     </p:extLst>
   </p:cSld>
@@ -38744,7 +39612,7 @@
 </p:sld>
 </file>
 
-<file path=ppt/slides/slide43.xml><?xml version="1.0" encoding="utf-8"?>
+<file path=ppt/slides/slide47.xml><?xml version="1.0" encoding="utf-8"?>
 <p:sld xmlns:a="http://schemas.openxmlformats.org/drawingml/2006/main" xmlns:r="http://schemas.openxmlformats.org/officeDocument/2006/relationships" xmlns:p="http://schemas.openxmlformats.org/presentationml/2006/main">
   <p:cSld>
     <p:spTree>
@@ -38831,7 +39699,7 @@
                   <a:schemeClr val="bg1"/>
                 </a:solidFill>
               </a:rPr>
-              <a:t>If You Give $50, So Will I!</a:t>
+              <a:t>If You Give $245, So Will I!</a:t>
             </a:r>
             <a:endParaRPr lang="en-US" sz="3600" i="1" dirty="0">
               <a:solidFill>
@@ -38893,37 +39761,7 @@
                   </a:outerShdw>
                 </a:effectLst>
               </a:rPr>
-              <a:t>bit.ly/</a:t>
-            </a:r>
-            <a:r>
-              <a:rPr lang="en-US" sz="4800" b="1" dirty="0" err="1">
-                <a:solidFill>
-                  <a:schemeClr val="bg1"/>
-                </a:solidFill>
-                <a:effectLst>
-                  <a:outerShdw blurRad="50800" dist="38100" dir="8100000" algn="tr" rotWithShape="0">
-                    <a:prstClr val="black">
-                      <a:alpha val="40000"/>
-                    </a:prstClr>
-                  </a:outerShdw>
-                </a:effectLst>
-              </a:rPr>
-              <a:t>dns</a:t>
-            </a:r>
-            <a:r>
-              <a:rPr lang="en-US" sz="4800" b="1" dirty="0">
-                <a:solidFill>
-                  <a:schemeClr val="bg1"/>
-                </a:solidFill>
-                <a:effectLst>
-                  <a:outerShdw blurRad="50800" dist="38100" dir="8100000" algn="tr" rotWithShape="0">
-                    <a:prstClr val="black">
-                      <a:alpha val="40000"/>
-                    </a:prstClr>
-                  </a:outerShdw>
-                </a:effectLst>
-              </a:rPr>
-              <a:t>-water</a:t>
+              <a:t>bit.ly/gang-conf</a:t>
             </a:r>
             <a:endParaRPr lang="en-US" sz="4400" b="1" dirty="0">
               <a:solidFill>
@@ -39131,7 +39969,7 @@
     </p:spTree>
     <p:extLst>
       <p:ext uri="{BB962C8B-B14F-4D97-AF65-F5344CB8AC3E}">
-        <p14:creationId xmlns:p14="http://schemas.microsoft.com/office/powerpoint/2010/main" val="2323809254"/>
+        <p14:creationId xmlns:p14="http://schemas.microsoft.com/office/powerpoint/2010/main" val="3224142933"/>
       </p:ext>
     </p:extLst>
   </p:cSld>
@@ -39550,7 +40388,7 @@
         </p:nvSpPr>
         <p:spPr>
           <a:xfrm>
-            <a:off x="0" y="0"/>
+            <a:off x="0" y="-47068"/>
             <a:ext cx="12192000" cy="2471351"/>
           </a:xfrm>
           <a:prstGeom prst="rect">
